--- a/note/note.pptx
+++ b/note/note.pptx
@@ -5,7 +5,13 @@
     <p:sldMasterId id="2147483648" r:id="rId1"/>
   </p:sldMasterIdLst>
   <p:sldIdLst>
-    <p:sldId id="256" r:id="rId2"/>
+    <p:sldId id="262" r:id="rId2"/>
+    <p:sldId id="256" r:id="rId3"/>
+    <p:sldId id="257" r:id="rId4"/>
+    <p:sldId id="259" r:id="rId5"/>
+    <p:sldId id="260" r:id="rId6"/>
+    <p:sldId id="261" r:id="rId7"/>
+    <p:sldId id="263" r:id="rId8"/>
   </p:sldIdLst>
   <p:sldSz cx="12192000" cy="6858000"/>
   <p:notesSz cx="6858000" cy="9144000"/>
@@ -104,6 +110,11 @@
       </a:defRPr>
     </a:lvl9pPr>
   </p:defaultTextStyle>
+  <p:extLst>
+    <p:ext uri="{EFAFB233-063F-42B5-8137-9DF3F51BA10A}">
+      <p15:sldGuideLst xmlns:p15="http://schemas.microsoft.com/office/powerpoint/2012/main"/>
+    </p:ext>
+  </p:extLst>
 </p:presentation>
 </file>
 
@@ -3321,10 +3332,1629 @@
           <a:chExt cx="0" cy="0"/>
         </a:xfrm>
       </p:grpSpPr>
+      <p:sp>
+        <p:nvSpPr>
+          <p:cNvPr id="4" name="文本框 3">
+            <a:extLst>
+              <a:ext uri="{FF2B5EF4-FFF2-40B4-BE49-F238E27FC236}">
+                <a16:creationId xmlns:a16="http://schemas.microsoft.com/office/drawing/2014/main" id="{92E31F91-D1B9-BEF6-1FFA-968A787BE588}"/>
+              </a:ext>
+            </a:extLst>
+          </p:cNvPr>
+          <p:cNvSpPr txBox="1"/>
+          <p:nvPr/>
+        </p:nvSpPr>
+        <p:spPr>
+          <a:xfrm>
+            <a:off x="202301" y="396510"/>
+            <a:ext cx="1766830" cy="369332"/>
+          </a:xfrm>
+          <a:prstGeom prst="rect">
+            <a:avLst/>
+          </a:prstGeom>
+          <a:noFill/>
+        </p:spPr>
+        <p:txBody>
+          <a:bodyPr wrap="none" rtlCol="0">
+            <a:spAutoFit/>
+          </a:bodyPr>
+          <a:lstStyle/>
+          <a:p>
+            <a:r>
+              <a:rPr lang="en-US" altLang="zh-CN" b="1" dirty="0"/>
+              <a:t>Lession_1  </a:t>
+            </a:r>
+            <a:r>
+              <a:rPr lang="zh-CN" altLang="en-US" b="1" dirty="0"/>
+              <a:t>入门</a:t>
+            </a:r>
+          </a:p>
+        </p:txBody>
+      </p:sp>
+      <p:sp>
+        <p:nvSpPr>
+          <p:cNvPr id="7" name="文本框 6">
+            <a:extLst>
+              <a:ext uri="{FF2B5EF4-FFF2-40B4-BE49-F238E27FC236}">
+                <a16:creationId xmlns:a16="http://schemas.microsoft.com/office/drawing/2014/main" id="{0F3F6504-70FE-64BD-AA76-157E81E24C40}"/>
+              </a:ext>
+            </a:extLst>
+          </p:cNvPr>
+          <p:cNvSpPr txBox="1"/>
+          <p:nvPr/>
+        </p:nvSpPr>
+        <p:spPr>
+          <a:xfrm>
+            <a:off x="4057650" y="2733675"/>
+            <a:ext cx="3609975" cy="369332"/>
+          </a:xfrm>
+          <a:prstGeom prst="rect">
+            <a:avLst/>
+          </a:prstGeom>
+          <a:noFill/>
+        </p:spPr>
+        <p:txBody>
+          <a:bodyPr wrap="square" rtlCol="0">
+            <a:spAutoFit/>
+          </a:bodyPr>
+          <a:lstStyle/>
+          <a:p>
+            <a:r>
+              <a:rPr lang="zh-CN" altLang="en-US" dirty="0"/>
+              <a:t>略。。。。</a:t>
+            </a:r>
+          </a:p>
+        </p:txBody>
+      </p:sp>
+    </p:spTree>
+    <p:extLst>
+      <p:ext uri="{BB962C8B-B14F-4D97-AF65-F5344CB8AC3E}">
+        <p14:creationId xmlns:p14="http://schemas.microsoft.com/office/powerpoint/2010/main" val="280896728"/>
+      </p:ext>
+    </p:extLst>
+  </p:cSld>
+  <p:clrMapOvr>
+    <a:masterClrMapping/>
+  </p:clrMapOvr>
+</p:sld>
+</file>
+
+<file path=ppt/slides/slide2.xml><?xml version="1.0" encoding="utf-8"?>
+<p:sld xmlns:a="http://schemas.openxmlformats.org/drawingml/2006/main" xmlns:r="http://schemas.openxmlformats.org/officeDocument/2006/relationships" xmlns:p="http://schemas.openxmlformats.org/presentationml/2006/main">
+  <p:cSld>
+    <p:spTree>
+      <p:nvGrpSpPr>
+        <p:cNvPr id="1" name=""/>
+        <p:cNvGrpSpPr/>
+        <p:nvPr/>
+      </p:nvGrpSpPr>
+      <p:grpSpPr>
+        <a:xfrm>
+          <a:off x="0" y="0"/>
+          <a:ext cx="0" cy="0"/>
+          <a:chOff x="0" y="0"/>
+          <a:chExt cx="0" cy="0"/>
+        </a:xfrm>
+      </p:grpSpPr>
+      <p:sp>
+        <p:nvSpPr>
+          <p:cNvPr id="3" name="文本框 2">
+            <a:extLst>
+              <a:ext uri="{FF2B5EF4-FFF2-40B4-BE49-F238E27FC236}">
+                <a16:creationId xmlns:a16="http://schemas.microsoft.com/office/drawing/2014/main" id="{FD6159B0-DD90-D0F8-B638-0DDFB0833B4F}"/>
+              </a:ext>
+            </a:extLst>
+          </p:cNvPr>
+          <p:cNvSpPr txBox="1"/>
+          <p:nvPr/>
+        </p:nvSpPr>
+        <p:spPr>
+          <a:xfrm>
+            <a:off x="2109998" y="2939166"/>
+            <a:ext cx="7123014" cy="369332"/>
+          </a:xfrm>
+          <a:prstGeom prst="rect">
+            <a:avLst/>
+          </a:prstGeom>
+          <a:noFill/>
+        </p:spPr>
+        <p:txBody>
+          <a:bodyPr wrap="square">
+            <a:spAutoFit/>
+          </a:bodyPr>
+          <a:lstStyle/>
+          <a:p>
+            <a:r>
+              <a:rPr lang="zh-CN" altLang="en-US" dirty="0">
+                <a:hlinkClick r:id="rId2"/>
+              </a:rPr>
+              <a:t>旋转矩阵为何左乘是相对固定坐标系，右乘是相对当前坐标系？</a:t>
+            </a:r>
+            <a:endParaRPr lang="zh-CN" altLang="en-US" dirty="0"/>
+          </a:p>
+        </p:txBody>
+      </p:sp>
+      <p:sp>
+        <p:nvSpPr>
+          <p:cNvPr id="4" name="文本框 3">
+            <a:extLst>
+              <a:ext uri="{FF2B5EF4-FFF2-40B4-BE49-F238E27FC236}">
+                <a16:creationId xmlns:a16="http://schemas.microsoft.com/office/drawing/2014/main" id="{92E31F91-D1B9-BEF6-1FFA-968A787BE588}"/>
+              </a:ext>
+            </a:extLst>
+          </p:cNvPr>
+          <p:cNvSpPr txBox="1"/>
+          <p:nvPr/>
+        </p:nvSpPr>
+        <p:spPr>
+          <a:xfrm>
+            <a:off x="202301" y="396510"/>
+            <a:ext cx="2228495" cy="369332"/>
+          </a:xfrm>
+          <a:prstGeom prst="rect">
+            <a:avLst/>
+          </a:prstGeom>
+          <a:noFill/>
+        </p:spPr>
+        <p:txBody>
+          <a:bodyPr wrap="none" rtlCol="0">
+            <a:spAutoFit/>
+          </a:bodyPr>
+          <a:lstStyle/>
+          <a:p>
+            <a:r>
+              <a:rPr lang="en-US" altLang="zh-CN" b="1" dirty="0"/>
+              <a:t>Lession_2  </a:t>
+            </a:r>
+            <a:r>
+              <a:rPr lang="zh-CN" altLang="en-US" b="1" dirty="0"/>
+              <a:t>基础知识</a:t>
+            </a:r>
+          </a:p>
+        </p:txBody>
+      </p:sp>
+      <p:sp>
+        <p:nvSpPr>
+          <p:cNvPr id="5" name="文本框 4">
+            <a:extLst>
+              <a:ext uri="{FF2B5EF4-FFF2-40B4-BE49-F238E27FC236}">
+                <a16:creationId xmlns:a16="http://schemas.microsoft.com/office/drawing/2014/main" id="{0F561060-BAB0-72FC-6342-8C772E977660}"/>
+              </a:ext>
+            </a:extLst>
+          </p:cNvPr>
+          <p:cNvSpPr txBox="1"/>
+          <p:nvPr/>
+        </p:nvSpPr>
+        <p:spPr>
+          <a:xfrm>
+            <a:off x="700357" y="1186648"/>
+            <a:ext cx="5064207" cy="369332"/>
+          </a:xfrm>
+          <a:prstGeom prst="rect">
+            <a:avLst/>
+          </a:prstGeom>
+          <a:noFill/>
+        </p:spPr>
+        <p:txBody>
+          <a:bodyPr wrap="none" rtlCol="0">
+            <a:spAutoFit/>
+          </a:bodyPr>
+          <a:lstStyle/>
+          <a:p>
+            <a:r>
+              <a:rPr lang="en-US" altLang="zh-CN" b="1" dirty="0">
+                <a:solidFill>
+                  <a:srgbClr val="FF0000"/>
+                </a:solidFill>
+              </a:rPr>
+              <a:t>1-1 </a:t>
+            </a:r>
+            <a:r>
+              <a:rPr lang="zh-CN" altLang="en-US" b="1" dirty="0">
+                <a:solidFill>
+                  <a:srgbClr val="FF0000"/>
+                </a:solidFill>
+              </a:rPr>
+              <a:t>矩阵的左乘 和 右乘， 他们的物理</a:t>
+            </a:r>
+            <a:r>
+              <a:rPr lang="en-US" altLang="zh-CN" b="1" dirty="0">
+                <a:solidFill>
+                  <a:srgbClr val="FF0000"/>
+                </a:solidFill>
+              </a:rPr>
+              <a:t>/</a:t>
+            </a:r>
+            <a:r>
+              <a:rPr lang="zh-CN" altLang="en-US" b="1" dirty="0">
+                <a:solidFill>
+                  <a:srgbClr val="FF0000"/>
+                </a:solidFill>
+              </a:rPr>
+              <a:t>数学意义</a:t>
+            </a:r>
+          </a:p>
+        </p:txBody>
+      </p:sp>
+      <p:sp>
+        <p:nvSpPr>
+          <p:cNvPr id="6" name="文本框 5">
+            <a:extLst>
+              <a:ext uri="{FF2B5EF4-FFF2-40B4-BE49-F238E27FC236}">
+                <a16:creationId xmlns:a16="http://schemas.microsoft.com/office/drawing/2014/main" id="{8F62F7A9-A7F4-B1B7-104B-8FF560623970}"/>
+              </a:ext>
+            </a:extLst>
+          </p:cNvPr>
+          <p:cNvSpPr txBox="1"/>
+          <p:nvPr/>
+        </p:nvSpPr>
+        <p:spPr>
+          <a:xfrm>
+            <a:off x="2109998" y="2346118"/>
+            <a:ext cx="2510624" cy="369332"/>
+          </a:xfrm>
+          <a:prstGeom prst="rect">
+            <a:avLst/>
+          </a:prstGeom>
+          <a:noFill/>
+        </p:spPr>
+        <p:txBody>
+          <a:bodyPr wrap="none" rtlCol="0">
+            <a:spAutoFit/>
+          </a:bodyPr>
+          <a:lstStyle/>
+          <a:p>
+            <a:r>
+              <a:rPr lang="zh-CN" altLang="en-US" b="1" dirty="0"/>
+              <a:t>有时间再看看线代书吧</a:t>
+            </a:r>
+          </a:p>
+        </p:txBody>
+      </p:sp>
+      <p:sp>
+        <p:nvSpPr>
+          <p:cNvPr id="8" name="文本框 7">
+            <a:extLst>
+              <a:ext uri="{FF2B5EF4-FFF2-40B4-BE49-F238E27FC236}">
+                <a16:creationId xmlns:a16="http://schemas.microsoft.com/office/drawing/2014/main" id="{58E1D8E1-1BB2-CA16-B50F-220F5C744753}"/>
+              </a:ext>
+            </a:extLst>
+          </p:cNvPr>
+          <p:cNvSpPr txBox="1"/>
+          <p:nvPr/>
+        </p:nvSpPr>
+        <p:spPr>
+          <a:xfrm>
+            <a:off x="2109998" y="3652716"/>
+            <a:ext cx="7309132" cy="369332"/>
+          </a:xfrm>
+          <a:prstGeom prst="rect">
+            <a:avLst/>
+          </a:prstGeom>
+          <a:noFill/>
+        </p:spPr>
+        <p:txBody>
+          <a:bodyPr wrap="square">
+            <a:spAutoFit/>
+          </a:bodyPr>
+          <a:lstStyle/>
+          <a:p>
+            <a:r>
+              <a:rPr lang="zh-CN" altLang="en-US" b="1" dirty="0"/>
+              <a:t>https://www.zhihu.com/question/263660493?sort=created</a:t>
+            </a:r>
+          </a:p>
+        </p:txBody>
+      </p:sp>
+      <p:sp>
+        <p:nvSpPr>
+          <p:cNvPr id="9" name="文本框 8">
+            <a:extLst>
+              <a:ext uri="{FF2B5EF4-FFF2-40B4-BE49-F238E27FC236}">
+                <a16:creationId xmlns:a16="http://schemas.microsoft.com/office/drawing/2014/main" id="{2169E72A-84AF-A528-1D40-64CD4703BEDB}"/>
+              </a:ext>
+            </a:extLst>
+          </p:cNvPr>
+          <p:cNvSpPr txBox="1"/>
+          <p:nvPr/>
+        </p:nvSpPr>
+        <p:spPr>
+          <a:xfrm>
+            <a:off x="8451888" y="3620348"/>
+            <a:ext cx="877163" cy="369332"/>
+          </a:xfrm>
+          <a:prstGeom prst="rect">
+            <a:avLst/>
+          </a:prstGeom>
+          <a:noFill/>
+        </p:spPr>
+        <p:txBody>
+          <a:bodyPr wrap="none" rtlCol="0">
+            <a:spAutoFit/>
+          </a:bodyPr>
+          <a:lstStyle/>
+          <a:p>
+            <a:r>
+              <a:rPr lang="zh-CN" altLang="en-US" dirty="0"/>
+              <a:t>没看懂</a:t>
+            </a:r>
+          </a:p>
+        </p:txBody>
+      </p:sp>
+      <p:sp>
+        <p:nvSpPr>
+          <p:cNvPr id="2" name="文本框 1">
+            <a:extLst>
+              <a:ext uri="{FF2B5EF4-FFF2-40B4-BE49-F238E27FC236}">
+                <a16:creationId xmlns:a16="http://schemas.microsoft.com/office/drawing/2014/main" id="{A1C4B394-9D14-40FD-49B2-4DB11AD138BB}"/>
+              </a:ext>
+            </a:extLst>
+          </p:cNvPr>
+          <p:cNvSpPr txBox="1"/>
+          <p:nvPr/>
+        </p:nvSpPr>
+        <p:spPr>
+          <a:xfrm>
+            <a:off x="3935132" y="4905487"/>
+            <a:ext cx="1736373" cy="369332"/>
+          </a:xfrm>
+          <a:prstGeom prst="rect">
+            <a:avLst/>
+          </a:prstGeom>
+          <a:noFill/>
+        </p:spPr>
+        <p:txBody>
+          <a:bodyPr wrap="none" rtlCol="0">
+            <a:spAutoFit/>
+          </a:bodyPr>
+          <a:lstStyle/>
+          <a:p>
+            <a:r>
+              <a:rPr lang="en-US" altLang="zh-CN" dirty="0"/>
+              <a:t>TODO</a:t>
+            </a:r>
+            <a:r>
+              <a:rPr lang="zh-CN" altLang="en-US" dirty="0"/>
+              <a:t>。。。。</a:t>
+            </a:r>
+          </a:p>
+        </p:txBody>
+      </p:sp>
     </p:spTree>
     <p:extLst>
       <p:ext uri="{BB962C8B-B14F-4D97-AF65-F5344CB8AC3E}">
         <p14:creationId xmlns:p14="http://schemas.microsoft.com/office/powerpoint/2010/main" val="1660972447"/>
+      </p:ext>
+    </p:extLst>
+  </p:cSld>
+  <p:clrMapOvr>
+    <a:masterClrMapping/>
+  </p:clrMapOvr>
+</p:sld>
+</file>
+
+<file path=ppt/slides/slide3.xml><?xml version="1.0" encoding="utf-8"?>
+<p:sld xmlns:a="http://schemas.openxmlformats.org/drawingml/2006/main" xmlns:r="http://schemas.openxmlformats.org/officeDocument/2006/relationships" xmlns:p="http://schemas.openxmlformats.org/presentationml/2006/main">
+  <p:cSld>
+    <p:spTree>
+      <p:nvGrpSpPr>
+        <p:cNvPr id="1" name=""/>
+        <p:cNvGrpSpPr/>
+        <p:nvPr/>
+      </p:nvGrpSpPr>
+      <p:grpSpPr>
+        <a:xfrm>
+          <a:off x="0" y="0"/>
+          <a:ext cx="0" cy="0"/>
+          <a:chOff x="0" y="0"/>
+          <a:chExt cx="0" cy="0"/>
+        </a:xfrm>
+      </p:grpSpPr>
+      <p:sp>
+        <p:nvSpPr>
+          <p:cNvPr id="4" name="文本框 3">
+            <a:extLst>
+              <a:ext uri="{FF2B5EF4-FFF2-40B4-BE49-F238E27FC236}">
+                <a16:creationId xmlns:a16="http://schemas.microsoft.com/office/drawing/2014/main" id="{92E31F91-D1B9-BEF6-1FFA-968A787BE588}"/>
+              </a:ext>
+            </a:extLst>
+          </p:cNvPr>
+          <p:cNvSpPr txBox="1"/>
+          <p:nvPr/>
+        </p:nvSpPr>
+        <p:spPr>
+          <a:xfrm>
+            <a:off x="202301" y="396510"/>
+            <a:ext cx="2228495" cy="369332"/>
+          </a:xfrm>
+          <a:prstGeom prst="rect">
+            <a:avLst/>
+          </a:prstGeom>
+          <a:noFill/>
+        </p:spPr>
+        <p:txBody>
+          <a:bodyPr wrap="none" rtlCol="0">
+            <a:spAutoFit/>
+          </a:bodyPr>
+          <a:lstStyle/>
+          <a:p>
+            <a:r>
+              <a:rPr lang="en-US" altLang="zh-CN" b="1" dirty="0"/>
+              <a:t>Lession_2  </a:t>
+            </a:r>
+            <a:r>
+              <a:rPr lang="zh-CN" altLang="en-US" b="1" dirty="0"/>
+              <a:t>基础知识</a:t>
+            </a:r>
+          </a:p>
+        </p:txBody>
+      </p:sp>
+      <p:sp>
+        <p:nvSpPr>
+          <p:cNvPr id="5" name="文本框 4">
+            <a:extLst>
+              <a:ext uri="{FF2B5EF4-FFF2-40B4-BE49-F238E27FC236}">
+                <a16:creationId xmlns:a16="http://schemas.microsoft.com/office/drawing/2014/main" id="{0F561060-BAB0-72FC-6342-8C772E977660}"/>
+              </a:ext>
+            </a:extLst>
+          </p:cNvPr>
+          <p:cNvSpPr txBox="1"/>
+          <p:nvPr/>
+        </p:nvSpPr>
+        <p:spPr>
+          <a:xfrm>
+            <a:off x="826909" y="1110060"/>
+            <a:ext cx="3390672" cy="369332"/>
+          </a:xfrm>
+          <a:prstGeom prst="rect">
+            <a:avLst/>
+          </a:prstGeom>
+          <a:noFill/>
+        </p:spPr>
+        <p:txBody>
+          <a:bodyPr wrap="none" rtlCol="0">
+            <a:spAutoFit/>
+          </a:bodyPr>
+          <a:lstStyle/>
+          <a:p>
+            <a:r>
+              <a:rPr lang="en-US" altLang="zh-CN" b="1" dirty="0">
+                <a:solidFill>
+                  <a:srgbClr val="FF0000"/>
+                </a:solidFill>
+              </a:rPr>
+              <a:t>1-2 </a:t>
+            </a:r>
+            <a:r>
+              <a:rPr lang="zh-CN" altLang="en-US" b="1" dirty="0">
+                <a:solidFill>
+                  <a:srgbClr val="FF0000"/>
+                </a:solidFill>
+              </a:rPr>
+              <a:t>正交投影矩阵的原理与推导</a:t>
+            </a:r>
+          </a:p>
+        </p:txBody>
+      </p:sp>
+      <p:sp>
+        <p:nvSpPr>
+          <p:cNvPr id="2" name="文本框 1">
+            <a:extLst>
+              <a:ext uri="{FF2B5EF4-FFF2-40B4-BE49-F238E27FC236}">
+                <a16:creationId xmlns:a16="http://schemas.microsoft.com/office/drawing/2014/main" id="{9AC95F4E-C895-434F-7041-B22DF98FBA67}"/>
+              </a:ext>
+            </a:extLst>
+          </p:cNvPr>
+          <p:cNvSpPr txBox="1"/>
+          <p:nvPr/>
+        </p:nvSpPr>
+        <p:spPr>
+          <a:xfrm>
+            <a:off x="3141233" y="3141233"/>
+            <a:ext cx="1736373" cy="369332"/>
+          </a:xfrm>
+          <a:prstGeom prst="rect">
+            <a:avLst/>
+          </a:prstGeom>
+          <a:noFill/>
+        </p:spPr>
+        <p:txBody>
+          <a:bodyPr wrap="none" rtlCol="0">
+            <a:spAutoFit/>
+          </a:bodyPr>
+          <a:lstStyle/>
+          <a:p>
+            <a:r>
+              <a:rPr lang="en-US" altLang="zh-CN" dirty="0"/>
+              <a:t>TODO</a:t>
+            </a:r>
+            <a:r>
+              <a:rPr lang="zh-CN" altLang="en-US" dirty="0"/>
+              <a:t>。。。。</a:t>
+            </a:r>
+          </a:p>
+        </p:txBody>
+      </p:sp>
+    </p:spTree>
+    <p:extLst>
+      <p:ext uri="{BB962C8B-B14F-4D97-AF65-F5344CB8AC3E}">
+        <p14:creationId xmlns:p14="http://schemas.microsoft.com/office/powerpoint/2010/main" val="3382379485"/>
+      </p:ext>
+    </p:extLst>
+  </p:cSld>
+  <p:clrMapOvr>
+    <a:masterClrMapping/>
+  </p:clrMapOvr>
+</p:sld>
+</file>
+
+<file path=ppt/slides/slide4.xml><?xml version="1.0" encoding="utf-8"?>
+<p:sld xmlns:a="http://schemas.openxmlformats.org/drawingml/2006/main" xmlns:r="http://schemas.openxmlformats.org/officeDocument/2006/relationships" xmlns:p="http://schemas.openxmlformats.org/presentationml/2006/main">
+  <p:cSld>
+    <p:spTree>
+      <p:nvGrpSpPr>
+        <p:cNvPr id="1" name=""/>
+        <p:cNvGrpSpPr/>
+        <p:nvPr/>
+      </p:nvGrpSpPr>
+      <p:grpSpPr>
+        <a:xfrm>
+          <a:off x="0" y="0"/>
+          <a:ext cx="0" cy="0"/>
+          <a:chOff x="0" y="0"/>
+          <a:chExt cx="0" cy="0"/>
+        </a:xfrm>
+      </p:grpSpPr>
+      <p:sp>
+        <p:nvSpPr>
+          <p:cNvPr id="4" name="文本框 3">
+            <a:extLst>
+              <a:ext uri="{FF2B5EF4-FFF2-40B4-BE49-F238E27FC236}">
+                <a16:creationId xmlns:a16="http://schemas.microsoft.com/office/drawing/2014/main" id="{92E31F91-D1B9-BEF6-1FFA-968A787BE588}"/>
+              </a:ext>
+            </a:extLst>
+          </p:cNvPr>
+          <p:cNvSpPr txBox="1"/>
+          <p:nvPr/>
+        </p:nvSpPr>
+        <p:spPr>
+          <a:xfrm>
+            <a:off x="202301" y="396510"/>
+            <a:ext cx="2228495" cy="369332"/>
+          </a:xfrm>
+          <a:prstGeom prst="rect">
+            <a:avLst/>
+          </a:prstGeom>
+          <a:noFill/>
+        </p:spPr>
+        <p:txBody>
+          <a:bodyPr wrap="none" rtlCol="0">
+            <a:spAutoFit/>
+          </a:bodyPr>
+          <a:lstStyle/>
+          <a:p>
+            <a:r>
+              <a:rPr lang="en-US" altLang="zh-CN" b="1" dirty="0"/>
+              <a:t>Lession_2  </a:t>
+            </a:r>
+            <a:r>
+              <a:rPr lang="zh-CN" altLang="en-US" b="1" dirty="0"/>
+              <a:t>基础知识</a:t>
+            </a:r>
+          </a:p>
+        </p:txBody>
+      </p:sp>
+      <p:sp>
+        <p:nvSpPr>
+          <p:cNvPr id="5" name="文本框 4">
+            <a:extLst>
+              <a:ext uri="{FF2B5EF4-FFF2-40B4-BE49-F238E27FC236}">
+                <a16:creationId xmlns:a16="http://schemas.microsoft.com/office/drawing/2014/main" id="{0F561060-BAB0-72FC-6342-8C772E977660}"/>
+              </a:ext>
+            </a:extLst>
+          </p:cNvPr>
+          <p:cNvSpPr txBox="1"/>
+          <p:nvPr/>
+        </p:nvSpPr>
+        <p:spPr>
+          <a:xfrm>
+            <a:off x="826909" y="1110060"/>
+            <a:ext cx="3390672" cy="369332"/>
+          </a:xfrm>
+          <a:prstGeom prst="rect">
+            <a:avLst/>
+          </a:prstGeom>
+          <a:noFill/>
+        </p:spPr>
+        <p:txBody>
+          <a:bodyPr wrap="none" rtlCol="0">
+            <a:spAutoFit/>
+          </a:bodyPr>
+          <a:lstStyle/>
+          <a:p>
+            <a:r>
+              <a:rPr lang="en-US" altLang="zh-CN" b="1" dirty="0">
+                <a:solidFill>
+                  <a:srgbClr val="FF0000"/>
+                </a:solidFill>
+              </a:rPr>
+              <a:t>1-3 </a:t>
+            </a:r>
+            <a:r>
+              <a:rPr lang="zh-CN" altLang="en-US" b="1" dirty="0">
+                <a:solidFill>
+                  <a:srgbClr val="FF0000"/>
+                </a:solidFill>
+              </a:rPr>
+              <a:t>透视投影矩阵的原理与推导</a:t>
+            </a:r>
+          </a:p>
+        </p:txBody>
+      </p:sp>
+      <p:sp>
+        <p:nvSpPr>
+          <p:cNvPr id="2" name="文本框 1">
+            <a:extLst>
+              <a:ext uri="{FF2B5EF4-FFF2-40B4-BE49-F238E27FC236}">
+                <a16:creationId xmlns:a16="http://schemas.microsoft.com/office/drawing/2014/main" id="{76B240F0-122B-8362-407D-C3B0DE62DF72}"/>
+              </a:ext>
+            </a:extLst>
+          </p:cNvPr>
+          <p:cNvSpPr txBox="1"/>
+          <p:nvPr/>
+        </p:nvSpPr>
+        <p:spPr>
+          <a:xfrm>
+            <a:off x="3141233" y="3141233"/>
+            <a:ext cx="1736373" cy="369332"/>
+          </a:xfrm>
+          <a:prstGeom prst="rect">
+            <a:avLst/>
+          </a:prstGeom>
+          <a:noFill/>
+        </p:spPr>
+        <p:txBody>
+          <a:bodyPr wrap="none" rtlCol="0">
+            <a:spAutoFit/>
+          </a:bodyPr>
+          <a:lstStyle/>
+          <a:p>
+            <a:r>
+              <a:rPr lang="en-US" altLang="zh-CN" dirty="0"/>
+              <a:t>TODO</a:t>
+            </a:r>
+            <a:r>
+              <a:rPr lang="zh-CN" altLang="en-US" dirty="0"/>
+              <a:t>。。。。</a:t>
+            </a:r>
+          </a:p>
+        </p:txBody>
+      </p:sp>
+    </p:spTree>
+    <p:extLst>
+      <p:ext uri="{BB962C8B-B14F-4D97-AF65-F5344CB8AC3E}">
+        <p14:creationId xmlns:p14="http://schemas.microsoft.com/office/powerpoint/2010/main" val="96894921"/>
+      </p:ext>
+    </p:extLst>
+  </p:cSld>
+  <p:clrMapOvr>
+    <a:masterClrMapping/>
+  </p:clrMapOvr>
+</p:sld>
+</file>
+
+<file path=ppt/slides/slide5.xml><?xml version="1.0" encoding="utf-8"?>
+<p:sld xmlns:a="http://schemas.openxmlformats.org/drawingml/2006/main" xmlns:r="http://schemas.openxmlformats.org/officeDocument/2006/relationships" xmlns:p="http://schemas.openxmlformats.org/presentationml/2006/main">
+  <p:cSld>
+    <p:spTree>
+      <p:nvGrpSpPr>
+        <p:cNvPr id="1" name=""/>
+        <p:cNvGrpSpPr/>
+        <p:nvPr/>
+      </p:nvGrpSpPr>
+      <p:grpSpPr>
+        <a:xfrm>
+          <a:off x="0" y="0"/>
+          <a:ext cx="0" cy="0"/>
+          <a:chOff x="0" y="0"/>
+          <a:chExt cx="0" cy="0"/>
+        </a:xfrm>
+      </p:grpSpPr>
+      <p:sp>
+        <p:nvSpPr>
+          <p:cNvPr id="4" name="文本框 3">
+            <a:extLst>
+              <a:ext uri="{FF2B5EF4-FFF2-40B4-BE49-F238E27FC236}">
+                <a16:creationId xmlns:a16="http://schemas.microsoft.com/office/drawing/2014/main" id="{92E31F91-D1B9-BEF6-1FFA-968A787BE588}"/>
+              </a:ext>
+            </a:extLst>
+          </p:cNvPr>
+          <p:cNvSpPr txBox="1"/>
+          <p:nvPr/>
+        </p:nvSpPr>
+        <p:spPr>
+          <a:xfrm>
+            <a:off x="202301" y="396510"/>
+            <a:ext cx="2228495" cy="369332"/>
+          </a:xfrm>
+          <a:prstGeom prst="rect">
+            <a:avLst/>
+          </a:prstGeom>
+          <a:noFill/>
+        </p:spPr>
+        <p:txBody>
+          <a:bodyPr wrap="none" rtlCol="0">
+            <a:spAutoFit/>
+          </a:bodyPr>
+          <a:lstStyle/>
+          <a:p>
+            <a:r>
+              <a:rPr lang="en-US" altLang="zh-CN" b="1" dirty="0"/>
+              <a:t>Lession_2  </a:t>
+            </a:r>
+            <a:r>
+              <a:rPr lang="zh-CN" altLang="en-US" b="1" dirty="0"/>
+              <a:t>基础知识</a:t>
+            </a:r>
+          </a:p>
+        </p:txBody>
+      </p:sp>
+      <p:sp>
+        <p:nvSpPr>
+          <p:cNvPr id="3" name="文本框 2">
+            <a:extLst>
+              <a:ext uri="{FF2B5EF4-FFF2-40B4-BE49-F238E27FC236}">
+                <a16:creationId xmlns:a16="http://schemas.microsoft.com/office/drawing/2014/main" id="{B75C7B32-ACA4-EF5C-ED0A-1E351EF24941}"/>
+              </a:ext>
+            </a:extLst>
+          </p:cNvPr>
+          <p:cNvSpPr txBox="1"/>
+          <p:nvPr/>
+        </p:nvSpPr>
+        <p:spPr>
+          <a:xfrm>
+            <a:off x="619995" y="1099979"/>
+            <a:ext cx="1529586" cy="369332"/>
+          </a:xfrm>
+          <a:prstGeom prst="rect">
+            <a:avLst/>
+          </a:prstGeom>
+          <a:noFill/>
+        </p:spPr>
+        <p:txBody>
+          <a:bodyPr wrap="none" rtlCol="0">
+            <a:spAutoFit/>
+          </a:bodyPr>
+          <a:lstStyle/>
+          <a:p>
+            <a:r>
+              <a:rPr lang="en-US" altLang="zh-CN" b="1" dirty="0">
+                <a:solidFill>
+                  <a:srgbClr val="FF0000"/>
+                </a:solidFill>
+              </a:rPr>
+              <a:t>1-4</a:t>
+            </a:r>
+            <a:r>
+              <a:rPr lang="zh-CN" altLang="en-US" b="1" dirty="0">
+                <a:solidFill>
+                  <a:srgbClr val="FF0000"/>
+                </a:solidFill>
+              </a:rPr>
+              <a:t> 内存管理</a:t>
+            </a:r>
+          </a:p>
+        </p:txBody>
+      </p:sp>
+      <p:sp>
+        <p:nvSpPr>
+          <p:cNvPr id="6" name="文本框 5">
+            <a:extLst>
+              <a:ext uri="{FF2B5EF4-FFF2-40B4-BE49-F238E27FC236}">
+                <a16:creationId xmlns:a16="http://schemas.microsoft.com/office/drawing/2014/main" id="{73ABC783-FDBD-AF44-6F02-A43266CF2636}"/>
+              </a:ext>
+            </a:extLst>
+          </p:cNvPr>
+          <p:cNvSpPr txBox="1"/>
+          <p:nvPr/>
+        </p:nvSpPr>
+        <p:spPr>
+          <a:xfrm>
+            <a:off x="1284488" y="1865965"/>
+            <a:ext cx="9483686" cy="369332"/>
+          </a:xfrm>
+          <a:prstGeom prst="rect">
+            <a:avLst/>
+          </a:prstGeom>
+          <a:noFill/>
+        </p:spPr>
+        <p:txBody>
+          <a:bodyPr wrap="none" rtlCol="0">
+            <a:spAutoFit/>
+          </a:bodyPr>
+          <a:lstStyle/>
+          <a:p>
+            <a:r>
+              <a:rPr lang="en-US" altLang="zh-CN" dirty="0"/>
+              <a:t>1. </a:t>
+            </a:r>
+            <a:r>
+              <a:rPr lang="zh-CN" altLang="en-US" dirty="0"/>
+              <a:t>在</a:t>
+            </a:r>
+            <a:r>
+              <a:rPr lang="en-US" altLang="zh-CN" dirty="0" err="1"/>
+              <a:t>osg</a:t>
+            </a:r>
+            <a:r>
+              <a:rPr lang="zh-CN" altLang="en-US" dirty="0"/>
+              <a:t>中，</a:t>
+            </a:r>
+            <a:r>
+              <a:rPr lang="en-US" altLang="zh-CN" dirty="0" err="1"/>
+              <a:t>osg</a:t>
+            </a:r>
+            <a:r>
+              <a:rPr lang="en-US" altLang="zh-CN" dirty="0"/>
+              <a:t>::Vec3Array</a:t>
+            </a:r>
+            <a:r>
+              <a:rPr lang="zh-CN" altLang="en-US" dirty="0"/>
+              <a:t>为什么不能够创建局部变量，而一定要通过</a:t>
+            </a:r>
+            <a:r>
+              <a:rPr lang="en-US" altLang="zh-CN" dirty="0"/>
+              <a:t>new</a:t>
+            </a:r>
+            <a:r>
+              <a:rPr lang="zh-CN" altLang="en-US" dirty="0"/>
+              <a:t>，出于什么考虑</a:t>
+            </a:r>
+          </a:p>
+        </p:txBody>
+      </p:sp>
+      <p:sp>
+        <p:nvSpPr>
+          <p:cNvPr id="7" name="文本框 6">
+            <a:extLst>
+              <a:ext uri="{FF2B5EF4-FFF2-40B4-BE49-F238E27FC236}">
+                <a16:creationId xmlns:a16="http://schemas.microsoft.com/office/drawing/2014/main" id="{1D546355-34EE-A65D-8616-8D7B11EC2872}"/>
+              </a:ext>
+            </a:extLst>
+          </p:cNvPr>
+          <p:cNvSpPr txBox="1"/>
+          <p:nvPr/>
+        </p:nvSpPr>
+        <p:spPr>
+          <a:xfrm>
+            <a:off x="1284488" y="2661767"/>
+            <a:ext cx="4249881" cy="369332"/>
+          </a:xfrm>
+          <a:prstGeom prst="rect">
+            <a:avLst/>
+          </a:prstGeom>
+          <a:noFill/>
+        </p:spPr>
+        <p:txBody>
+          <a:bodyPr wrap="none" rtlCol="0">
+            <a:spAutoFit/>
+          </a:bodyPr>
+          <a:lstStyle/>
+          <a:p>
+            <a:r>
+              <a:rPr lang="en-US" altLang="zh-CN" dirty="0"/>
+              <a:t>2. </a:t>
+            </a:r>
+            <a:r>
+              <a:rPr lang="zh-CN" altLang="en-US" dirty="0"/>
+              <a:t>如何实现智能指针，有哪些注意事项</a:t>
+            </a:r>
+          </a:p>
+        </p:txBody>
+      </p:sp>
+      <p:sp>
+        <p:nvSpPr>
+          <p:cNvPr id="8" name="文本框 7">
+            <a:extLst>
+              <a:ext uri="{FF2B5EF4-FFF2-40B4-BE49-F238E27FC236}">
+                <a16:creationId xmlns:a16="http://schemas.microsoft.com/office/drawing/2014/main" id="{A94A4CBD-0DE4-43B2-D32B-9BCDC2B0EA0E}"/>
+              </a:ext>
+            </a:extLst>
+          </p:cNvPr>
+          <p:cNvSpPr txBox="1"/>
+          <p:nvPr/>
+        </p:nvSpPr>
+        <p:spPr>
+          <a:xfrm>
+            <a:off x="6657633" y="2661767"/>
+            <a:ext cx="1736373" cy="369332"/>
+          </a:xfrm>
+          <a:prstGeom prst="rect">
+            <a:avLst/>
+          </a:prstGeom>
+          <a:noFill/>
+        </p:spPr>
+        <p:txBody>
+          <a:bodyPr wrap="none" rtlCol="0">
+            <a:spAutoFit/>
+          </a:bodyPr>
+          <a:lstStyle/>
+          <a:p>
+            <a:r>
+              <a:rPr lang="en-US" altLang="zh-CN" dirty="0"/>
+              <a:t>TODO</a:t>
+            </a:r>
+            <a:r>
+              <a:rPr lang="zh-CN" altLang="en-US" dirty="0"/>
+              <a:t>。。。。</a:t>
+            </a:r>
+          </a:p>
+        </p:txBody>
+      </p:sp>
+      <p:sp>
+        <p:nvSpPr>
+          <p:cNvPr id="9" name="文本框 8">
+            <a:extLst>
+              <a:ext uri="{FF2B5EF4-FFF2-40B4-BE49-F238E27FC236}">
+                <a16:creationId xmlns:a16="http://schemas.microsoft.com/office/drawing/2014/main" id="{57836822-D7A5-7773-05C5-8C1CBF7B7D8D}"/>
+              </a:ext>
+            </a:extLst>
+          </p:cNvPr>
+          <p:cNvSpPr txBox="1"/>
+          <p:nvPr/>
+        </p:nvSpPr>
+        <p:spPr>
+          <a:xfrm>
+            <a:off x="1284488" y="3425327"/>
+            <a:ext cx="1805302" cy="369332"/>
+          </a:xfrm>
+          <a:prstGeom prst="rect">
+            <a:avLst/>
+          </a:prstGeom>
+          <a:noFill/>
+        </p:spPr>
+        <p:txBody>
+          <a:bodyPr wrap="none" rtlCol="0">
+            <a:spAutoFit/>
+          </a:bodyPr>
+          <a:lstStyle/>
+          <a:p>
+            <a:r>
+              <a:rPr lang="en-US" altLang="zh-CN" dirty="0"/>
+              <a:t>3. </a:t>
+            </a:r>
+            <a:r>
+              <a:rPr lang="zh-CN" altLang="en-US" dirty="0"/>
+              <a:t>内存管理机制</a:t>
+            </a:r>
+          </a:p>
+        </p:txBody>
+      </p:sp>
+      <p:sp>
+        <p:nvSpPr>
+          <p:cNvPr id="10" name="文本框 9">
+            <a:extLst>
+              <a:ext uri="{FF2B5EF4-FFF2-40B4-BE49-F238E27FC236}">
+                <a16:creationId xmlns:a16="http://schemas.microsoft.com/office/drawing/2014/main" id="{8A05923F-D6B3-E7AD-1C33-28DFC99658E1}"/>
+              </a:ext>
+            </a:extLst>
+          </p:cNvPr>
+          <p:cNvSpPr txBox="1"/>
+          <p:nvPr/>
+        </p:nvSpPr>
+        <p:spPr>
+          <a:xfrm>
+            <a:off x="1717819" y="4019404"/>
+            <a:ext cx="9879628" cy="646331"/>
+          </a:xfrm>
+          <a:prstGeom prst="rect">
+            <a:avLst/>
+          </a:prstGeom>
+          <a:noFill/>
+        </p:spPr>
+        <p:txBody>
+          <a:bodyPr wrap="none" rtlCol="0">
+            <a:spAutoFit/>
+          </a:bodyPr>
+          <a:lstStyle/>
+          <a:p>
+            <a:r>
+              <a:rPr lang="zh-CN" altLang="en-US" b="1" dirty="0">
+                <a:solidFill>
+                  <a:srgbClr val="FF0000"/>
+                </a:solidFill>
+              </a:rPr>
+              <a:t>对于一个完整的场景树结构，将树的根节点从内存中卸载时，它会减少字节点的引用计数；这一</a:t>
+            </a:r>
+            <a:endParaRPr lang="en-US" altLang="zh-CN" b="1" dirty="0">
+              <a:solidFill>
+                <a:srgbClr val="FF0000"/>
+              </a:solidFill>
+            </a:endParaRPr>
+          </a:p>
+          <a:p>
+            <a:r>
+              <a:rPr lang="zh-CN" altLang="en-US" b="1" dirty="0">
+                <a:solidFill>
+                  <a:srgbClr val="FF0000"/>
+                </a:solidFill>
+              </a:rPr>
+              <a:t>动作将进而引发连锁的效果，将场景图形中的所有节点和数据逐一释放</a:t>
+            </a:r>
+          </a:p>
+        </p:txBody>
+      </p:sp>
+    </p:spTree>
+    <p:extLst>
+      <p:ext uri="{BB962C8B-B14F-4D97-AF65-F5344CB8AC3E}">
+        <p14:creationId xmlns:p14="http://schemas.microsoft.com/office/powerpoint/2010/main" val="251545393"/>
+      </p:ext>
+    </p:extLst>
+  </p:cSld>
+  <p:clrMapOvr>
+    <a:masterClrMapping/>
+  </p:clrMapOvr>
+</p:sld>
+</file>
+
+<file path=ppt/slides/slide6.xml><?xml version="1.0" encoding="utf-8"?>
+<p:sld xmlns:a="http://schemas.openxmlformats.org/drawingml/2006/main" xmlns:r="http://schemas.openxmlformats.org/officeDocument/2006/relationships" xmlns:p="http://schemas.openxmlformats.org/presentationml/2006/main">
+  <p:cSld>
+    <p:spTree>
+      <p:nvGrpSpPr>
+        <p:cNvPr id="1" name=""/>
+        <p:cNvGrpSpPr/>
+        <p:nvPr/>
+      </p:nvGrpSpPr>
+      <p:grpSpPr>
+        <a:xfrm>
+          <a:off x="0" y="0"/>
+          <a:ext cx="0" cy="0"/>
+          <a:chOff x="0" y="0"/>
+          <a:chExt cx="0" cy="0"/>
+        </a:xfrm>
+      </p:grpSpPr>
+      <p:sp>
+        <p:nvSpPr>
+          <p:cNvPr id="4" name="文本框 3">
+            <a:extLst>
+              <a:ext uri="{FF2B5EF4-FFF2-40B4-BE49-F238E27FC236}">
+                <a16:creationId xmlns:a16="http://schemas.microsoft.com/office/drawing/2014/main" id="{92E31F91-D1B9-BEF6-1FFA-968A787BE588}"/>
+              </a:ext>
+            </a:extLst>
+          </p:cNvPr>
+          <p:cNvSpPr txBox="1"/>
+          <p:nvPr/>
+        </p:nvSpPr>
+        <p:spPr>
+          <a:xfrm>
+            <a:off x="202301" y="396510"/>
+            <a:ext cx="2228495" cy="369332"/>
+          </a:xfrm>
+          <a:prstGeom prst="rect">
+            <a:avLst/>
+          </a:prstGeom>
+          <a:noFill/>
+        </p:spPr>
+        <p:txBody>
+          <a:bodyPr wrap="none" rtlCol="0">
+            <a:spAutoFit/>
+          </a:bodyPr>
+          <a:lstStyle/>
+          <a:p>
+            <a:r>
+              <a:rPr lang="en-US" altLang="zh-CN" b="1" dirty="0"/>
+              <a:t>Lession_2  </a:t>
+            </a:r>
+            <a:r>
+              <a:rPr lang="zh-CN" altLang="en-US" b="1" dirty="0"/>
+              <a:t>基础知识</a:t>
+            </a:r>
+          </a:p>
+        </p:txBody>
+      </p:sp>
+      <p:sp>
+        <p:nvSpPr>
+          <p:cNvPr id="2" name="文本框 1">
+            <a:extLst>
+              <a:ext uri="{FF2B5EF4-FFF2-40B4-BE49-F238E27FC236}">
+                <a16:creationId xmlns:a16="http://schemas.microsoft.com/office/drawing/2014/main" id="{CC4B9652-CF01-B031-DC90-67E92A0BD9D5}"/>
+              </a:ext>
+            </a:extLst>
+          </p:cNvPr>
+          <p:cNvSpPr txBox="1"/>
+          <p:nvPr/>
+        </p:nvSpPr>
+        <p:spPr>
+          <a:xfrm>
+            <a:off x="3822704" y="2136192"/>
+            <a:ext cx="1859805" cy="369332"/>
+          </a:xfrm>
+          <a:prstGeom prst="rect">
+            <a:avLst/>
+          </a:prstGeom>
+          <a:noFill/>
+        </p:spPr>
+        <p:txBody>
+          <a:bodyPr wrap="none" rtlCol="0">
+            <a:spAutoFit/>
+          </a:bodyPr>
+          <a:lstStyle/>
+          <a:p>
+            <a:r>
+              <a:rPr lang="en-US" altLang="zh-CN" b="1" dirty="0" err="1"/>
+              <a:t>osg</a:t>
+            </a:r>
+            <a:r>
+              <a:rPr lang="en-US" altLang="zh-CN" b="1" dirty="0"/>
+              <a:t>::Referenced</a:t>
+            </a:r>
+            <a:endParaRPr lang="zh-CN" altLang="en-US" b="1" dirty="0"/>
+          </a:p>
+        </p:txBody>
+      </p:sp>
+      <p:sp>
+        <p:nvSpPr>
+          <p:cNvPr id="5" name="文本框 4">
+            <a:extLst>
+              <a:ext uri="{FF2B5EF4-FFF2-40B4-BE49-F238E27FC236}">
+                <a16:creationId xmlns:a16="http://schemas.microsoft.com/office/drawing/2014/main" id="{7EAFA48D-69FC-122C-5A2C-C7F1A5B87BF7}"/>
+              </a:ext>
+            </a:extLst>
+          </p:cNvPr>
+          <p:cNvSpPr txBox="1"/>
+          <p:nvPr/>
+        </p:nvSpPr>
+        <p:spPr>
+          <a:xfrm>
+            <a:off x="4070369" y="3518359"/>
+            <a:ext cx="1364476" cy="369332"/>
+          </a:xfrm>
+          <a:prstGeom prst="rect">
+            <a:avLst/>
+          </a:prstGeom>
+          <a:noFill/>
+        </p:spPr>
+        <p:txBody>
+          <a:bodyPr wrap="none" rtlCol="0">
+            <a:spAutoFit/>
+          </a:bodyPr>
+          <a:lstStyle/>
+          <a:p>
+            <a:r>
+              <a:rPr lang="en-US" altLang="zh-CN" b="1" dirty="0" err="1"/>
+              <a:t>osg</a:t>
+            </a:r>
+            <a:r>
+              <a:rPr lang="en-US" altLang="zh-CN" b="1" dirty="0"/>
+              <a:t>::Object</a:t>
+            </a:r>
+            <a:endParaRPr lang="zh-CN" altLang="en-US" b="1" dirty="0"/>
+          </a:p>
+        </p:txBody>
+      </p:sp>
+      <p:sp>
+        <p:nvSpPr>
+          <p:cNvPr id="11" name="文本框 10">
+            <a:extLst>
+              <a:ext uri="{FF2B5EF4-FFF2-40B4-BE49-F238E27FC236}">
+                <a16:creationId xmlns:a16="http://schemas.microsoft.com/office/drawing/2014/main" id="{6606B6BC-DD9E-64CE-1960-D55410DD4F8C}"/>
+              </a:ext>
+            </a:extLst>
+          </p:cNvPr>
+          <p:cNvSpPr txBox="1"/>
+          <p:nvPr/>
+        </p:nvSpPr>
+        <p:spPr>
+          <a:xfrm>
+            <a:off x="3751243" y="4800600"/>
+            <a:ext cx="2193229" cy="369332"/>
+          </a:xfrm>
+          <a:prstGeom prst="rect">
+            <a:avLst/>
+          </a:prstGeom>
+          <a:noFill/>
+        </p:spPr>
+        <p:txBody>
+          <a:bodyPr wrap="none" rtlCol="0">
+            <a:spAutoFit/>
+          </a:bodyPr>
+          <a:lstStyle/>
+          <a:p>
+            <a:r>
+              <a:rPr lang="en-US" altLang="zh-CN" b="1" dirty="0" err="1"/>
+              <a:t>Osg</a:t>
+            </a:r>
+            <a:r>
+              <a:rPr lang="zh-CN" altLang="en-US" b="1" dirty="0"/>
+              <a:t>各种场景对象类</a:t>
+            </a:r>
+          </a:p>
+        </p:txBody>
+      </p:sp>
+      <p:grpSp>
+        <p:nvGrpSpPr>
+          <p:cNvPr id="17" name="组合 16">
+            <a:extLst>
+              <a:ext uri="{FF2B5EF4-FFF2-40B4-BE49-F238E27FC236}">
+                <a16:creationId xmlns:a16="http://schemas.microsoft.com/office/drawing/2014/main" id="{1B3AD4E2-311B-656B-756C-E50B3B5F046C}"/>
+              </a:ext>
+            </a:extLst>
+          </p:cNvPr>
+          <p:cNvGrpSpPr/>
+          <p:nvPr/>
+        </p:nvGrpSpPr>
+        <p:grpSpPr>
+          <a:xfrm>
+            <a:off x="4657357" y="2734124"/>
+            <a:ext cx="190500" cy="608702"/>
+            <a:chOff x="3038475" y="2363098"/>
+            <a:chExt cx="1060704" cy="2218427"/>
+          </a:xfrm>
+        </p:grpSpPr>
+        <p:cxnSp>
+          <p:nvCxnSpPr>
+            <p:cNvPr id="13" name="直接连接符 12">
+              <a:extLst>
+                <a:ext uri="{FF2B5EF4-FFF2-40B4-BE49-F238E27FC236}">
+                  <a16:creationId xmlns:a16="http://schemas.microsoft.com/office/drawing/2014/main" id="{4F87B070-30E7-5C4C-A85E-88E35A1D0C08}"/>
+                </a:ext>
+              </a:extLst>
+            </p:cNvPr>
+            <p:cNvCxnSpPr>
+              <a:cxnSpLocks/>
+            </p:cNvCxnSpPr>
+            <p:nvPr/>
+          </p:nvCxnSpPr>
+          <p:spPr>
+            <a:xfrm>
+              <a:off x="3568826" y="3311284"/>
+              <a:ext cx="1" cy="1270241"/>
+            </a:xfrm>
+            <a:prstGeom prst="line">
+              <a:avLst/>
+            </a:prstGeom>
+          </p:spPr>
+          <p:style>
+            <a:lnRef idx="1">
+              <a:schemeClr val="accent1"/>
+            </a:lnRef>
+            <a:fillRef idx="0">
+              <a:schemeClr val="accent1"/>
+            </a:fillRef>
+            <a:effectRef idx="0">
+              <a:schemeClr val="accent1"/>
+            </a:effectRef>
+            <a:fontRef idx="minor">
+              <a:schemeClr val="tx1"/>
+            </a:fontRef>
+          </p:style>
+        </p:cxnSp>
+        <p:sp>
+          <p:nvSpPr>
+            <p:cNvPr id="14" name="等腰三角形 13">
+              <a:extLst>
+                <a:ext uri="{FF2B5EF4-FFF2-40B4-BE49-F238E27FC236}">
+                  <a16:creationId xmlns:a16="http://schemas.microsoft.com/office/drawing/2014/main" id="{F46F604C-6A9C-09DE-271C-C860C90859F6}"/>
+                </a:ext>
+              </a:extLst>
+            </p:cNvPr>
+            <p:cNvSpPr/>
+            <p:nvPr/>
+          </p:nvSpPr>
+          <p:spPr>
+            <a:xfrm>
+              <a:off x="3038475" y="2363098"/>
+              <a:ext cx="1060704" cy="914400"/>
+            </a:xfrm>
+            <a:prstGeom prst="triangle">
+              <a:avLst/>
+            </a:prstGeom>
+            <a:solidFill>
+              <a:schemeClr val="bg1"/>
+            </a:solidFill>
+          </p:spPr>
+          <p:style>
+            <a:lnRef idx="2">
+              <a:schemeClr val="accent1">
+                <a:shade val="50000"/>
+              </a:schemeClr>
+            </a:lnRef>
+            <a:fillRef idx="1">
+              <a:schemeClr val="accent1"/>
+            </a:fillRef>
+            <a:effectRef idx="0">
+              <a:schemeClr val="accent1"/>
+            </a:effectRef>
+            <a:fontRef idx="minor">
+              <a:schemeClr val="lt1"/>
+            </a:fontRef>
+          </p:style>
+          <p:txBody>
+            <a:bodyPr rtlCol="0" anchor="ctr"/>
+            <a:lstStyle/>
+            <a:p>
+              <a:pPr algn="ctr"/>
+              <a:endParaRPr lang="zh-CN" altLang="en-US"/>
+            </a:p>
+          </p:txBody>
+        </p:sp>
+      </p:grpSp>
+      <p:grpSp>
+        <p:nvGrpSpPr>
+          <p:cNvPr id="18" name="组合 17">
+            <a:extLst>
+              <a:ext uri="{FF2B5EF4-FFF2-40B4-BE49-F238E27FC236}">
+                <a16:creationId xmlns:a16="http://schemas.microsoft.com/office/drawing/2014/main" id="{641A070C-9786-3D40-9752-C18CE31D0EE9}"/>
+              </a:ext>
+            </a:extLst>
+          </p:cNvPr>
+          <p:cNvGrpSpPr/>
+          <p:nvPr/>
+        </p:nvGrpSpPr>
+        <p:grpSpPr>
+          <a:xfrm>
+            <a:off x="4657357" y="4104030"/>
+            <a:ext cx="190500" cy="608702"/>
+            <a:chOff x="3038475" y="2363098"/>
+            <a:chExt cx="1060704" cy="2218427"/>
+          </a:xfrm>
+        </p:grpSpPr>
+        <p:cxnSp>
+          <p:nvCxnSpPr>
+            <p:cNvPr id="19" name="直接连接符 18">
+              <a:extLst>
+                <a:ext uri="{FF2B5EF4-FFF2-40B4-BE49-F238E27FC236}">
+                  <a16:creationId xmlns:a16="http://schemas.microsoft.com/office/drawing/2014/main" id="{F6236E0E-EABA-293E-5291-2104CA86C59F}"/>
+                </a:ext>
+              </a:extLst>
+            </p:cNvPr>
+            <p:cNvCxnSpPr>
+              <a:cxnSpLocks/>
+            </p:cNvCxnSpPr>
+            <p:nvPr/>
+          </p:nvCxnSpPr>
+          <p:spPr>
+            <a:xfrm>
+              <a:off x="3568826" y="3311284"/>
+              <a:ext cx="1" cy="1270241"/>
+            </a:xfrm>
+            <a:prstGeom prst="line">
+              <a:avLst/>
+            </a:prstGeom>
+          </p:spPr>
+          <p:style>
+            <a:lnRef idx="1">
+              <a:schemeClr val="accent1"/>
+            </a:lnRef>
+            <a:fillRef idx="0">
+              <a:schemeClr val="accent1"/>
+            </a:fillRef>
+            <a:effectRef idx="0">
+              <a:schemeClr val="accent1"/>
+            </a:effectRef>
+            <a:fontRef idx="minor">
+              <a:schemeClr val="tx1"/>
+            </a:fontRef>
+          </p:style>
+        </p:cxnSp>
+        <p:sp>
+          <p:nvSpPr>
+            <p:cNvPr id="20" name="等腰三角形 19">
+              <a:extLst>
+                <a:ext uri="{FF2B5EF4-FFF2-40B4-BE49-F238E27FC236}">
+                  <a16:creationId xmlns:a16="http://schemas.microsoft.com/office/drawing/2014/main" id="{445057E2-6687-B740-44E8-A8E4A13D7AA7}"/>
+                </a:ext>
+              </a:extLst>
+            </p:cNvPr>
+            <p:cNvSpPr/>
+            <p:nvPr/>
+          </p:nvSpPr>
+          <p:spPr>
+            <a:xfrm>
+              <a:off x="3038475" y="2363098"/>
+              <a:ext cx="1060704" cy="914400"/>
+            </a:xfrm>
+            <a:prstGeom prst="triangle">
+              <a:avLst/>
+            </a:prstGeom>
+            <a:solidFill>
+              <a:schemeClr val="bg1"/>
+            </a:solidFill>
+          </p:spPr>
+          <p:style>
+            <a:lnRef idx="2">
+              <a:schemeClr val="accent1">
+                <a:shade val="50000"/>
+              </a:schemeClr>
+            </a:lnRef>
+            <a:fillRef idx="1">
+              <a:schemeClr val="accent1"/>
+            </a:fillRef>
+            <a:effectRef idx="0">
+              <a:schemeClr val="accent1"/>
+            </a:effectRef>
+            <a:fontRef idx="minor">
+              <a:schemeClr val="lt1"/>
+            </a:fontRef>
+          </p:style>
+          <p:txBody>
+            <a:bodyPr rtlCol="0" anchor="ctr"/>
+            <a:lstStyle/>
+            <a:p>
+              <a:pPr algn="ctr"/>
+              <a:endParaRPr lang="zh-CN" altLang="en-US"/>
+            </a:p>
+          </p:txBody>
+        </p:sp>
+      </p:grpSp>
+      <p:sp>
+        <p:nvSpPr>
+          <p:cNvPr id="21" name="文本框 20">
+            <a:extLst>
+              <a:ext uri="{FF2B5EF4-FFF2-40B4-BE49-F238E27FC236}">
+                <a16:creationId xmlns:a16="http://schemas.microsoft.com/office/drawing/2014/main" id="{B8F871FC-31BF-E8BC-5552-4EDF539DF68A}"/>
+              </a:ext>
+            </a:extLst>
+          </p:cNvPr>
+          <p:cNvSpPr txBox="1"/>
+          <p:nvPr/>
+        </p:nvSpPr>
+        <p:spPr>
+          <a:xfrm>
+            <a:off x="800100" y="1257300"/>
+            <a:ext cx="1760418" cy="369332"/>
+          </a:xfrm>
+          <a:prstGeom prst="rect">
+            <a:avLst/>
+          </a:prstGeom>
+          <a:noFill/>
+        </p:spPr>
+        <p:txBody>
+          <a:bodyPr wrap="none" rtlCol="0">
+            <a:spAutoFit/>
+          </a:bodyPr>
+          <a:lstStyle/>
+          <a:p>
+            <a:r>
+              <a:rPr lang="en-US" altLang="zh-CN" b="1" dirty="0">
+                <a:solidFill>
+                  <a:srgbClr val="FF0000"/>
+                </a:solidFill>
+              </a:rPr>
+              <a:t>1-5 </a:t>
+            </a:r>
+            <a:r>
+              <a:rPr lang="zh-CN" altLang="en-US" b="1" dirty="0">
+                <a:solidFill>
+                  <a:srgbClr val="FF0000"/>
+                </a:solidFill>
+              </a:rPr>
+              <a:t>类继承关系</a:t>
+            </a:r>
+          </a:p>
+        </p:txBody>
+      </p:sp>
+    </p:spTree>
+    <p:extLst>
+      <p:ext uri="{BB962C8B-B14F-4D97-AF65-F5344CB8AC3E}">
+        <p14:creationId xmlns:p14="http://schemas.microsoft.com/office/powerpoint/2010/main" val="3941087978"/>
+      </p:ext>
+    </p:extLst>
+  </p:cSld>
+  <p:clrMapOvr>
+    <a:masterClrMapping/>
+  </p:clrMapOvr>
+</p:sld>
+</file>
+
+<file path=ppt/slides/slide7.xml><?xml version="1.0" encoding="utf-8"?>
+<p:sld xmlns:a="http://schemas.openxmlformats.org/drawingml/2006/main" xmlns:r="http://schemas.openxmlformats.org/officeDocument/2006/relationships" xmlns:p="http://schemas.openxmlformats.org/presentationml/2006/main">
+  <p:cSld>
+    <p:spTree>
+      <p:nvGrpSpPr>
+        <p:cNvPr id="1" name=""/>
+        <p:cNvGrpSpPr/>
+        <p:nvPr/>
+      </p:nvGrpSpPr>
+      <p:grpSpPr>
+        <a:xfrm>
+          <a:off x="0" y="0"/>
+          <a:ext cx="0" cy="0"/>
+          <a:chOff x="0" y="0"/>
+          <a:chExt cx="0" cy="0"/>
+        </a:xfrm>
+      </p:grpSpPr>
+      <p:sp>
+        <p:nvSpPr>
+          <p:cNvPr id="4" name="文本框 3">
+            <a:extLst>
+              <a:ext uri="{FF2B5EF4-FFF2-40B4-BE49-F238E27FC236}">
+                <a16:creationId xmlns:a16="http://schemas.microsoft.com/office/drawing/2014/main" id="{92E31F91-D1B9-BEF6-1FFA-968A787BE588}"/>
+              </a:ext>
+            </a:extLst>
+          </p:cNvPr>
+          <p:cNvSpPr txBox="1"/>
+          <p:nvPr/>
+        </p:nvSpPr>
+        <p:spPr>
+          <a:xfrm>
+            <a:off x="202301" y="396510"/>
+            <a:ext cx="1107996" cy="369332"/>
+          </a:xfrm>
+          <a:prstGeom prst="rect">
+            <a:avLst/>
+          </a:prstGeom>
+          <a:noFill/>
+        </p:spPr>
+        <p:txBody>
+          <a:bodyPr wrap="none" rtlCol="0">
+            <a:spAutoFit/>
+          </a:bodyPr>
+          <a:lstStyle/>
+          <a:p>
+            <a:r>
+              <a:rPr lang="zh-CN" altLang="en-US" b="1" dirty="0"/>
+              <a:t>参考资料</a:t>
+            </a:r>
+          </a:p>
+        </p:txBody>
+      </p:sp>
+      <p:sp>
+        <p:nvSpPr>
+          <p:cNvPr id="3" name="文本框 2">
+            <a:extLst>
+              <a:ext uri="{FF2B5EF4-FFF2-40B4-BE49-F238E27FC236}">
+                <a16:creationId xmlns:a16="http://schemas.microsoft.com/office/drawing/2014/main" id="{6FFA4239-9262-A426-17BD-D39A98CEB180}"/>
+              </a:ext>
+            </a:extLst>
+          </p:cNvPr>
+          <p:cNvSpPr txBox="1"/>
+          <p:nvPr/>
+        </p:nvSpPr>
+        <p:spPr>
+          <a:xfrm>
+            <a:off x="1552575" y="2362200"/>
+            <a:ext cx="6949338" cy="369332"/>
+          </a:xfrm>
+          <a:prstGeom prst="rect">
+            <a:avLst/>
+          </a:prstGeom>
+          <a:noFill/>
+        </p:spPr>
+        <p:txBody>
+          <a:bodyPr wrap="none" rtlCol="0">
+            <a:spAutoFit/>
+          </a:bodyPr>
+          <a:lstStyle/>
+          <a:p>
+            <a:r>
+              <a:rPr lang="en-US" altLang="zh-CN" b="1" dirty="0"/>
+              <a:t>《</a:t>
+            </a:r>
+            <a:r>
+              <a:rPr lang="en-US" altLang="zh-CN" b="1" dirty="0" err="1"/>
+              <a:t>OpenSceneGraph</a:t>
+            </a:r>
+            <a:r>
+              <a:rPr lang="zh-CN" altLang="en-US" b="1" dirty="0"/>
+              <a:t>三维渲染引擎设计与实践</a:t>
+            </a:r>
+            <a:r>
+              <a:rPr lang="en-US" altLang="zh-CN" b="1" dirty="0"/>
+              <a:t>》  </a:t>
+            </a:r>
+            <a:r>
+              <a:rPr lang="zh-CN" altLang="en-US" b="1" dirty="0"/>
+              <a:t>王锐  钱学雷 编著</a:t>
+            </a:r>
+          </a:p>
+        </p:txBody>
+      </p:sp>
+    </p:spTree>
+    <p:extLst>
+      <p:ext uri="{BB962C8B-B14F-4D97-AF65-F5344CB8AC3E}">
+        <p14:creationId xmlns:p14="http://schemas.microsoft.com/office/powerpoint/2010/main" val="4078728761"/>
       </p:ext>
     </p:extLst>
   </p:cSld>

--- a/note/note.pptx
+++ b/note/note.pptx
@@ -4,6 +4,9 @@
   <p:sldMasterIdLst>
     <p:sldMasterId id="2147483648" r:id="rId1"/>
   </p:sldMasterIdLst>
+  <p:notesMasterIdLst>
+    <p:notesMasterId r:id="rId12"/>
+  </p:notesMasterIdLst>
   <p:sldIdLst>
     <p:sldId id="262" r:id="rId2"/>
     <p:sldId id="256" r:id="rId3"/>
@@ -11,7 +14,10 @@
     <p:sldId id="259" r:id="rId5"/>
     <p:sldId id="260" r:id="rId6"/>
     <p:sldId id="261" r:id="rId7"/>
-    <p:sldId id="263" r:id="rId8"/>
+    <p:sldId id="265" r:id="rId8"/>
+    <p:sldId id="264" r:id="rId9"/>
+    <p:sldId id="266" r:id="rId10"/>
+    <p:sldId id="263" r:id="rId11"/>
   </p:sldIdLst>
   <p:sldSz cx="12192000" cy="6858000"/>
   <p:notesSz cx="6858000" cy="9144000"/>
@@ -118,6 +124,439 @@
 </p:presentation>
 </file>
 
+<file path=ppt/notesMasters/notesMaster1.xml><?xml version="1.0" encoding="utf-8"?>
+<p:notesMaster xmlns:a="http://schemas.openxmlformats.org/drawingml/2006/main" xmlns:r="http://schemas.openxmlformats.org/officeDocument/2006/relationships" xmlns:p="http://schemas.openxmlformats.org/presentationml/2006/main">
+  <p:cSld>
+    <p:bg>
+      <p:bgRef idx="1001">
+        <a:schemeClr val="bg1"/>
+      </p:bgRef>
+    </p:bg>
+    <p:spTree>
+      <p:nvGrpSpPr>
+        <p:cNvPr id="1" name=""/>
+        <p:cNvGrpSpPr/>
+        <p:nvPr/>
+      </p:nvGrpSpPr>
+      <p:grpSpPr>
+        <a:xfrm>
+          <a:off x="0" y="0"/>
+          <a:ext cx="0" cy="0"/>
+          <a:chOff x="0" y="0"/>
+          <a:chExt cx="0" cy="0"/>
+        </a:xfrm>
+      </p:grpSpPr>
+      <p:sp>
+        <p:nvSpPr>
+          <p:cNvPr id="2" name="页眉占位符 1"/>
+          <p:cNvSpPr>
+            <a:spLocks noGrp="1"/>
+          </p:cNvSpPr>
+          <p:nvPr>
+            <p:ph type="hdr" sz="quarter"/>
+          </p:nvPr>
+        </p:nvSpPr>
+        <p:spPr>
+          <a:xfrm>
+            <a:off x="0" y="0"/>
+            <a:ext cx="2971800" cy="458788"/>
+          </a:xfrm>
+          <a:prstGeom prst="rect">
+            <a:avLst/>
+          </a:prstGeom>
+        </p:spPr>
+        <p:txBody>
+          <a:bodyPr vert="horz" lIns="91440" tIns="45720" rIns="91440" bIns="45720" rtlCol="0"/>
+          <a:lstStyle>
+            <a:lvl1pPr algn="l">
+              <a:defRPr sz="1200"/>
+            </a:lvl1pPr>
+          </a:lstStyle>
+          <a:p>
+            <a:endParaRPr lang="zh-CN" altLang="en-US"/>
+          </a:p>
+        </p:txBody>
+      </p:sp>
+      <p:sp>
+        <p:nvSpPr>
+          <p:cNvPr id="3" name="日期占位符 2"/>
+          <p:cNvSpPr>
+            <a:spLocks noGrp="1"/>
+          </p:cNvSpPr>
+          <p:nvPr>
+            <p:ph type="dt" idx="1"/>
+          </p:nvPr>
+        </p:nvSpPr>
+        <p:spPr>
+          <a:xfrm>
+            <a:off x="3884613" y="0"/>
+            <a:ext cx="2971800" cy="458788"/>
+          </a:xfrm>
+          <a:prstGeom prst="rect">
+            <a:avLst/>
+          </a:prstGeom>
+        </p:spPr>
+        <p:txBody>
+          <a:bodyPr vert="horz" lIns="91440" tIns="45720" rIns="91440" bIns="45720" rtlCol="0"/>
+          <a:lstStyle>
+            <a:lvl1pPr algn="r">
+              <a:defRPr sz="1200"/>
+            </a:lvl1pPr>
+          </a:lstStyle>
+          <a:p>
+            <a:fld id="{F2CD46A6-E28E-4955-AF4A-436AAB31619F}" type="datetimeFigureOut">
+              <a:rPr lang="zh-CN" altLang="en-US" smtClean="0"/>
+              <a:t>2022/11/13</a:t>
+            </a:fld>
+            <a:endParaRPr lang="zh-CN" altLang="en-US"/>
+          </a:p>
+        </p:txBody>
+      </p:sp>
+      <p:sp>
+        <p:nvSpPr>
+          <p:cNvPr id="4" name="幻灯片图像占位符 3"/>
+          <p:cNvSpPr>
+            <a:spLocks noGrp="1" noRot="1" noChangeAspect="1"/>
+          </p:cNvSpPr>
+          <p:nvPr>
+            <p:ph type="sldImg" idx="2"/>
+          </p:nvPr>
+        </p:nvSpPr>
+        <p:spPr>
+          <a:xfrm>
+            <a:off x="685800" y="1143000"/>
+            <a:ext cx="5486400" cy="3086100"/>
+          </a:xfrm>
+          <a:prstGeom prst="rect">
+            <a:avLst/>
+          </a:prstGeom>
+          <a:noFill/>
+          <a:ln w="12700">
+            <a:solidFill>
+              <a:prstClr val="black"/>
+            </a:solidFill>
+          </a:ln>
+        </p:spPr>
+        <p:txBody>
+          <a:bodyPr vert="horz" lIns="91440" tIns="45720" rIns="91440" bIns="45720" rtlCol="0" anchor="ctr"/>
+          <a:lstStyle/>
+          <a:p>
+            <a:endParaRPr lang="zh-CN" altLang="en-US"/>
+          </a:p>
+        </p:txBody>
+      </p:sp>
+      <p:sp>
+        <p:nvSpPr>
+          <p:cNvPr id="5" name="备注占位符 4"/>
+          <p:cNvSpPr>
+            <a:spLocks noGrp="1"/>
+          </p:cNvSpPr>
+          <p:nvPr>
+            <p:ph type="body" sz="quarter" idx="3"/>
+          </p:nvPr>
+        </p:nvSpPr>
+        <p:spPr>
+          <a:xfrm>
+            <a:off x="685800" y="4400550"/>
+            <a:ext cx="5486400" cy="3600450"/>
+          </a:xfrm>
+          <a:prstGeom prst="rect">
+            <a:avLst/>
+          </a:prstGeom>
+        </p:spPr>
+        <p:txBody>
+          <a:bodyPr vert="horz" lIns="91440" tIns="45720" rIns="91440" bIns="45720" rtlCol="0"/>
+          <a:lstStyle/>
+          <a:p>
+            <a:pPr lvl="0"/>
+            <a:r>
+              <a:rPr lang="zh-CN" altLang="en-US"/>
+              <a:t>单击此处编辑母版文本样式</a:t>
+            </a:r>
+          </a:p>
+          <a:p>
+            <a:pPr lvl="1"/>
+            <a:r>
+              <a:rPr lang="zh-CN" altLang="en-US"/>
+              <a:t>二级</a:t>
+            </a:r>
+          </a:p>
+          <a:p>
+            <a:pPr lvl="2"/>
+            <a:r>
+              <a:rPr lang="zh-CN" altLang="en-US"/>
+              <a:t>三级</a:t>
+            </a:r>
+          </a:p>
+          <a:p>
+            <a:pPr lvl="3"/>
+            <a:r>
+              <a:rPr lang="zh-CN" altLang="en-US"/>
+              <a:t>四级</a:t>
+            </a:r>
+          </a:p>
+          <a:p>
+            <a:pPr lvl="4"/>
+            <a:r>
+              <a:rPr lang="zh-CN" altLang="en-US"/>
+              <a:t>五级</a:t>
+            </a:r>
+          </a:p>
+        </p:txBody>
+      </p:sp>
+      <p:sp>
+        <p:nvSpPr>
+          <p:cNvPr id="6" name="页脚占位符 5"/>
+          <p:cNvSpPr>
+            <a:spLocks noGrp="1"/>
+          </p:cNvSpPr>
+          <p:nvPr>
+            <p:ph type="ftr" sz="quarter" idx="4"/>
+          </p:nvPr>
+        </p:nvSpPr>
+        <p:spPr>
+          <a:xfrm>
+            <a:off x="0" y="8685213"/>
+            <a:ext cx="2971800" cy="458787"/>
+          </a:xfrm>
+          <a:prstGeom prst="rect">
+            <a:avLst/>
+          </a:prstGeom>
+        </p:spPr>
+        <p:txBody>
+          <a:bodyPr vert="horz" lIns="91440" tIns="45720" rIns="91440" bIns="45720" rtlCol="0" anchor="b"/>
+          <a:lstStyle>
+            <a:lvl1pPr algn="l">
+              <a:defRPr sz="1200"/>
+            </a:lvl1pPr>
+          </a:lstStyle>
+          <a:p>
+            <a:endParaRPr lang="zh-CN" altLang="en-US"/>
+          </a:p>
+        </p:txBody>
+      </p:sp>
+      <p:sp>
+        <p:nvSpPr>
+          <p:cNvPr id="7" name="灯片编号占位符 6"/>
+          <p:cNvSpPr>
+            <a:spLocks noGrp="1"/>
+          </p:cNvSpPr>
+          <p:nvPr>
+            <p:ph type="sldNum" sz="quarter" idx="5"/>
+          </p:nvPr>
+        </p:nvSpPr>
+        <p:spPr>
+          <a:xfrm>
+            <a:off x="3884613" y="8685213"/>
+            <a:ext cx="2971800" cy="458787"/>
+          </a:xfrm>
+          <a:prstGeom prst="rect">
+            <a:avLst/>
+          </a:prstGeom>
+        </p:spPr>
+        <p:txBody>
+          <a:bodyPr vert="horz" lIns="91440" tIns="45720" rIns="91440" bIns="45720" rtlCol="0" anchor="b"/>
+          <a:lstStyle>
+            <a:lvl1pPr algn="r">
+              <a:defRPr sz="1200"/>
+            </a:lvl1pPr>
+          </a:lstStyle>
+          <a:p>
+            <a:fld id="{2BB544B3-C411-42DB-B08E-35FEAA03EDA9}" type="slidenum">
+              <a:rPr lang="zh-CN" altLang="en-US" smtClean="0"/>
+              <a:t>‹#›</a:t>
+            </a:fld>
+            <a:endParaRPr lang="zh-CN" altLang="en-US"/>
+          </a:p>
+        </p:txBody>
+      </p:sp>
+    </p:spTree>
+    <p:extLst>
+      <p:ext uri="{BB962C8B-B14F-4D97-AF65-F5344CB8AC3E}">
+        <p14:creationId xmlns:p14="http://schemas.microsoft.com/office/powerpoint/2010/main" val="572220928"/>
+      </p:ext>
+    </p:extLst>
+  </p:cSld>
+  <p:clrMap bg1="lt1" tx1="dk1" bg2="lt2" tx2="dk2" accent1="accent1" accent2="accent2" accent3="accent3" accent4="accent4" accent5="accent5" accent6="accent6" hlink="hlink" folHlink="folHlink"/>
+  <p:notesStyle>
+    <a:lvl1pPr marL="0" algn="l" defTabSz="914400" rtl="0" eaLnBrk="1" latinLnBrk="0" hangingPunct="1">
+      <a:defRPr sz="1200" kern="1200">
+        <a:solidFill>
+          <a:schemeClr val="tx1"/>
+        </a:solidFill>
+        <a:latin typeface="+mn-lt"/>
+        <a:ea typeface="+mn-ea"/>
+        <a:cs typeface="+mn-cs"/>
+      </a:defRPr>
+    </a:lvl1pPr>
+    <a:lvl2pPr marL="457200" algn="l" defTabSz="914400" rtl="0" eaLnBrk="1" latinLnBrk="0" hangingPunct="1">
+      <a:defRPr sz="1200" kern="1200">
+        <a:solidFill>
+          <a:schemeClr val="tx1"/>
+        </a:solidFill>
+        <a:latin typeface="+mn-lt"/>
+        <a:ea typeface="+mn-ea"/>
+        <a:cs typeface="+mn-cs"/>
+      </a:defRPr>
+    </a:lvl2pPr>
+    <a:lvl3pPr marL="914400" algn="l" defTabSz="914400" rtl="0" eaLnBrk="1" latinLnBrk="0" hangingPunct="1">
+      <a:defRPr sz="1200" kern="1200">
+        <a:solidFill>
+          <a:schemeClr val="tx1"/>
+        </a:solidFill>
+        <a:latin typeface="+mn-lt"/>
+        <a:ea typeface="+mn-ea"/>
+        <a:cs typeface="+mn-cs"/>
+      </a:defRPr>
+    </a:lvl3pPr>
+    <a:lvl4pPr marL="1371600" algn="l" defTabSz="914400" rtl="0" eaLnBrk="1" latinLnBrk="0" hangingPunct="1">
+      <a:defRPr sz="1200" kern="1200">
+        <a:solidFill>
+          <a:schemeClr val="tx1"/>
+        </a:solidFill>
+        <a:latin typeface="+mn-lt"/>
+        <a:ea typeface="+mn-ea"/>
+        <a:cs typeface="+mn-cs"/>
+      </a:defRPr>
+    </a:lvl4pPr>
+    <a:lvl5pPr marL="1828800" algn="l" defTabSz="914400" rtl="0" eaLnBrk="1" latinLnBrk="0" hangingPunct="1">
+      <a:defRPr sz="1200" kern="1200">
+        <a:solidFill>
+          <a:schemeClr val="tx1"/>
+        </a:solidFill>
+        <a:latin typeface="+mn-lt"/>
+        <a:ea typeface="+mn-ea"/>
+        <a:cs typeface="+mn-cs"/>
+      </a:defRPr>
+    </a:lvl5pPr>
+    <a:lvl6pPr marL="2286000" algn="l" defTabSz="914400" rtl="0" eaLnBrk="1" latinLnBrk="0" hangingPunct="1">
+      <a:defRPr sz="1200" kern="1200">
+        <a:solidFill>
+          <a:schemeClr val="tx1"/>
+        </a:solidFill>
+        <a:latin typeface="+mn-lt"/>
+        <a:ea typeface="+mn-ea"/>
+        <a:cs typeface="+mn-cs"/>
+      </a:defRPr>
+    </a:lvl6pPr>
+    <a:lvl7pPr marL="2743200" algn="l" defTabSz="914400" rtl="0" eaLnBrk="1" latinLnBrk="0" hangingPunct="1">
+      <a:defRPr sz="1200" kern="1200">
+        <a:solidFill>
+          <a:schemeClr val="tx1"/>
+        </a:solidFill>
+        <a:latin typeface="+mn-lt"/>
+        <a:ea typeface="+mn-ea"/>
+        <a:cs typeface="+mn-cs"/>
+      </a:defRPr>
+    </a:lvl7pPr>
+    <a:lvl8pPr marL="3200400" algn="l" defTabSz="914400" rtl="0" eaLnBrk="1" latinLnBrk="0" hangingPunct="1">
+      <a:defRPr sz="1200" kern="1200">
+        <a:solidFill>
+          <a:schemeClr val="tx1"/>
+        </a:solidFill>
+        <a:latin typeface="+mn-lt"/>
+        <a:ea typeface="+mn-ea"/>
+        <a:cs typeface="+mn-cs"/>
+      </a:defRPr>
+    </a:lvl8pPr>
+    <a:lvl9pPr marL="3657600" algn="l" defTabSz="914400" rtl="0" eaLnBrk="1" latinLnBrk="0" hangingPunct="1">
+      <a:defRPr sz="1200" kern="1200">
+        <a:solidFill>
+          <a:schemeClr val="tx1"/>
+        </a:solidFill>
+        <a:latin typeface="+mn-lt"/>
+        <a:ea typeface="+mn-ea"/>
+        <a:cs typeface="+mn-cs"/>
+      </a:defRPr>
+    </a:lvl9pPr>
+  </p:notesStyle>
+</p:notesMaster>
+</file>
+
+<file path=ppt/notesSlides/notesSlide1.xml><?xml version="1.0" encoding="utf-8"?>
+<p:notes xmlns:a="http://schemas.openxmlformats.org/drawingml/2006/main" xmlns:r="http://schemas.openxmlformats.org/officeDocument/2006/relationships" xmlns:p="http://schemas.openxmlformats.org/presentationml/2006/main">
+  <p:cSld>
+    <p:spTree>
+      <p:nvGrpSpPr>
+        <p:cNvPr id="1" name=""/>
+        <p:cNvGrpSpPr/>
+        <p:nvPr/>
+      </p:nvGrpSpPr>
+      <p:grpSpPr>
+        <a:xfrm>
+          <a:off x="0" y="0"/>
+          <a:ext cx="0" cy="0"/>
+          <a:chOff x="0" y="0"/>
+          <a:chExt cx="0" cy="0"/>
+        </a:xfrm>
+      </p:grpSpPr>
+      <p:sp>
+        <p:nvSpPr>
+          <p:cNvPr id="2" name="幻灯片图像占位符 1"/>
+          <p:cNvSpPr>
+            <a:spLocks noGrp="1" noRot="1" noChangeAspect="1"/>
+          </p:cNvSpPr>
+          <p:nvPr>
+            <p:ph type="sldImg"/>
+          </p:nvPr>
+        </p:nvSpPr>
+        <p:spPr/>
+      </p:sp>
+      <p:sp>
+        <p:nvSpPr>
+          <p:cNvPr id="3" name="备注占位符 2"/>
+          <p:cNvSpPr>
+            <a:spLocks noGrp="1"/>
+          </p:cNvSpPr>
+          <p:nvPr>
+            <p:ph type="body" idx="1"/>
+          </p:nvPr>
+        </p:nvSpPr>
+        <p:spPr/>
+        <p:txBody>
+          <a:bodyPr/>
+          <a:lstStyle/>
+          <a:p>
+            <a:endParaRPr lang="zh-CN" altLang="en-US" dirty="0"/>
+          </a:p>
+        </p:txBody>
+      </p:sp>
+      <p:sp>
+        <p:nvSpPr>
+          <p:cNvPr id="4" name="灯片编号占位符 3"/>
+          <p:cNvSpPr>
+            <a:spLocks noGrp="1"/>
+          </p:cNvSpPr>
+          <p:nvPr>
+            <p:ph type="sldNum" sz="quarter" idx="5"/>
+          </p:nvPr>
+        </p:nvSpPr>
+        <p:spPr/>
+        <p:txBody>
+          <a:bodyPr/>
+          <a:lstStyle/>
+          <a:p>
+            <a:fld id="{2BB544B3-C411-42DB-B08E-35FEAA03EDA9}" type="slidenum">
+              <a:rPr lang="zh-CN" altLang="en-US" smtClean="0"/>
+              <a:t>9</a:t>
+            </a:fld>
+            <a:endParaRPr lang="zh-CN" altLang="en-US"/>
+          </a:p>
+        </p:txBody>
+      </p:sp>
+    </p:spTree>
+    <p:extLst>
+      <p:ext uri="{BB962C8B-B14F-4D97-AF65-F5344CB8AC3E}">
+        <p14:creationId xmlns:p14="http://schemas.microsoft.com/office/powerpoint/2010/main" val="4148955380"/>
+      </p:ext>
+    </p:extLst>
+  </p:cSld>
+  <p:clrMapOvr>
+    <a:masterClrMapping/>
+  </p:clrMapOvr>
+</p:notes>
+</file>
+
 <file path=ppt/slideLayouts/slideLayout1.xml><?xml version="1.0" encoding="utf-8"?>
 <p:sldLayout xmlns:a="http://schemas.openxmlformats.org/drawingml/2006/main" xmlns:r="http://schemas.openxmlformats.org/officeDocument/2006/relationships" xmlns:p="http://schemas.openxmlformats.org/presentationml/2006/main" type="title" preserve="1">
   <p:cSld name="标题幻灯片">
@@ -265,7 +704,7 @@
           <a:p>
             <a:fld id="{397F7B27-B271-4BD4-9053-3C138650AD11}" type="datetimeFigureOut">
               <a:rPr lang="zh-CN" altLang="en-US" smtClean="0"/>
-              <a:t>2022/11/12</a:t>
+              <a:t>2022/11/13</a:t>
             </a:fld>
             <a:endParaRPr lang="zh-CN" altLang="en-US"/>
           </a:p>
@@ -463,7 +902,7 @@
           <a:p>
             <a:fld id="{397F7B27-B271-4BD4-9053-3C138650AD11}" type="datetimeFigureOut">
               <a:rPr lang="zh-CN" altLang="en-US" smtClean="0"/>
-              <a:t>2022/11/12</a:t>
+              <a:t>2022/11/13</a:t>
             </a:fld>
             <a:endParaRPr lang="zh-CN" altLang="en-US"/>
           </a:p>
@@ -671,7 +1110,7 @@
           <a:p>
             <a:fld id="{397F7B27-B271-4BD4-9053-3C138650AD11}" type="datetimeFigureOut">
               <a:rPr lang="zh-CN" altLang="en-US" smtClean="0"/>
-              <a:t>2022/11/12</a:t>
+              <a:t>2022/11/13</a:t>
             </a:fld>
             <a:endParaRPr lang="zh-CN" altLang="en-US"/>
           </a:p>
@@ -869,7 +1308,7 @@
           <a:p>
             <a:fld id="{397F7B27-B271-4BD4-9053-3C138650AD11}" type="datetimeFigureOut">
               <a:rPr lang="zh-CN" altLang="en-US" smtClean="0"/>
-              <a:t>2022/11/12</a:t>
+              <a:t>2022/11/13</a:t>
             </a:fld>
             <a:endParaRPr lang="zh-CN" altLang="en-US"/>
           </a:p>
@@ -1144,7 +1583,7 @@
           <a:p>
             <a:fld id="{397F7B27-B271-4BD4-9053-3C138650AD11}" type="datetimeFigureOut">
               <a:rPr lang="zh-CN" altLang="en-US" smtClean="0"/>
-              <a:t>2022/11/12</a:t>
+              <a:t>2022/11/13</a:t>
             </a:fld>
             <a:endParaRPr lang="zh-CN" altLang="en-US"/>
           </a:p>
@@ -1409,7 +1848,7 @@
           <a:p>
             <a:fld id="{397F7B27-B271-4BD4-9053-3C138650AD11}" type="datetimeFigureOut">
               <a:rPr lang="zh-CN" altLang="en-US" smtClean="0"/>
-              <a:t>2022/11/12</a:t>
+              <a:t>2022/11/13</a:t>
             </a:fld>
             <a:endParaRPr lang="zh-CN" altLang="en-US"/>
           </a:p>
@@ -1821,7 +2260,7 @@
           <a:p>
             <a:fld id="{397F7B27-B271-4BD4-9053-3C138650AD11}" type="datetimeFigureOut">
               <a:rPr lang="zh-CN" altLang="en-US" smtClean="0"/>
-              <a:t>2022/11/12</a:t>
+              <a:t>2022/11/13</a:t>
             </a:fld>
             <a:endParaRPr lang="zh-CN" altLang="en-US"/>
           </a:p>
@@ -1962,7 +2401,7 @@
           <a:p>
             <a:fld id="{397F7B27-B271-4BD4-9053-3C138650AD11}" type="datetimeFigureOut">
               <a:rPr lang="zh-CN" altLang="en-US" smtClean="0"/>
-              <a:t>2022/11/12</a:t>
+              <a:t>2022/11/13</a:t>
             </a:fld>
             <a:endParaRPr lang="zh-CN" altLang="en-US"/>
           </a:p>
@@ -2075,7 +2514,7 @@
           <a:p>
             <a:fld id="{397F7B27-B271-4BD4-9053-3C138650AD11}" type="datetimeFigureOut">
               <a:rPr lang="zh-CN" altLang="en-US" smtClean="0"/>
-              <a:t>2022/11/12</a:t>
+              <a:t>2022/11/13</a:t>
             </a:fld>
             <a:endParaRPr lang="zh-CN" altLang="en-US"/>
           </a:p>
@@ -2386,7 +2825,7 @@
           <a:p>
             <a:fld id="{397F7B27-B271-4BD4-9053-3C138650AD11}" type="datetimeFigureOut">
               <a:rPr lang="zh-CN" altLang="en-US" smtClean="0"/>
-              <a:t>2022/11/12</a:t>
+              <a:t>2022/11/13</a:t>
             </a:fld>
             <a:endParaRPr lang="zh-CN" altLang="en-US"/>
           </a:p>
@@ -2674,7 +3113,7 @@
           <a:p>
             <a:fld id="{397F7B27-B271-4BD4-9053-3C138650AD11}" type="datetimeFigureOut">
               <a:rPr lang="zh-CN" altLang="en-US" smtClean="0"/>
-              <a:t>2022/11/12</a:t>
+              <a:t>2022/11/13</a:t>
             </a:fld>
             <a:endParaRPr lang="zh-CN" altLang="en-US"/>
           </a:p>
@@ -2915,7 +3354,7 @@
           <a:p>
             <a:fld id="{397F7B27-B271-4BD4-9053-3C138650AD11}" type="datetimeFigureOut">
               <a:rPr lang="zh-CN" altLang="en-US" smtClean="0"/>
-              <a:t>2022/11/12</a:t>
+              <a:t>2022/11/13</a:t>
             </a:fld>
             <a:endParaRPr lang="zh-CN" altLang="en-US"/>
           </a:p>
@@ -3419,6 +3858,122 @@
 </p:sld>
 </file>
 
+<file path=ppt/slides/slide10.xml><?xml version="1.0" encoding="utf-8"?>
+<p:sld xmlns:a="http://schemas.openxmlformats.org/drawingml/2006/main" xmlns:r="http://schemas.openxmlformats.org/officeDocument/2006/relationships" xmlns:p="http://schemas.openxmlformats.org/presentationml/2006/main">
+  <p:cSld>
+    <p:spTree>
+      <p:nvGrpSpPr>
+        <p:cNvPr id="1" name=""/>
+        <p:cNvGrpSpPr/>
+        <p:nvPr/>
+      </p:nvGrpSpPr>
+      <p:grpSpPr>
+        <a:xfrm>
+          <a:off x="0" y="0"/>
+          <a:ext cx="0" cy="0"/>
+          <a:chOff x="0" y="0"/>
+          <a:chExt cx="0" cy="0"/>
+        </a:xfrm>
+      </p:grpSpPr>
+      <p:sp>
+        <p:nvSpPr>
+          <p:cNvPr id="4" name="文本框 3">
+            <a:extLst>
+              <a:ext uri="{FF2B5EF4-FFF2-40B4-BE49-F238E27FC236}">
+                <a16:creationId xmlns:a16="http://schemas.microsoft.com/office/drawing/2014/main" id="{92E31F91-D1B9-BEF6-1FFA-968A787BE588}"/>
+              </a:ext>
+            </a:extLst>
+          </p:cNvPr>
+          <p:cNvSpPr txBox="1"/>
+          <p:nvPr/>
+        </p:nvSpPr>
+        <p:spPr>
+          <a:xfrm>
+            <a:off x="202301" y="396510"/>
+            <a:ext cx="1107996" cy="369332"/>
+          </a:xfrm>
+          <a:prstGeom prst="rect">
+            <a:avLst/>
+          </a:prstGeom>
+          <a:noFill/>
+        </p:spPr>
+        <p:txBody>
+          <a:bodyPr wrap="none" rtlCol="0">
+            <a:spAutoFit/>
+          </a:bodyPr>
+          <a:lstStyle/>
+          <a:p>
+            <a:r>
+              <a:rPr lang="zh-CN" altLang="en-US" b="1" dirty="0"/>
+              <a:t>参考资料</a:t>
+            </a:r>
+          </a:p>
+        </p:txBody>
+      </p:sp>
+      <p:sp>
+        <p:nvSpPr>
+          <p:cNvPr id="3" name="文本框 2">
+            <a:extLst>
+              <a:ext uri="{FF2B5EF4-FFF2-40B4-BE49-F238E27FC236}">
+                <a16:creationId xmlns:a16="http://schemas.microsoft.com/office/drawing/2014/main" id="{6FFA4239-9262-A426-17BD-D39A98CEB180}"/>
+              </a:ext>
+            </a:extLst>
+          </p:cNvPr>
+          <p:cNvSpPr txBox="1"/>
+          <p:nvPr/>
+        </p:nvSpPr>
+        <p:spPr>
+          <a:xfrm>
+            <a:off x="1552575" y="2362200"/>
+            <a:ext cx="6949338" cy="369332"/>
+          </a:xfrm>
+          <a:prstGeom prst="rect">
+            <a:avLst/>
+          </a:prstGeom>
+          <a:noFill/>
+        </p:spPr>
+        <p:txBody>
+          <a:bodyPr wrap="none" rtlCol="0">
+            <a:spAutoFit/>
+          </a:bodyPr>
+          <a:lstStyle/>
+          <a:p>
+            <a:r>
+              <a:rPr lang="en-US" altLang="zh-CN" b="1" dirty="0"/>
+              <a:t>《</a:t>
+            </a:r>
+            <a:r>
+              <a:rPr lang="en-US" altLang="zh-CN" b="1" dirty="0" err="1"/>
+              <a:t>OpenSceneGraph</a:t>
+            </a:r>
+            <a:r>
+              <a:rPr lang="zh-CN" altLang="en-US" b="1" dirty="0"/>
+              <a:t>三维渲染引擎设计与实践</a:t>
+            </a:r>
+            <a:r>
+              <a:rPr lang="en-US" altLang="zh-CN" b="1" dirty="0"/>
+              <a:t>》  </a:t>
+            </a:r>
+            <a:r>
+              <a:rPr lang="zh-CN" altLang="en-US" b="1" dirty="0"/>
+              <a:t>王锐  钱学雷 编著</a:t>
+            </a:r>
+          </a:p>
+        </p:txBody>
+      </p:sp>
+    </p:spTree>
+    <p:extLst>
+      <p:ext uri="{BB962C8B-B14F-4D97-AF65-F5344CB8AC3E}">
+        <p14:creationId xmlns:p14="http://schemas.microsoft.com/office/powerpoint/2010/main" val="4078728761"/>
+      </p:ext>
+    </p:extLst>
+  </p:cSld>
+  <p:clrMapOvr>
+    <a:masterClrMapping/>
+  </p:clrMapOvr>
+</p:sld>
+</file>
+
 <file path=ppt/slides/slide2.xml><?xml version="1.0" encoding="utf-8"?>
 <p:sld xmlns:a="http://schemas.openxmlformats.org/drawingml/2006/main" xmlns:r="http://schemas.openxmlformats.org/officeDocument/2006/relationships" xmlns:p="http://schemas.openxmlformats.org/presentationml/2006/main">
   <p:cSld>
@@ -3547,7 +4102,7 @@
                   <a:srgbClr val="FF0000"/>
                 </a:solidFill>
               </a:rPr>
-              <a:t>1-1 </a:t>
+              <a:t>2-1 </a:t>
             </a:r>
             <a:r>
               <a:rPr lang="zh-CN" altLang="en-US" b="1" dirty="0">
@@ -3823,7 +4378,7 @@
                   <a:srgbClr val="FF0000"/>
                 </a:solidFill>
               </a:rPr>
-              <a:t>1-2 </a:t>
+              <a:t>2-2 </a:t>
             </a:r>
             <a:r>
               <a:rPr lang="zh-CN" altLang="en-US" b="1" dirty="0">
@@ -3978,7 +4533,7 @@
                   <a:srgbClr val="FF0000"/>
                 </a:solidFill>
               </a:rPr>
-              <a:t>1-3 </a:t>
+              <a:t>2-3 </a:t>
             </a:r>
             <a:r>
               <a:rPr lang="zh-CN" altLang="en-US" b="1" dirty="0">
@@ -4133,7 +4688,7 @@
                   <a:srgbClr val="FF0000"/>
                 </a:solidFill>
               </a:rPr>
-              <a:t>1-4</a:t>
+              <a:t>2-4</a:t>
             </a:r>
             <a:r>
               <a:rPr lang="zh-CN" altLang="en-US" b="1" dirty="0">
@@ -4467,7 +5022,7 @@
         </p:nvSpPr>
         <p:spPr>
           <a:xfrm>
-            <a:off x="3822704" y="2136192"/>
+            <a:off x="3428256" y="887968"/>
             <a:ext cx="1859805" cy="369332"/>
           </a:xfrm>
           <a:prstGeom prst="rect">
@@ -4507,7 +5062,7 @@
         </p:nvSpPr>
         <p:spPr>
           <a:xfrm>
-            <a:off x="4070369" y="3518359"/>
+            <a:off x="3736624" y="1962550"/>
             <a:ext cx="1364476" cy="369332"/>
           </a:xfrm>
           <a:prstGeom prst="rect">
@@ -4533,45 +5088,6 @@
           </a:p>
         </p:txBody>
       </p:sp>
-      <p:sp>
-        <p:nvSpPr>
-          <p:cNvPr id="11" name="文本框 10">
-            <a:extLst>
-              <a:ext uri="{FF2B5EF4-FFF2-40B4-BE49-F238E27FC236}">
-                <a16:creationId xmlns:a16="http://schemas.microsoft.com/office/drawing/2014/main" id="{6606B6BC-DD9E-64CE-1960-D55410DD4F8C}"/>
-              </a:ext>
-            </a:extLst>
-          </p:cNvPr>
-          <p:cNvSpPr txBox="1"/>
-          <p:nvPr/>
-        </p:nvSpPr>
-        <p:spPr>
-          <a:xfrm>
-            <a:off x="3751243" y="4800600"/>
-            <a:ext cx="2193229" cy="369332"/>
-          </a:xfrm>
-          <a:prstGeom prst="rect">
-            <a:avLst/>
-          </a:prstGeom>
-          <a:noFill/>
-        </p:spPr>
-        <p:txBody>
-          <a:bodyPr wrap="none" rtlCol="0">
-            <a:spAutoFit/>
-          </a:bodyPr>
-          <a:lstStyle/>
-          <a:p>
-            <a:r>
-              <a:rPr lang="en-US" altLang="zh-CN" b="1" dirty="0" err="1"/>
-              <a:t>Osg</a:t>
-            </a:r>
-            <a:r>
-              <a:rPr lang="zh-CN" altLang="en-US" b="1" dirty="0"/>
-              <a:t>各种场景对象类</a:t>
-            </a:r>
-          </a:p>
-        </p:txBody>
-      </p:sp>
       <p:grpSp>
         <p:nvGrpSpPr>
           <p:cNvPr id="17" name="组合 16">
@@ -4586,7 +5102,7 @@
         </p:nvGrpSpPr>
         <p:grpSpPr>
           <a:xfrm>
-            <a:off x="4657357" y="2734124"/>
+            <a:off x="4323612" y="1299054"/>
             <a:ext cx="190500" cy="608702"/>
             <a:chOff x="3038475" y="2363098"/>
             <a:chExt cx="1060704" cy="2218427"/>
@@ -4682,10 +5198,10 @@
       </p:grpSp>
       <p:grpSp>
         <p:nvGrpSpPr>
-          <p:cNvPr id="18" name="组合 17">
-            <a:extLst>
-              <a:ext uri="{FF2B5EF4-FFF2-40B4-BE49-F238E27FC236}">
-                <a16:creationId xmlns:a16="http://schemas.microsoft.com/office/drawing/2014/main" id="{641A070C-9786-3D40-9752-C18CE31D0EE9}"/>
+          <p:cNvPr id="25" name="组合 24">
+            <a:extLst>
+              <a:ext uri="{FF2B5EF4-FFF2-40B4-BE49-F238E27FC236}">
+                <a16:creationId xmlns:a16="http://schemas.microsoft.com/office/drawing/2014/main" id="{C116C125-F327-B19C-1376-64912CC0977C}"/>
               </a:ext>
             </a:extLst>
           </p:cNvPr>
@@ -4694,10 +5210,10 @@
         </p:nvGrpSpPr>
         <p:grpSpPr>
           <a:xfrm>
-            <a:off x="4657357" y="4104030"/>
+            <a:off x="4323612" y="2331882"/>
             <a:ext cx="190500" cy="608702"/>
-            <a:chOff x="3038475" y="2363098"/>
-            <a:chExt cx="1060704" cy="2218427"/>
+            <a:chOff x="7506083" y="1915913"/>
+            <a:chExt cx="190500" cy="608702"/>
           </a:xfrm>
         </p:grpSpPr>
         <p:cxnSp>
@@ -4716,8 +5232,8 @@
           </p:nvCxnSpPr>
           <p:spPr>
             <a:xfrm>
-              <a:off x="3568826" y="3311284"/>
-              <a:ext cx="1" cy="1270241"/>
+              <a:off x="7601333" y="2176081"/>
+              <a:ext cx="0" cy="348534"/>
             </a:xfrm>
             <a:prstGeom prst="line">
               <a:avLst/>
@@ -4752,8 +5268,8 @@
           </p:nvSpPr>
           <p:spPr>
             <a:xfrm>
-              <a:off x="3038475" y="2363098"/>
-              <a:ext cx="1060704" cy="914400"/>
+              <a:off x="7506083" y="1915913"/>
+              <a:ext cx="190500" cy="250897"/>
             </a:xfrm>
             <a:prstGeom prst="triangle">
               <a:avLst/>
@@ -4822,7 +5338,7 @@
                   <a:srgbClr val="FF0000"/>
                 </a:solidFill>
               </a:rPr>
-              <a:t>1-5 </a:t>
+              <a:t>2-5 </a:t>
             </a:r>
             <a:r>
               <a:rPr lang="zh-CN" altLang="en-US" b="1" dirty="0">
@@ -4831,6 +5347,807 @@
                 </a:solidFill>
               </a:rPr>
               <a:t>类继承关系</a:t>
+            </a:r>
+          </a:p>
+        </p:txBody>
+      </p:sp>
+      <p:sp>
+        <p:nvSpPr>
+          <p:cNvPr id="3" name="文本框 2">
+            <a:extLst>
+              <a:ext uri="{FF2B5EF4-FFF2-40B4-BE49-F238E27FC236}">
+                <a16:creationId xmlns:a16="http://schemas.microsoft.com/office/drawing/2014/main" id="{45F8E081-F454-0BBE-14CB-20A7584044DB}"/>
+              </a:ext>
+            </a:extLst>
+          </p:cNvPr>
+          <p:cNvSpPr txBox="1"/>
+          <p:nvPr/>
+        </p:nvSpPr>
+        <p:spPr>
+          <a:xfrm>
+            <a:off x="3793530" y="2937152"/>
+            <a:ext cx="1250663" cy="369332"/>
+          </a:xfrm>
+          <a:prstGeom prst="rect">
+            <a:avLst/>
+          </a:prstGeom>
+          <a:noFill/>
+        </p:spPr>
+        <p:txBody>
+          <a:bodyPr wrap="none" rtlCol="0">
+            <a:spAutoFit/>
+          </a:bodyPr>
+          <a:lstStyle/>
+          <a:p>
+            <a:r>
+              <a:rPr lang="en-US" altLang="zh-CN" b="1" dirty="0" err="1"/>
+              <a:t>osg</a:t>
+            </a:r>
+            <a:r>
+              <a:rPr lang="en-US" altLang="zh-CN" b="1" dirty="0"/>
+              <a:t>::Node</a:t>
+            </a:r>
+            <a:endParaRPr lang="zh-CN" altLang="en-US" b="1" dirty="0"/>
+          </a:p>
+        </p:txBody>
+      </p:sp>
+      <p:sp>
+        <p:nvSpPr>
+          <p:cNvPr id="6" name="文本框 5">
+            <a:extLst>
+              <a:ext uri="{FF2B5EF4-FFF2-40B4-BE49-F238E27FC236}">
+                <a16:creationId xmlns:a16="http://schemas.microsoft.com/office/drawing/2014/main" id="{EB6B902D-3D04-962B-7783-95E91FE2609A}"/>
+              </a:ext>
+            </a:extLst>
+          </p:cNvPr>
+          <p:cNvSpPr txBox="1"/>
+          <p:nvPr/>
+        </p:nvSpPr>
+        <p:spPr>
+          <a:xfrm>
+            <a:off x="2798783" y="4199071"/>
+            <a:ext cx="1358064" cy="369332"/>
+          </a:xfrm>
+          <a:prstGeom prst="rect">
+            <a:avLst/>
+          </a:prstGeom>
+          <a:noFill/>
+        </p:spPr>
+        <p:txBody>
+          <a:bodyPr wrap="none" rtlCol="0">
+            <a:spAutoFit/>
+          </a:bodyPr>
+          <a:lstStyle/>
+          <a:p>
+            <a:r>
+              <a:rPr lang="en-US" altLang="zh-CN" b="1" dirty="0" err="1"/>
+              <a:t>osg</a:t>
+            </a:r>
+            <a:r>
+              <a:rPr lang="en-US" altLang="zh-CN" b="1" dirty="0"/>
+              <a:t>::Geode</a:t>
+            </a:r>
+            <a:endParaRPr lang="zh-CN" altLang="en-US" b="1" dirty="0"/>
+          </a:p>
+        </p:txBody>
+      </p:sp>
+      <p:sp>
+        <p:nvSpPr>
+          <p:cNvPr id="7" name="文本框 6">
+            <a:extLst>
+              <a:ext uri="{FF2B5EF4-FFF2-40B4-BE49-F238E27FC236}">
+                <a16:creationId xmlns:a16="http://schemas.microsoft.com/office/drawing/2014/main" id="{D08BCAC3-4411-CF4A-B163-C1C3B7E5D640}"/>
+              </a:ext>
+            </a:extLst>
+          </p:cNvPr>
+          <p:cNvSpPr txBox="1"/>
+          <p:nvPr/>
+        </p:nvSpPr>
+        <p:spPr>
+          <a:xfrm>
+            <a:off x="4695603" y="4199071"/>
+            <a:ext cx="1330814" cy="369332"/>
+          </a:xfrm>
+          <a:prstGeom prst="rect">
+            <a:avLst/>
+          </a:prstGeom>
+          <a:noFill/>
+        </p:spPr>
+        <p:txBody>
+          <a:bodyPr wrap="none" rtlCol="0">
+            <a:spAutoFit/>
+          </a:bodyPr>
+          <a:lstStyle/>
+          <a:p>
+            <a:r>
+              <a:rPr lang="en-US" altLang="zh-CN" b="1" dirty="0" err="1"/>
+              <a:t>osg</a:t>
+            </a:r>
+            <a:r>
+              <a:rPr lang="en-US" altLang="zh-CN" b="1" dirty="0"/>
+              <a:t>::Group</a:t>
+            </a:r>
+            <a:endParaRPr lang="zh-CN" altLang="en-US" b="1" dirty="0"/>
+          </a:p>
+        </p:txBody>
+      </p:sp>
+      <p:cxnSp>
+        <p:nvCxnSpPr>
+          <p:cNvPr id="9" name="连接符: 肘形 8">
+            <a:extLst>
+              <a:ext uri="{FF2B5EF4-FFF2-40B4-BE49-F238E27FC236}">
+                <a16:creationId xmlns:a16="http://schemas.microsoft.com/office/drawing/2014/main" id="{9171C4A3-ED86-BDE9-7B8E-09B4A1A44225}"/>
+              </a:ext>
+            </a:extLst>
+          </p:cNvPr>
+          <p:cNvCxnSpPr/>
+          <p:nvPr/>
+        </p:nvCxnSpPr>
+        <p:spPr>
+          <a:xfrm rot="5400000">
+            <a:off x="3748960" y="3544399"/>
+            <a:ext cx="714473" cy="625331"/>
+          </a:xfrm>
+          <a:prstGeom prst="bentConnector3">
+            <a:avLst/>
+          </a:prstGeom>
+        </p:spPr>
+        <p:style>
+          <a:lnRef idx="1">
+            <a:schemeClr val="accent1"/>
+          </a:lnRef>
+          <a:fillRef idx="0">
+            <a:schemeClr val="accent1"/>
+          </a:fillRef>
+          <a:effectRef idx="0">
+            <a:schemeClr val="accent1"/>
+          </a:effectRef>
+          <a:fontRef idx="minor">
+            <a:schemeClr val="tx1"/>
+          </a:fontRef>
+        </p:style>
+      </p:cxnSp>
+      <p:sp>
+        <p:nvSpPr>
+          <p:cNvPr id="10" name="等腰三角形 9">
+            <a:extLst>
+              <a:ext uri="{FF2B5EF4-FFF2-40B4-BE49-F238E27FC236}">
+                <a16:creationId xmlns:a16="http://schemas.microsoft.com/office/drawing/2014/main" id="{9AA20FEE-0741-4738-50C2-F29A34AECB1E}"/>
+              </a:ext>
+            </a:extLst>
+          </p:cNvPr>
+          <p:cNvSpPr/>
+          <p:nvPr/>
+        </p:nvSpPr>
+        <p:spPr>
+          <a:xfrm>
+            <a:off x="4323612" y="3232496"/>
+            <a:ext cx="190500" cy="250897"/>
+          </a:xfrm>
+          <a:prstGeom prst="triangle">
+            <a:avLst/>
+          </a:prstGeom>
+          <a:solidFill>
+            <a:schemeClr val="bg1"/>
+          </a:solidFill>
+        </p:spPr>
+        <p:style>
+          <a:lnRef idx="2">
+            <a:schemeClr val="accent1">
+              <a:shade val="50000"/>
+            </a:schemeClr>
+          </a:lnRef>
+          <a:fillRef idx="1">
+            <a:schemeClr val="accent1"/>
+          </a:fillRef>
+          <a:effectRef idx="0">
+            <a:schemeClr val="accent1"/>
+          </a:effectRef>
+          <a:fontRef idx="minor">
+            <a:schemeClr val="lt1"/>
+          </a:fontRef>
+        </p:style>
+        <p:txBody>
+          <a:bodyPr rtlCol="0" anchor="ctr"/>
+          <a:lstStyle/>
+          <a:p>
+            <a:pPr algn="ctr"/>
+            <a:endParaRPr lang="zh-CN" altLang="en-US"/>
+          </a:p>
+        </p:txBody>
+      </p:sp>
+      <p:cxnSp>
+        <p:nvCxnSpPr>
+          <p:cNvPr id="16" name="连接符: 肘形 15">
+            <a:extLst>
+              <a:ext uri="{FF2B5EF4-FFF2-40B4-BE49-F238E27FC236}">
+                <a16:creationId xmlns:a16="http://schemas.microsoft.com/office/drawing/2014/main" id="{3D80AB06-A177-E6FC-D37C-45080F573189}"/>
+              </a:ext>
+            </a:extLst>
+          </p:cNvPr>
+          <p:cNvCxnSpPr>
+            <a:stCxn id="10" idx="3"/>
+          </p:cNvCxnSpPr>
+          <p:nvPr/>
+        </p:nvCxnSpPr>
+        <p:spPr>
+          <a:xfrm rot="16200000" flipH="1">
+            <a:off x="4394527" y="3507728"/>
+            <a:ext cx="730908" cy="682238"/>
+          </a:xfrm>
+          <a:prstGeom prst="bentConnector3">
+            <a:avLst/>
+          </a:prstGeom>
+        </p:spPr>
+        <p:style>
+          <a:lnRef idx="1">
+            <a:schemeClr val="accent1"/>
+          </a:lnRef>
+          <a:fillRef idx="0">
+            <a:schemeClr val="accent1"/>
+          </a:fillRef>
+          <a:effectRef idx="0">
+            <a:schemeClr val="accent1"/>
+          </a:effectRef>
+          <a:fontRef idx="minor">
+            <a:schemeClr val="tx1"/>
+          </a:fontRef>
+        </p:style>
+      </p:cxnSp>
+      <p:cxnSp>
+        <p:nvCxnSpPr>
+          <p:cNvPr id="23" name="直接箭头连接符 22">
+            <a:extLst>
+              <a:ext uri="{FF2B5EF4-FFF2-40B4-BE49-F238E27FC236}">
+                <a16:creationId xmlns:a16="http://schemas.microsoft.com/office/drawing/2014/main" id="{1824DDED-3097-8020-A742-87F00159E315}"/>
+              </a:ext>
+            </a:extLst>
+          </p:cNvPr>
+          <p:cNvCxnSpPr/>
+          <p:nvPr/>
+        </p:nvCxnSpPr>
+        <p:spPr>
+          <a:xfrm>
+            <a:off x="3793530" y="4568404"/>
+            <a:ext cx="0" cy="510989"/>
+          </a:xfrm>
+          <a:prstGeom prst="straightConnector1">
+            <a:avLst/>
+          </a:prstGeom>
+          <a:ln>
+            <a:tailEnd type="triangle"/>
+          </a:ln>
+        </p:spPr>
+        <p:style>
+          <a:lnRef idx="1">
+            <a:schemeClr val="accent1"/>
+          </a:lnRef>
+          <a:fillRef idx="0">
+            <a:schemeClr val="accent1"/>
+          </a:fillRef>
+          <a:effectRef idx="0">
+            <a:schemeClr val="accent1"/>
+          </a:effectRef>
+          <a:fontRef idx="minor">
+            <a:schemeClr val="tx1"/>
+          </a:fontRef>
+        </p:style>
+      </p:cxnSp>
+      <p:sp>
+        <p:nvSpPr>
+          <p:cNvPr id="24" name="文本框 23">
+            <a:extLst>
+              <a:ext uri="{FF2B5EF4-FFF2-40B4-BE49-F238E27FC236}">
+                <a16:creationId xmlns:a16="http://schemas.microsoft.com/office/drawing/2014/main" id="{E9D06E3D-69EF-C688-AB63-1B125852CAC4}"/>
+              </a:ext>
+            </a:extLst>
+          </p:cNvPr>
+          <p:cNvSpPr txBox="1"/>
+          <p:nvPr/>
+        </p:nvSpPr>
+        <p:spPr>
+          <a:xfrm>
+            <a:off x="2495939" y="5037861"/>
+            <a:ext cx="1723549" cy="492443"/>
+          </a:xfrm>
+          <a:prstGeom prst="rect">
+            <a:avLst/>
+          </a:prstGeom>
+          <a:noFill/>
+        </p:spPr>
+        <p:txBody>
+          <a:bodyPr wrap="none" rtlCol="0">
+            <a:spAutoFit/>
+          </a:bodyPr>
+          <a:lstStyle/>
+          <a:p>
+            <a:r>
+              <a:rPr lang="en-US" altLang="zh-CN" b="1" dirty="0" err="1"/>
+              <a:t>Osg</a:t>
+            </a:r>
+            <a:r>
+              <a:rPr lang="en-US" altLang="zh-CN" b="1" dirty="0"/>
+              <a:t>::Drawable</a:t>
+            </a:r>
+          </a:p>
+          <a:p>
+            <a:r>
+              <a:rPr lang="zh-CN" altLang="en-US" sz="800" b="1" dirty="0"/>
+              <a:t>可绘制体：几何体、图片、文字等</a:t>
+            </a:r>
+          </a:p>
+        </p:txBody>
+      </p:sp>
+      <p:sp>
+        <p:nvSpPr>
+          <p:cNvPr id="30" name="文本框 29">
+            <a:extLst>
+              <a:ext uri="{FF2B5EF4-FFF2-40B4-BE49-F238E27FC236}">
+                <a16:creationId xmlns:a16="http://schemas.microsoft.com/office/drawing/2014/main" id="{6BE25F46-CD71-B8D1-B01C-3D268B763539}"/>
+              </a:ext>
+            </a:extLst>
+          </p:cNvPr>
+          <p:cNvSpPr txBox="1"/>
+          <p:nvPr/>
+        </p:nvSpPr>
+        <p:spPr>
+          <a:xfrm>
+            <a:off x="6917609" y="3327229"/>
+            <a:ext cx="5093412" cy="2123658"/>
+          </a:xfrm>
+          <a:prstGeom prst="rect">
+            <a:avLst/>
+          </a:prstGeom>
+          <a:noFill/>
+          <a:ln>
+            <a:solidFill>
+              <a:schemeClr val="tx1"/>
+            </a:solidFill>
+          </a:ln>
+        </p:spPr>
+        <p:txBody>
+          <a:bodyPr wrap="square" rtlCol="0">
+            <a:spAutoFit/>
+          </a:bodyPr>
+          <a:lstStyle/>
+          <a:p>
+            <a:pPr marL="171450" indent="-171450">
+              <a:buFont typeface="Wingdings" panose="05000000000000000000" pitchFamily="2" charset="2"/>
+              <a:buChar char="l"/>
+            </a:pPr>
+            <a:r>
+              <a:rPr lang="zh-CN" altLang="en-US" sz="1200" b="1" dirty="0"/>
+              <a:t>空间变换节点</a:t>
+            </a:r>
+            <a:r>
+              <a:rPr lang="en-US" altLang="zh-CN" sz="1200" b="1" dirty="0"/>
+              <a:t>:  Transform</a:t>
+            </a:r>
+          </a:p>
+          <a:p>
+            <a:pPr marL="171450" indent="-171450">
+              <a:buFont typeface="Wingdings" panose="05000000000000000000" pitchFamily="2" charset="2"/>
+              <a:buChar char="l"/>
+            </a:pPr>
+            <a:r>
+              <a:rPr lang="zh-CN" altLang="en-US" sz="1200" b="1" dirty="0"/>
+              <a:t>开关节点：       </a:t>
+            </a:r>
+            <a:r>
+              <a:rPr lang="en-US" altLang="zh-CN" sz="1200" b="1" dirty="0"/>
+              <a:t>Switch/</a:t>
+            </a:r>
+            <a:r>
+              <a:rPr lang="en-US" altLang="zh-CN" sz="1200" b="1" dirty="0" err="1"/>
+              <a:t>MultiSwitch</a:t>
+            </a:r>
+            <a:endParaRPr lang="en-US" altLang="zh-CN" sz="1200" b="1" dirty="0"/>
+          </a:p>
+          <a:p>
+            <a:pPr marL="171450" indent="-171450">
+              <a:buFont typeface="Wingdings" panose="05000000000000000000" pitchFamily="2" charset="2"/>
+              <a:buChar char="l"/>
+            </a:pPr>
+            <a:r>
+              <a:rPr lang="zh-CN" altLang="en-US" sz="1200" b="1" dirty="0"/>
+              <a:t>细节层次节点：</a:t>
+            </a:r>
+            <a:r>
+              <a:rPr lang="en-US" altLang="zh-CN" sz="1200" b="1" dirty="0"/>
+              <a:t>LOD</a:t>
+            </a:r>
+          </a:p>
+          <a:p>
+            <a:pPr marL="171450" indent="-171450">
+              <a:buFont typeface="Wingdings" panose="05000000000000000000" pitchFamily="2" charset="2"/>
+              <a:buChar char="l"/>
+            </a:pPr>
+            <a:r>
+              <a:rPr lang="zh-CN" altLang="en-US" sz="1200" b="1" dirty="0"/>
+              <a:t>相机节点：       </a:t>
+            </a:r>
+            <a:r>
+              <a:rPr lang="en-US" altLang="zh-CN" sz="1200" b="1" dirty="0"/>
+              <a:t>Camera</a:t>
+            </a:r>
+          </a:p>
+          <a:p>
+            <a:pPr marL="171450" indent="-171450">
+              <a:buFont typeface="Wingdings" panose="05000000000000000000" pitchFamily="2" charset="2"/>
+              <a:buChar char="l"/>
+            </a:pPr>
+            <a:r>
+              <a:rPr lang="zh-CN" altLang="en-US" sz="1200" b="1" dirty="0"/>
+              <a:t>投影节点：       </a:t>
+            </a:r>
+            <a:r>
+              <a:rPr lang="en-US" altLang="zh-CN" sz="1200" b="1" dirty="0"/>
+              <a:t>Projection</a:t>
+            </a:r>
+            <a:r>
+              <a:rPr lang="zh-CN" altLang="en-US" sz="1200" b="1" dirty="0">
+                <a:solidFill>
+                  <a:srgbClr val="C00000"/>
+                </a:solidFill>
+              </a:rPr>
+              <a:t>（投影为什么要从相机里独立出来？）</a:t>
+            </a:r>
+            <a:endParaRPr lang="en-US" altLang="zh-CN" sz="1200" b="1" dirty="0">
+              <a:solidFill>
+                <a:srgbClr val="C00000"/>
+              </a:solidFill>
+            </a:endParaRPr>
+          </a:p>
+          <a:p>
+            <a:pPr marL="171450" indent="-171450">
+              <a:buFont typeface="Wingdings" panose="05000000000000000000" pitchFamily="2" charset="2"/>
+              <a:buChar char="l"/>
+            </a:pPr>
+            <a:r>
+              <a:rPr lang="zh-CN" altLang="en-US" sz="1200" b="1" dirty="0"/>
+              <a:t>覆盖节点：       </a:t>
+            </a:r>
+            <a:r>
+              <a:rPr lang="en-US" altLang="zh-CN" sz="1200" b="1" dirty="0" err="1"/>
+              <a:t>OverlayNode</a:t>
+            </a:r>
+            <a:endParaRPr lang="en-US" altLang="zh-CN" sz="1200" b="1" dirty="0"/>
+          </a:p>
+          <a:p>
+            <a:pPr marL="171450" indent="-171450">
+              <a:buFont typeface="Wingdings" panose="05000000000000000000" pitchFamily="2" charset="2"/>
+              <a:buChar char="l"/>
+            </a:pPr>
+            <a:r>
+              <a:rPr lang="zh-CN" altLang="en-US" sz="1200" b="1" dirty="0"/>
+              <a:t>遮挡裁减节点：</a:t>
+            </a:r>
+            <a:r>
+              <a:rPr lang="en-US" altLang="zh-CN" sz="1200" b="1" dirty="0" err="1"/>
+              <a:t>OccluderNode</a:t>
+            </a:r>
+            <a:r>
+              <a:rPr lang="zh-CN" altLang="en-US" sz="1200" b="1" dirty="0">
+                <a:solidFill>
+                  <a:srgbClr val="C00000"/>
+                </a:solidFill>
+              </a:rPr>
+              <a:t>（原理什么，在</a:t>
+            </a:r>
+            <a:r>
+              <a:rPr lang="en-US" altLang="zh-CN" sz="1200" b="1" dirty="0">
+                <a:solidFill>
+                  <a:srgbClr val="C00000"/>
+                </a:solidFill>
+              </a:rPr>
+              <a:t>CPU</a:t>
+            </a:r>
+            <a:r>
+              <a:rPr lang="zh-CN" altLang="en-US" sz="1200" b="1" dirty="0">
+                <a:solidFill>
+                  <a:srgbClr val="C00000"/>
+                </a:solidFill>
+              </a:rPr>
+              <a:t>运行还是</a:t>
+            </a:r>
+            <a:r>
+              <a:rPr lang="en-US" altLang="zh-CN" sz="1200" b="1" dirty="0">
+                <a:solidFill>
+                  <a:srgbClr val="C00000"/>
+                </a:solidFill>
+              </a:rPr>
+              <a:t>GPU</a:t>
+            </a:r>
+            <a:r>
+              <a:rPr lang="zh-CN" altLang="en-US" sz="1200" b="1" dirty="0">
+                <a:solidFill>
+                  <a:srgbClr val="C00000"/>
+                </a:solidFill>
+              </a:rPr>
+              <a:t>？）</a:t>
+            </a:r>
+            <a:endParaRPr lang="en-US" altLang="zh-CN" sz="1200" b="1" dirty="0">
+              <a:solidFill>
+                <a:srgbClr val="C00000"/>
+              </a:solidFill>
+            </a:endParaRPr>
+          </a:p>
+          <a:p>
+            <a:pPr marL="171450" indent="-171450">
+              <a:buFont typeface="Wingdings" panose="05000000000000000000" pitchFamily="2" charset="2"/>
+              <a:buChar char="l"/>
+            </a:pPr>
+            <a:r>
+              <a:rPr lang="zh-CN" altLang="en-US" sz="1200" b="1" dirty="0"/>
+              <a:t>动态调节节点：</a:t>
+            </a:r>
+            <a:r>
+              <a:rPr lang="zh-CN" altLang="en-US" sz="1200" b="1" dirty="0">
+                <a:solidFill>
+                  <a:srgbClr val="C00000"/>
+                </a:solidFill>
+              </a:rPr>
+              <a:t>大规模地形数据加载，数据分块，分页机制</a:t>
+            </a:r>
+            <a:endParaRPr lang="en-US" altLang="zh-CN" sz="1200" b="1" dirty="0">
+              <a:solidFill>
+                <a:srgbClr val="C00000"/>
+              </a:solidFill>
+            </a:endParaRPr>
+          </a:p>
+          <a:p>
+            <a:pPr marL="171450" indent="-171450">
+              <a:buFont typeface="Wingdings" panose="05000000000000000000" pitchFamily="2" charset="2"/>
+              <a:buChar char="l"/>
+            </a:pPr>
+            <a:r>
+              <a:rPr lang="zh-CN" altLang="en-US" sz="1200" b="1" dirty="0"/>
+              <a:t>关节节点</a:t>
+            </a:r>
+            <a:r>
+              <a:rPr lang="en-US" altLang="zh-CN" sz="1200" b="1" dirty="0"/>
+              <a:t>:           Bone, Skeleton</a:t>
+            </a:r>
+          </a:p>
+          <a:p>
+            <a:pPr marL="171450" indent="-171450">
+              <a:buFont typeface="Wingdings" panose="05000000000000000000" pitchFamily="2" charset="2"/>
+              <a:buChar char="l"/>
+            </a:pPr>
+            <a:r>
+              <a:rPr lang="zh-CN" altLang="en-US" sz="1200" b="1" dirty="0"/>
+              <a:t>代理节点：        </a:t>
+            </a:r>
+            <a:r>
+              <a:rPr lang="en-US" altLang="zh-CN" sz="1200" b="1" dirty="0" err="1"/>
+              <a:t>ProxyNode</a:t>
+            </a:r>
+            <a:endParaRPr lang="en-US" altLang="zh-CN" sz="1200" b="1" dirty="0"/>
+          </a:p>
+          <a:p>
+            <a:pPr marL="171450" indent="-171450">
+              <a:buFont typeface="Wingdings" panose="05000000000000000000" pitchFamily="2" charset="2"/>
+              <a:buChar char="l"/>
+            </a:pPr>
+            <a:r>
+              <a:rPr lang="zh-CN" altLang="en-US" sz="1200" b="1" dirty="0"/>
+              <a:t>还可以自定义节点（继承</a:t>
+            </a:r>
+            <a:r>
+              <a:rPr lang="en-US" altLang="zh-CN" sz="1200" b="1" dirty="0"/>
+              <a:t>Geode</a:t>
+            </a:r>
+            <a:r>
+              <a:rPr lang="zh-CN" altLang="en-US" sz="1200" b="1" dirty="0"/>
+              <a:t>或者</a:t>
+            </a:r>
+            <a:r>
+              <a:rPr lang="en-US" altLang="zh-CN" sz="1200" b="1" dirty="0"/>
+              <a:t>Group</a:t>
+            </a:r>
+            <a:r>
+              <a:rPr lang="zh-CN" altLang="en-US" sz="1200" b="1" dirty="0"/>
+              <a:t>）</a:t>
+            </a:r>
+            <a:endParaRPr lang="en-US" altLang="zh-CN" sz="1200" b="1" dirty="0"/>
+          </a:p>
+        </p:txBody>
+      </p:sp>
+      <p:grpSp>
+        <p:nvGrpSpPr>
+          <p:cNvPr id="31" name="组合 30">
+            <a:extLst>
+              <a:ext uri="{FF2B5EF4-FFF2-40B4-BE49-F238E27FC236}">
+                <a16:creationId xmlns:a16="http://schemas.microsoft.com/office/drawing/2014/main" id="{8D5980B2-846A-935A-761B-F7B4C048A186}"/>
+              </a:ext>
+            </a:extLst>
+          </p:cNvPr>
+          <p:cNvGrpSpPr/>
+          <p:nvPr/>
+        </p:nvGrpSpPr>
+        <p:grpSpPr>
+          <a:xfrm rot="16200000">
+            <a:off x="6238890" y="4069826"/>
+            <a:ext cx="279916" cy="717239"/>
+            <a:chOff x="7506083" y="1915913"/>
+            <a:chExt cx="190500" cy="608702"/>
+          </a:xfrm>
+        </p:grpSpPr>
+        <p:cxnSp>
+          <p:nvCxnSpPr>
+            <p:cNvPr id="32" name="直接连接符 31">
+              <a:extLst>
+                <a:ext uri="{FF2B5EF4-FFF2-40B4-BE49-F238E27FC236}">
+                  <a16:creationId xmlns:a16="http://schemas.microsoft.com/office/drawing/2014/main" id="{01F106E7-8900-3573-74C7-52A2CD69F144}"/>
+                </a:ext>
+              </a:extLst>
+            </p:cNvPr>
+            <p:cNvCxnSpPr>
+              <a:cxnSpLocks/>
+            </p:cNvCxnSpPr>
+            <p:nvPr/>
+          </p:nvCxnSpPr>
+          <p:spPr>
+            <a:xfrm>
+              <a:off x="7601333" y="2176081"/>
+              <a:ext cx="0" cy="348534"/>
+            </a:xfrm>
+            <a:prstGeom prst="line">
+              <a:avLst/>
+            </a:prstGeom>
+          </p:spPr>
+          <p:style>
+            <a:lnRef idx="1">
+              <a:schemeClr val="accent1"/>
+            </a:lnRef>
+            <a:fillRef idx="0">
+              <a:schemeClr val="accent1"/>
+            </a:fillRef>
+            <a:effectRef idx="0">
+              <a:schemeClr val="accent1"/>
+            </a:effectRef>
+            <a:fontRef idx="minor">
+              <a:schemeClr val="tx1"/>
+            </a:fontRef>
+          </p:style>
+        </p:cxnSp>
+        <p:sp>
+          <p:nvSpPr>
+            <p:cNvPr id="33" name="等腰三角形 32">
+              <a:extLst>
+                <a:ext uri="{FF2B5EF4-FFF2-40B4-BE49-F238E27FC236}">
+                  <a16:creationId xmlns:a16="http://schemas.microsoft.com/office/drawing/2014/main" id="{9D152F61-348A-461F-F841-3CAED5305AC3}"/>
+                </a:ext>
+              </a:extLst>
+            </p:cNvPr>
+            <p:cNvSpPr/>
+            <p:nvPr/>
+          </p:nvSpPr>
+          <p:spPr>
+            <a:xfrm>
+              <a:off x="7506083" y="1915913"/>
+              <a:ext cx="190500" cy="250897"/>
+            </a:xfrm>
+            <a:prstGeom prst="triangle">
+              <a:avLst/>
+            </a:prstGeom>
+            <a:solidFill>
+              <a:schemeClr val="bg1"/>
+            </a:solidFill>
+          </p:spPr>
+          <p:style>
+            <a:lnRef idx="2">
+              <a:schemeClr val="accent1">
+                <a:shade val="50000"/>
+              </a:schemeClr>
+            </a:lnRef>
+            <a:fillRef idx="1">
+              <a:schemeClr val="accent1"/>
+            </a:fillRef>
+            <a:effectRef idx="0">
+              <a:schemeClr val="accent1"/>
+            </a:effectRef>
+            <a:fontRef idx="minor">
+              <a:schemeClr val="lt1"/>
+            </a:fontRef>
+          </p:style>
+          <p:txBody>
+            <a:bodyPr rtlCol="0" anchor="ctr"/>
+            <a:lstStyle/>
+            <a:p>
+              <a:pPr algn="ctr"/>
+              <a:endParaRPr lang="zh-CN" altLang="en-US"/>
+            </a:p>
+          </p:txBody>
+        </p:sp>
+      </p:grpSp>
+      <p:cxnSp>
+        <p:nvCxnSpPr>
+          <p:cNvPr id="34" name="直接箭头连接符 33">
+            <a:extLst>
+              <a:ext uri="{FF2B5EF4-FFF2-40B4-BE49-F238E27FC236}">
+                <a16:creationId xmlns:a16="http://schemas.microsoft.com/office/drawing/2014/main" id="{AFEC234A-E0D7-A49A-C3EE-7A0DCEBB0CEC}"/>
+              </a:ext>
+            </a:extLst>
+          </p:cNvPr>
+          <p:cNvCxnSpPr/>
+          <p:nvPr/>
+        </p:nvCxnSpPr>
+        <p:spPr>
+          <a:xfrm>
+            <a:off x="5112029" y="4568404"/>
+            <a:ext cx="0" cy="510989"/>
+          </a:xfrm>
+          <a:prstGeom prst="straightConnector1">
+            <a:avLst/>
+          </a:prstGeom>
+          <a:ln>
+            <a:tailEnd type="triangle"/>
+          </a:ln>
+        </p:spPr>
+        <p:style>
+          <a:lnRef idx="1">
+            <a:schemeClr val="accent1"/>
+          </a:lnRef>
+          <a:fillRef idx="0">
+            <a:schemeClr val="accent1"/>
+          </a:fillRef>
+          <a:effectRef idx="0">
+            <a:schemeClr val="accent1"/>
+          </a:effectRef>
+          <a:fontRef idx="minor">
+            <a:schemeClr val="tx1"/>
+          </a:fontRef>
+        </p:style>
+      </p:cxnSp>
+      <p:sp>
+        <p:nvSpPr>
+          <p:cNvPr id="35" name="文本框 34">
+            <a:extLst>
+              <a:ext uri="{FF2B5EF4-FFF2-40B4-BE49-F238E27FC236}">
+                <a16:creationId xmlns:a16="http://schemas.microsoft.com/office/drawing/2014/main" id="{70B223CA-5404-1473-CB02-FE6CB991A400}"/>
+              </a:ext>
+            </a:extLst>
+          </p:cNvPr>
+          <p:cNvSpPr txBox="1"/>
+          <p:nvPr/>
+        </p:nvSpPr>
+        <p:spPr>
+          <a:xfrm>
+            <a:off x="4655304" y="5037861"/>
+            <a:ext cx="1723549" cy="492443"/>
+          </a:xfrm>
+          <a:prstGeom prst="rect">
+            <a:avLst/>
+          </a:prstGeom>
+          <a:noFill/>
+        </p:spPr>
+        <p:txBody>
+          <a:bodyPr wrap="none" rtlCol="0">
+            <a:spAutoFit/>
+          </a:bodyPr>
+          <a:lstStyle/>
+          <a:p>
+            <a:pPr algn="ctr"/>
+            <a:r>
+              <a:rPr lang="en-US" altLang="zh-CN" b="1" dirty="0" err="1"/>
+              <a:t>Osg</a:t>
+            </a:r>
+            <a:r>
+              <a:rPr lang="en-US" altLang="zh-CN" b="1" dirty="0"/>
+              <a:t>::</a:t>
+            </a:r>
+            <a:r>
+              <a:rPr lang="en-US" altLang="zh-CN" b="1" dirty="0" err="1"/>
+              <a:t>StateSet</a:t>
+            </a:r>
+            <a:endParaRPr lang="en-US" altLang="zh-CN" b="1" dirty="0"/>
+          </a:p>
+          <a:p>
+            <a:pPr algn="ctr"/>
+            <a:r>
+              <a:rPr lang="zh-CN" altLang="en-US" sz="800" b="1" dirty="0"/>
+              <a:t>关照、纹理、材质等渲染属性设置</a:t>
             </a:r>
           </a:p>
         </p:txBody>
@@ -4880,7 +6197,7 @@
         <p:spPr>
           <a:xfrm>
             <a:off x="202301" y="396510"/>
-            <a:ext cx="1107996" cy="369332"/>
+            <a:ext cx="1766830" cy="369332"/>
           </a:xfrm>
           <a:prstGeom prst="rect">
             <a:avLst/>
@@ -4894,8 +6211,12 @@
           <a:lstStyle/>
           <a:p>
             <a:r>
+              <a:rPr lang="en-US" altLang="zh-CN" b="1" dirty="0"/>
+              <a:t>Lession_3  </a:t>
+            </a:r>
+            <a:r>
               <a:rPr lang="zh-CN" altLang="en-US" b="1" dirty="0"/>
-              <a:t>参考资料</a:t>
+              <a:t>场景</a:t>
             </a:r>
           </a:p>
         </p:txBody>
@@ -4905,7 +6226,7 @@
           <p:cNvPr id="3" name="文本框 2">
             <a:extLst>
               <a:ext uri="{FF2B5EF4-FFF2-40B4-BE49-F238E27FC236}">
-                <a16:creationId xmlns:a16="http://schemas.microsoft.com/office/drawing/2014/main" id="{6FFA4239-9262-A426-17BD-D39A98CEB180}"/>
+                <a16:creationId xmlns:a16="http://schemas.microsoft.com/office/drawing/2014/main" id="{45B25617-0029-C2BA-9318-126C8FF0F2D8}"/>
               </a:ext>
             </a:extLst>
           </p:cNvPr>
@@ -4914,8 +6235,8 @@
         </p:nvSpPr>
         <p:spPr>
           <a:xfrm>
-            <a:off x="1552575" y="2362200"/>
-            <a:ext cx="6949338" cy="369332"/>
+            <a:off x="1083853" y="1769174"/>
+            <a:ext cx="1120820" cy="369332"/>
           </a:xfrm>
           <a:prstGeom prst="rect">
             <a:avLst/>
@@ -4930,31 +6251,1521 @@
           <a:p>
             <a:r>
               <a:rPr lang="en-US" altLang="zh-CN" b="1" dirty="0"/>
-              <a:t>《</a:t>
-            </a:r>
-            <a:r>
-              <a:rPr lang="en-US" altLang="zh-CN" b="1" dirty="0" err="1"/>
-              <a:t>OpenSceneGraph</a:t>
+              <a:t>1. BVH</a:t>
             </a:r>
             <a:r>
               <a:rPr lang="zh-CN" altLang="en-US" b="1" dirty="0"/>
-              <a:t>三维渲染引擎设计与实践</a:t>
-            </a:r>
+              <a:t>树</a:t>
+            </a:r>
+          </a:p>
+        </p:txBody>
+      </p:sp>
+      <p:sp>
+        <p:nvSpPr>
+          <p:cNvPr id="6" name="文本框 5">
+            <a:extLst>
+              <a:ext uri="{FF2B5EF4-FFF2-40B4-BE49-F238E27FC236}">
+                <a16:creationId xmlns:a16="http://schemas.microsoft.com/office/drawing/2014/main" id="{003FFEE3-1AC0-1679-5995-870F1387DBEA}"/>
+              </a:ext>
+            </a:extLst>
+          </p:cNvPr>
+          <p:cNvSpPr txBox="1"/>
+          <p:nvPr/>
+        </p:nvSpPr>
+        <p:spPr>
+          <a:xfrm>
+            <a:off x="1083852" y="2338668"/>
+            <a:ext cx="1125629" cy="369332"/>
+          </a:xfrm>
+          <a:prstGeom prst="rect">
+            <a:avLst/>
+          </a:prstGeom>
+          <a:noFill/>
+        </p:spPr>
+        <p:txBody>
+          <a:bodyPr wrap="none" rtlCol="0">
+            <a:spAutoFit/>
+          </a:bodyPr>
+          <a:lstStyle/>
+          <a:p>
             <a:r>
               <a:rPr lang="en-US" altLang="zh-CN" b="1" dirty="0"/>
-              <a:t>》  </a:t>
+              <a:t>2. </a:t>
             </a:r>
             <a:r>
               <a:rPr lang="zh-CN" altLang="en-US" b="1" dirty="0"/>
-              <a:t>王锐  钱学雷 编著</a:t>
-            </a:r>
-          </a:p>
-        </p:txBody>
-      </p:sp>
+              <a:t>包围体</a:t>
+            </a:r>
+          </a:p>
+        </p:txBody>
+      </p:sp>
+      <p:sp>
+        <p:nvSpPr>
+          <p:cNvPr id="7" name="文本框 6">
+            <a:extLst>
+              <a:ext uri="{FF2B5EF4-FFF2-40B4-BE49-F238E27FC236}">
+                <a16:creationId xmlns:a16="http://schemas.microsoft.com/office/drawing/2014/main" id="{CCF6B3D9-AB34-91FE-6457-EB25CA22584B}"/>
+              </a:ext>
+            </a:extLst>
+          </p:cNvPr>
+          <p:cNvSpPr txBox="1"/>
+          <p:nvPr/>
+        </p:nvSpPr>
+        <p:spPr>
+          <a:xfrm>
+            <a:off x="1083852" y="2908162"/>
+            <a:ext cx="1574470" cy="369332"/>
+          </a:xfrm>
+          <a:prstGeom prst="rect">
+            <a:avLst/>
+          </a:prstGeom>
+          <a:noFill/>
+        </p:spPr>
+        <p:txBody>
+          <a:bodyPr wrap="none" rtlCol="0">
+            <a:spAutoFit/>
+          </a:bodyPr>
+          <a:lstStyle/>
+          <a:p>
+            <a:r>
+              <a:rPr lang="en-US" altLang="zh-CN" b="1" dirty="0"/>
+              <a:t>3. </a:t>
+            </a:r>
+            <a:r>
+              <a:rPr lang="zh-CN" altLang="en-US" b="1" dirty="0"/>
+              <a:t>有向无环图</a:t>
+            </a:r>
+          </a:p>
+        </p:txBody>
+      </p:sp>
+      <p:sp>
+        <p:nvSpPr>
+          <p:cNvPr id="8" name="文本框 7">
+            <a:extLst>
+              <a:ext uri="{FF2B5EF4-FFF2-40B4-BE49-F238E27FC236}">
+                <a16:creationId xmlns:a16="http://schemas.microsoft.com/office/drawing/2014/main" id="{61E88555-9145-A867-959D-B1FF18038168}"/>
+              </a:ext>
+            </a:extLst>
+          </p:cNvPr>
+          <p:cNvSpPr txBox="1"/>
+          <p:nvPr/>
+        </p:nvSpPr>
+        <p:spPr>
+          <a:xfrm>
+            <a:off x="713874" y="1082842"/>
+            <a:ext cx="1083951" cy="369332"/>
+          </a:xfrm>
+          <a:prstGeom prst="rect">
+            <a:avLst/>
+          </a:prstGeom>
+          <a:noFill/>
+        </p:spPr>
+        <p:txBody>
+          <a:bodyPr wrap="none" rtlCol="0">
+            <a:spAutoFit/>
+          </a:bodyPr>
+          <a:lstStyle/>
+          <a:p>
+            <a:r>
+              <a:rPr lang="en-US" altLang="zh-CN" b="1" dirty="0">
+                <a:solidFill>
+                  <a:srgbClr val="C00000"/>
+                </a:solidFill>
+              </a:rPr>
+              <a:t>3-1 </a:t>
+            </a:r>
+            <a:r>
+              <a:rPr lang="zh-CN" altLang="en-US" b="1" dirty="0">
+                <a:solidFill>
+                  <a:srgbClr val="C00000"/>
+                </a:solidFill>
+              </a:rPr>
+              <a:t>概念</a:t>
+            </a:r>
+          </a:p>
+        </p:txBody>
+      </p:sp>
+      <p:sp>
+        <p:nvSpPr>
+          <p:cNvPr id="9" name="文本框 8">
+            <a:extLst>
+              <a:ext uri="{FF2B5EF4-FFF2-40B4-BE49-F238E27FC236}">
+                <a16:creationId xmlns:a16="http://schemas.microsoft.com/office/drawing/2014/main" id="{F47F3D07-7A51-89B2-632E-79A841237B05}"/>
+              </a:ext>
+            </a:extLst>
+          </p:cNvPr>
+          <p:cNvSpPr txBox="1"/>
+          <p:nvPr/>
+        </p:nvSpPr>
+        <p:spPr>
+          <a:xfrm>
+            <a:off x="1297785" y="3477656"/>
+            <a:ext cx="6756978" cy="705834"/>
+          </a:xfrm>
+          <a:prstGeom prst="rect">
+            <a:avLst/>
+          </a:prstGeom>
+          <a:noFill/>
+        </p:spPr>
+        <p:txBody>
+          <a:bodyPr wrap="none" rtlCol="0">
+            <a:spAutoFit/>
+          </a:bodyPr>
+          <a:lstStyle/>
+          <a:p>
+            <a:pPr marL="285750" indent="-285750">
+              <a:lnSpc>
+                <a:spcPct val="150000"/>
+              </a:lnSpc>
+              <a:buFont typeface="Wingdings" panose="05000000000000000000" pitchFamily="2" charset="2"/>
+              <a:buChar char="u"/>
+            </a:pPr>
+            <a:r>
+              <a:rPr lang="zh-CN" altLang="en-US" sz="1400" b="1" dirty="0"/>
+              <a:t>一个父节点有多个子节点</a:t>
+            </a:r>
+            <a:endParaRPr lang="en-US" altLang="zh-CN" sz="1400" b="1" dirty="0"/>
+          </a:p>
+          <a:p>
+            <a:pPr marL="285750" indent="-285750">
+              <a:lnSpc>
+                <a:spcPct val="150000"/>
+              </a:lnSpc>
+              <a:buFont typeface="Wingdings" panose="05000000000000000000" pitchFamily="2" charset="2"/>
+              <a:buChar char="u"/>
+            </a:pPr>
+            <a:r>
+              <a:rPr lang="zh-CN" altLang="en-US" sz="1400" b="1" dirty="0"/>
+              <a:t>多个父节点也可能共享一个子节点（同一个物体需要放在多个位置时，</a:t>
+            </a:r>
+            <a:r>
+              <a:rPr lang="zh-CN" altLang="en-US" sz="1400" b="1" dirty="0">
+                <a:solidFill>
+                  <a:srgbClr val="C00000"/>
+                </a:solidFill>
+              </a:rPr>
+              <a:t>更优化</a:t>
+            </a:r>
+            <a:r>
+              <a:rPr lang="zh-CN" altLang="en-US" sz="1400" b="1" dirty="0"/>
+              <a:t>）</a:t>
+            </a:r>
+          </a:p>
+        </p:txBody>
+      </p:sp>
+      <p:sp>
+        <p:nvSpPr>
+          <p:cNvPr id="12" name="矩形 11">
+            <a:extLst>
+              <a:ext uri="{FF2B5EF4-FFF2-40B4-BE49-F238E27FC236}">
+                <a16:creationId xmlns:a16="http://schemas.microsoft.com/office/drawing/2014/main" id="{8E16374E-1FBA-26D7-D44B-EC4A340474C9}"/>
+              </a:ext>
+            </a:extLst>
+          </p:cNvPr>
+          <p:cNvSpPr/>
+          <p:nvPr/>
+        </p:nvSpPr>
+        <p:spPr>
+          <a:xfrm>
+            <a:off x="8454594" y="1415774"/>
+            <a:ext cx="2653553" cy="1532964"/>
+          </a:xfrm>
+          <a:prstGeom prst="rect">
+            <a:avLst/>
+          </a:prstGeom>
+          <a:solidFill>
+            <a:schemeClr val="bg1"/>
+          </a:solidFill>
+        </p:spPr>
+        <p:style>
+          <a:lnRef idx="2">
+            <a:schemeClr val="accent1">
+              <a:shade val="50000"/>
+            </a:schemeClr>
+          </a:lnRef>
+          <a:fillRef idx="1">
+            <a:schemeClr val="accent1"/>
+          </a:fillRef>
+          <a:effectRef idx="0">
+            <a:schemeClr val="accent1"/>
+          </a:effectRef>
+          <a:fontRef idx="minor">
+            <a:schemeClr val="lt1"/>
+          </a:fontRef>
+        </p:style>
+        <p:txBody>
+          <a:bodyPr rtlCol="0" anchor="ctr"/>
+          <a:lstStyle/>
+          <a:p>
+            <a:pPr algn="ctr"/>
+            <a:r>
+              <a:rPr lang="zh-CN" altLang="en-US" dirty="0">
+                <a:solidFill>
+                  <a:schemeClr val="tx1"/>
+                </a:solidFill>
+              </a:rPr>
+              <a:t>节点类（</a:t>
+            </a:r>
+            <a:r>
+              <a:rPr lang="en-US" altLang="zh-CN" dirty="0">
+                <a:solidFill>
+                  <a:schemeClr val="tx1"/>
+                </a:solidFill>
+              </a:rPr>
+              <a:t>Node</a:t>
+            </a:r>
+            <a:r>
+              <a:rPr lang="zh-CN" altLang="en-US" dirty="0">
+                <a:solidFill>
+                  <a:schemeClr val="tx1"/>
+                </a:solidFill>
+              </a:rPr>
+              <a:t>）</a:t>
+            </a:r>
+          </a:p>
+        </p:txBody>
+      </p:sp>
+      <p:sp>
+        <p:nvSpPr>
+          <p:cNvPr id="15" name="矩形 14">
+            <a:extLst>
+              <a:ext uri="{FF2B5EF4-FFF2-40B4-BE49-F238E27FC236}">
+                <a16:creationId xmlns:a16="http://schemas.microsoft.com/office/drawing/2014/main" id="{99445717-BBA0-5991-A41E-F22761C68533}"/>
+              </a:ext>
+            </a:extLst>
+          </p:cNvPr>
+          <p:cNvSpPr/>
+          <p:nvPr/>
+        </p:nvSpPr>
+        <p:spPr>
+          <a:xfrm>
+            <a:off x="9028335" y="1541280"/>
+            <a:ext cx="1550895" cy="340658"/>
+          </a:xfrm>
+          <a:prstGeom prst="rect">
+            <a:avLst/>
+          </a:prstGeom>
+        </p:spPr>
+        <p:style>
+          <a:lnRef idx="2">
+            <a:schemeClr val="accent1">
+              <a:shade val="50000"/>
+            </a:schemeClr>
+          </a:lnRef>
+          <a:fillRef idx="1">
+            <a:schemeClr val="accent1"/>
+          </a:fillRef>
+          <a:effectRef idx="0">
+            <a:schemeClr val="accent1"/>
+          </a:effectRef>
+          <a:fontRef idx="minor">
+            <a:schemeClr val="lt1"/>
+          </a:fontRef>
+        </p:style>
+        <p:txBody>
+          <a:bodyPr rtlCol="0" anchor="ctr"/>
+          <a:lstStyle/>
+          <a:p>
+            <a:pPr algn="ctr"/>
+            <a:r>
+              <a:rPr lang="zh-CN" altLang="en-US" dirty="0"/>
+              <a:t>父节点列表</a:t>
+            </a:r>
+          </a:p>
+        </p:txBody>
+      </p:sp>
+      <p:sp>
+        <p:nvSpPr>
+          <p:cNvPr id="16" name="矩形 15">
+            <a:extLst>
+              <a:ext uri="{FF2B5EF4-FFF2-40B4-BE49-F238E27FC236}">
+                <a16:creationId xmlns:a16="http://schemas.microsoft.com/office/drawing/2014/main" id="{42FD0207-5267-D05D-088C-73FD9842CCB3}"/>
+              </a:ext>
+            </a:extLst>
+          </p:cNvPr>
+          <p:cNvSpPr/>
+          <p:nvPr/>
+        </p:nvSpPr>
+        <p:spPr>
+          <a:xfrm>
+            <a:off x="9005922" y="2518433"/>
+            <a:ext cx="1550895" cy="340658"/>
+          </a:xfrm>
+          <a:prstGeom prst="rect">
+            <a:avLst/>
+          </a:prstGeom>
+        </p:spPr>
+        <p:style>
+          <a:lnRef idx="2">
+            <a:schemeClr val="accent1">
+              <a:shade val="50000"/>
+            </a:schemeClr>
+          </a:lnRef>
+          <a:fillRef idx="1">
+            <a:schemeClr val="accent1"/>
+          </a:fillRef>
+          <a:effectRef idx="0">
+            <a:schemeClr val="accent1"/>
+          </a:effectRef>
+          <a:fontRef idx="minor">
+            <a:schemeClr val="lt1"/>
+          </a:fontRef>
+        </p:style>
+        <p:txBody>
+          <a:bodyPr rtlCol="0" anchor="ctr"/>
+          <a:lstStyle/>
+          <a:p>
+            <a:pPr algn="ctr"/>
+            <a:r>
+              <a:rPr lang="zh-CN" altLang="en-US" dirty="0"/>
+              <a:t>子节点列表</a:t>
+            </a:r>
+          </a:p>
+        </p:txBody>
+      </p:sp>
+      <p:cxnSp>
+        <p:nvCxnSpPr>
+          <p:cNvPr id="23" name="直接连接符 22">
+            <a:extLst>
+              <a:ext uri="{FF2B5EF4-FFF2-40B4-BE49-F238E27FC236}">
+                <a16:creationId xmlns:a16="http://schemas.microsoft.com/office/drawing/2014/main" id="{0B8CF054-0B3B-CCFE-8EB2-F5195733E501}"/>
+              </a:ext>
+            </a:extLst>
+          </p:cNvPr>
+          <p:cNvCxnSpPr>
+            <a:stCxn id="15" idx="0"/>
+          </p:cNvCxnSpPr>
+          <p:nvPr/>
+        </p:nvCxnSpPr>
+        <p:spPr>
+          <a:xfrm flipH="1" flipV="1">
+            <a:off x="8858006" y="886856"/>
+            <a:ext cx="945777" cy="654424"/>
+          </a:xfrm>
+          <a:prstGeom prst="line">
+            <a:avLst/>
+          </a:prstGeom>
+          <a:ln w="9525" cap="flat" cmpd="sng" algn="ctr">
+            <a:solidFill>
+              <a:schemeClr val="dk1"/>
+            </a:solidFill>
+            <a:prstDash val="dash"/>
+            <a:round/>
+            <a:headEnd type="none" w="med" len="med"/>
+            <a:tailEnd type="none" w="med" len="med"/>
+          </a:ln>
+        </p:spPr>
+        <p:style>
+          <a:lnRef idx="0">
+            <a:scrgbClr r="0" g="0" b="0"/>
+          </a:lnRef>
+          <a:fillRef idx="0">
+            <a:scrgbClr r="0" g="0" b="0"/>
+          </a:fillRef>
+          <a:effectRef idx="0">
+            <a:scrgbClr r="0" g="0" b="0"/>
+          </a:effectRef>
+          <a:fontRef idx="minor">
+            <a:schemeClr val="tx1"/>
+          </a:fontRef>
+        </p:style>
+      </p:cxnSp>
+      <p:cxnSp>
+        <p:nvCxnSpPr>
+          <p:cNvPr id="25" name="直接连接符 24">
+            <a:extLst>
+              <a:ext uri="{FF2B5EF4-FFF2-40B4-BE49-F238E27FC236}">
+                <a16:creationId xmlns:a16="http://schemas.microsoft.com/office/drawing/2014/main" id="{5C808E0D-B4D4-C169-DC68-064B3E1E954C}"/>
+              </a:ext>
+            </a:extLst>
+          </p:cNvPr>
+          <p:cNvCxnSpPr>
+            <a:cxnSpLocks/>
+            <a:stCxn id="15" idx="0"/>
+          </p:cNvCxnSpPr>
+          <p:nvPr/>
+        </p:nvCxnSpPr>
+        <p:spPr>
+          <a:xfrm flipH="1" flipV="1">
+            <a:off x="9803781" y="824103"/>
+            <a:ext cx="2" cy="717177"/>
+          </a:xfrm>
+          <a:prstGeom prst="line">
+            <a:avLst/>
+          </a:prstGeom>
+          <a:ln w="9525" cap="flat" cmpd="sng" algn="ctr">
+            <a:solidFill>
+              <a:schemeClr val="dk1"/>
+            </a:solidFill>
+            <a:prstDash val="dash"/>
+            <a:round/>
+            <a:headEnd type="none" w="med" len="med"/>
+            <a:tailEnd type="none" w="med" len="med"/>
+          </a:ln>
+        </p:spPr>
+        <p:style>
+          <a:lnRef idx="0">
+            <a:scrgbClr r="0" g="0" b="0"/>
+          </a:lnRef>
+          <a:fillRef idx="0">
+            <a:scrgbClr r="0" g="0" b="0"/>
+          </a:fillRef>
+          <a:effectRef idx="0">
+            <a:scrgbClr r="0" g="0" b="0"/>
+          </a:effectRef>
+          <a:fontRef idx="minor">
+            <a:schemeClr val="tx1"/>
+          </a:fontRef>
+        </p:style>
+      </p:cxnSp>
+      <p:cxnSp>
+        <p:nvCxnSpPr>
+          <p:cNvPr id="27" name="直接连接符 26">
+            <a:extLst>
+              <a:ext uri="{FF2B5EF4-FFF2-40B4-BE49-F238E27FC236}">
+                <a16:creationId xmlns:a16="http://schemas.microsoft.com/office/drawing/2014/main" id="{E329DCB9-D002-C78D-13D7-AC5155EF63DE}"/>
+              </a:ext>
+            </a:extLst>
+          </p:cNvPr>
+          <p:cNvCxnSpPr>
+            <a:cxnSpLocks/>
+          </p:cNvCxnSpPr>
+          <p:nvPr/>
+        </p:nvCxnSpPr>
+        <p:spPr>
+          <a:xfrm flipV="1">
+            <a:off x="9803782" y="886856"/>
+            <a:ext cx="856130" cy="654424"/>
+          </a:xfrm>
+          <a:prstGeom prst="line">
+            <a:avLst/>
+          </a:prstGeom>
+          <a:ln w="9525" cap="flat" cmpd="sng" algn="ctr">
+            <a:solidFill>
+              <a:schemeClr val="dk1"/>
+            </a:solidFill>
+            <a:prstDash val="dash"/>
+            <a:round/>
+            <a:headEnd type="none" w="med" len="med"/>
+            <a:tailEnd type="none" w="med" len="med"/>
+          </a:ln>
+        </p:spPr>
+        <p:style>
+          <a:lnRef idx="0">
+            <a:scrgbClr r="0" g="0" b="0"/>
+          </a:lnRef>
+          <a:fillRef idx="0">
+            <a:scrgbClr r="0" g="0" b="0"/>
+          </a:fillRef>
+          <a:effectRef idx="0">
+            <a:scrgbClr r="0" g="0" b="0"/>
+          </a:effectRef>
+          <a:fontRef idx="minor">
+            <a:schemeClr val="tx1"/>
+          </a:fontRef>
+        </p:style>
+      </p:cxnSp>
+      <p:cxnSp>
+        <p:nvCxnSpPr>
+          <p:cNvPr id="31" name="直接连接符 30">
+            <a:extLst>
+              <a:ext uri="{FF2B5EF4-FFF2-40B4-BE49-F238E27FC236}">
+                <a16:creationId xmlns:a16="http://schemas.microsoft.com/office/drawing/2014/main" id="{4CB10CE1-0C47-8199-7849-0E4C55F89E3D}"/>
+              </a:ext>
+            </a:extLst>
+          </p:cNvPr>
+          <p:cNvCxnSpPr>
+            <a:stCxn id="16" idx="2"/>
+          </p:cNvCxnSpPr>
+          <p:nvPr/>
+        </p:nvCxnSpPr>
+        <p:spPr>
+          <a:xfrm flipH="1">
+            <a:off x="9028335" y="2859091"/>
+            <a:ext cx="753035" cy="591671"/>
+          </a:xfrm>
+          <a:prstGeom prst="line">
+            <a:avLst/>
+          </a:prstGeom>
+          <a:ln w="9525" cap="flat" cmpd="sng" algn="ctr">
+            <a:solidFill>
+              <a:schemeClr val="dk1"/>
+            </a:solidFill>
+            <a:prstDash val="dash"/>
+            <a:round/>
+            <a:headEnd type="none" w="med" len="med"/>
+            <a:tailEnd type="none" w="med" len="med"/>
+          </a:ln>
+        </p:spPr>
+        <p:style>
+          <a:lnRef idx="0">
+            <a:scrgbClr r="0" g="0" b="0"/>
+          </a:lnRef>
+          <a:fillRef idx="0">
+            <a:scrgbClr r="0" g="0" b="0"/>
+          </a:fillRef>
+          <a:effectRef idx="0">
+            <a:scrgbClr r="0" g="0" b="0"/>
+          </a:effectRef>
+          <a:fontRef idx="minor">
+            <a:schemeClr val="tx1"/>
+          </a:fontRef>
+        </p:style>
+      </p:cxnSp>
+      <p:cxnSp>
+        <p:nvCxnSpPr>
+          <p:cNvPr id="33" name="直接连接符 32">
+            <a:extLst>
+              <a:ext uri="{FF2B5EF4-FFF2-40B4-BE49-F238E27FC236}">
+                <a16:creationId xmlns:a16="http://schemas.microsoft.com/office/drawing/2014/main" id="{9C05485F-9161-DA61-3284-7F5D32670A0C}"/>
+              </a:ext>
+            </a:extLst>
+          </p:cNvPr>
+          <p:cNvCxnSpPr>
+            <a:cxnSpLocks/>
+          </p:cNvCxnSpPr>
+          <p:nvPr/>
+        </p:nvCxnSpPr>
+        <p:spPr>
+          <a:xfrm flipH="1">
+            <a:off x="9781369" y="2831547"/>
+            <a:ext cx="2" cy="646109"/>
+          </a:xfrm>
+          <a:prstGeom prst="line">
+            <a:avLst/>
+          </a:prstGeom>
+          <a:ln w="9525" cap="flat" cmpd="sng" algn="ctr">
+            <a:solidFill>
+              <a:schemeClr val="dk1"/>
+            </a:solidFill>
+            <a:prstDash val="dash"/>
+            <a:round/>
+            <a:headEnd type="none" w="med" len="med"/>
+            <a:tailEnd type="none" w="med" len="med"/>
+          </a:ln>
+        </p:spPr>
+        <p:style>
+          <a:lnRef idx="0">
+            <a:scrgbClr r="0" g="0" b="0"/>
+          </a:lnRef>
+          <a:fillRef idx="0">
+            <a:scrgbClr r="0" g="0" b="0"/>
+          </a:fillRef>
+          <a:effectRef idx="0">
+            <a:scrgbClr r="0" g="0" b="0"/>
+          </a:effectRef>
+          <a:fontRef idx="minor">
+            <a:schemeClr val="tx1"/>
+          </a:fontRef>
+        </p:style>
+      </p:cxnSp>
+      <p:cxnSp>
+        <p:nvCxnSpPr>
+          <p:cNvPr id="36" name="直接连接符 35">
+            <a:extLst>
+              <a:ext uri="{FF2B5EF4-FFF2-40B4-BE49-F238E27FC236}">
+                <a16:creationId xmlns:a16="http://schemas.microsoft.com/office/drawing/2014/main" id="{85EA17B8-AFE9-0A21-9D99-544CF9BF7332}"/>
+              </a:ext>
+            </a:extLst>
+          </p:cNvPr>
+          <p:cNvCxnSpPr>
+            <a:stCxn id="16" idx="2"/>
+          </p:cNvCxnSpPr>
+          <p:nvPr/>
+        </p:nvCxnSpPr>
+        <p:spPr>
+          <a:xfrm>
+            <a:off x="9781370" y="2859091"/>
+            <a:ext cx="775447" cy="591671"/>
+          </a:xfrm>
+          <a:prstGeom prst="line">
+            <a:avLst/>
+          </a:prstGeom>
+          <a:ln w="9525" cap="flat" cmpd="sng" algn="ctr">
+            <a:solidFill>
+              <a:schemeClr val="dk1"/>
+            </a:solidFill>
+            <a:prstDash val="dash"/>
+            <a:round/>
+            <a:headEnd type="none" w="med" len="med"/>
+            <a:tailEnd type="none" w="med" len="med"/>
+          </a:ln>
+        </p:spPr>
+        <p:style>
+          <a:lnRef idx="0">
+            <a:scrgbClr r="0" g="0" b="0"/>
+          </a:lnRef>
+          <a:fillRef idx="0">
+            <a:scrgbClr r="0" g="0" b="0"/>
+          </a:fillRef>
+          <a:effectRef idx="0">
+            <a:scrgbClr r="0" g="0" b="0"/>
+          </a:effectRef>
+          <a:fontRef idx="minor">
+            <a:schemeClr val="tx1"/>
+          </a:fontRef>
+        </p:style>
+      </p:cxnSp>
     </p:spTree>
     <p:extLst>
       <p:ext uri="{BB962C8B-B14F-4D97-AF65-F5344CB8AC3E}">
-        <p14:creationId xmlns:p14="http://schemas.microsoft.com/office/powerpoint/2010/main" val="4078728761"/>
+        <p14:creationId xmlns:p14="http://schemas.microsoft.com/office/powerpoint/2010/main" val="203474142"/>
+      </p:ext>
+    </p:extLst>
+  </p:cSld>
+  <p:clrMapOvr>
+    <a:masterClrMapping/>
+  </p:clrMapOvr>
+</p:sld>
+</file>
+
+<file path=ppt/slides/slide8.xml><?xml version="1.0" encoding="utf-8"?>
+<p:sld xmlns:a="http://schemas.openxmlformats.org/drawingml/2006/main" xmlns:r="http://schemas.openxmlformats.org/officeDocument/2006/relationships" xmlns:p="http://schemas.openxmlformats.org/presentationml/2006/main">
+  <p:cSld>
+    <p:spTree>
+      <p:nvGrpSpPr>
+        <p:cNvPr id="1" name=""/>
+        <p:cNvGrpSpPr/>
+        <p:nvPr/>
+      </p:nvGrpSpPr>
+      <p:grpSpPr>
+        <a:xfrm>
+          <a:off x="0" y="0"/>
+          <a:ext cx="0" cy="0"/>
+          <a:chOff x="0" y="0"/>
+          <a:chExt cx="0" cy="0"/>
+        </a:xfrm>
+      </p:grpSpPr>
+      <p:sp>
+        <p:nvSpPr>
+          <p:cNvPr id="4" name="文本框 3">
+            <a:extLst>
+              <a:ext uri="{FF2B5EF4-FFF2-40B4-BE49-F238E27FC236}">
+                <a16:creationId xmlns:a16="http://schemas.microsoft.com/office/drawing/2014/main" id="{92E31F91-D1B9-BEF6-1FFA-968A787BE588}"/>
+              </a:ext>
+            </a:extLst>
+          </p:cNvPr>
+          <p:cNvSpPr txBox="1"/>
+          <p:nvPr/>
+        </p:nvSpPr>
+        <p:spPr>
+          <a:xfrm>
+            <a:off x="202301" y="396510"/>
+            <a:ext cx="1766830" cy="369332"/>
+          </a:xfrm>
+          <a:prstGeom prst="rect">
+            <a:avLst/>
+          </a:prstGeom>
+          <a:noFill/>
+        </p:spPr>
+        <p:txBody>
+          <a:bodyPr wrap="none" rtlCol="0">
+            <a:spAutoFit/>
+          </a:bodyPr>
+          <a:lstStyle/>
+          <a:p>
+            <a:r>
+              <a:rPr lang="en-US" altLang="zh-CN" b="1" dirty="0"/>
+              <a:t>Lession_3  </a:t>
+            </a:r>
+            <a:r>
+              <a:rPr lang="zh-CN" altLang="en-US" b="1" dirty="0"/>
+              <a:t>场景</a:t>
+            </a:r>
+          </a:p>
+        </p:txBody>
+      </p:sp>
+      <p:sp>
+        <p:nvSpPr>
+          <p:cNvPr id="47" name="文本框 46">
+            <a:extLst>
+              <a:ext uri="{FF2B5EF4-FFF2-40B4-BE49-F238E27FC236}">
+                <a16:creationId xmlns:a16="http://schemas.microsoft.com/office/drawing/2014/main" id="{F5F08553-2CDC-CB20-4E43-69895887DF6C}"/>
+              </a:ext>
+            </a:extLst>
+          </p:cNvPr>
+          <p:cNvSpPr txBox="1"/>
+          <p:nvPr/>
+        </p:nvSpPr>
+        <p:spPr>
+          <a:xfrm>
+            <a:off x="769211" y="1192217"/>
+            <a:ext cx="6691255" cy="369332"/>
+          </a:xfrm>
+          <a:prstGeom prst="rect">
+            <a:avLst/>
+          </a:prstGeom>
+          <a:noFill/>
+        </p:spPr>
+        <p:txBody>
+          <a:bodyPr wrap="none" rtlCol="0">
+            <a:spAutoFit/>
+          </a:bodyPr>
+          <a:lstStyle/>
+          <a:p>
+            <a:r>
+              <a:rPr lang="en-US" altLang="zh-CN" b="1" dirty="0">
+                <a:solidFill>
+                  <a:srgbClr val="C00000"/>
+                </a:solidFill>
+              </a:rPr>
+              <a:t>3-2. </a:t>
+            </a:r>
+            <a:r>
+              <a:rPr lang="zh-CN" altLang="en-US" b="1" dirty="0">
+                <a:solidFill>
+                  <a:srgbClr val="C00000"/>
+                </a:solidFill>
+              </a:rPr>
+              <a:t>节点访问器</a:t>
+            </a:r>
+            <a:r>
+              <a:rPr lang="en-US" altLang="zh-CN" b="1" dirty="0">
+                <a:solidFill>
+                  <a:srgbClr val="C00000"/>
+                </a:solidFill>
+              </a:rPr>
+              <a:t>-</a:t>
+            </a:r>
+            <a:r>
+              <a:rPr lang="zh-CN" altLang="en-US" b="1" dirty="0">
+                <a:solidFill>
+                  <a:srgbClr val="C00000"/>
+                </a:solidFill>
+              </a:rPr>
+              <a:t>设计模式 与 回调（控制节点行为的两种方式）</a:t>
+            </a:r>
+          </a:p>
+        </p:txBody>
+      </p:sp>
+      <p:sp>
+        <p:nvSpPr>
+          <p:cNvPr id="48" name="文本框 47">
+            <a:extLst>
+              <a:ext uri="{FF2B5EF4-FFF2-40B4-BE49-F238E27FC236}">
+                <a16:creationId xmlns:a16="http://schemas.microsoft.com/office/drawing/2014/main" id="{9B8642CA-ADB5-50FF-630D-74569BFCDF15}"/>
+              </a:ext>
+            </a:extLst>
+          </p:cNvPr>
+          <p:cNvSpPr txBox="1"/>
+          <p:nvPr/>
+        </p:nvSpPr>
+        <p:spPr>
+          <a:xfrm>
+            <a:off x="1466131" y="1838781"/>
+            <a:ext cx="4464424" cy="1296637"/>
+          </a:xfrm>
+          <a:prstGeom prst="rect">
+            <a:avLst/>
+          </a:prstGeom>
+          <a:noFill/>
+        </p:spPr>
+        <p:txBody>
+          <a:bodyPr wrap="square" rtlCol="0">
+            <a:spAutoFit/>
+          </a:bodyPr>
+          <a:lstStyle/>
+          <a:p>
+            <a:pPr marL="342900" indent="-342900">
+              <a:lnSpc>
+                <a:spcPct val="150000"/>
+              </a:lnSpc>
+              <a:buAutoNum type="arabicPeriod"/>
+            </a:pPr>
+            <a:r>
+              <a:rPr lang="zh-CN" altLang="en-US" b="1" dirty="0"/>
+              <a:t>为什么有的书上说，回调类型不安全</a:t>
+            </a:r>
+            <a:endParaRPr lang="en-US" altLang="zh-CN" b="1" dirty="0"/>
+          </a:p>
+          <a:p>
+            <a:pPr marL="342900" indent="-342900">
+              <a:lnSpc>
+                <a:spcPct val="150000"/>
+              </a:lnSpc>
+              <a:buAutoNum type="arabicPeriod"/>
+            </a:pPr>
+            <a:r>
+              <a:rPr lang="zh-CN" altLang="en-US" b="1" dirty="0"/>
+              <a:t>如何实现回调？</a:t>
+            </a:r>
+            <a:endParaRPr lang="en-US" altLang="zh-CN" b="1" dirty="0"/>
+          </a:p>
+          <a:p>
+            <a:pPr>
+              <a:lnSpc>
+                <a:spcPct val="150000"/>
+              </a:lnSpc>
+            </a:pPr>
+            <a:r>
+              <a:rPr lang="en-US" altLang="zh-CN" b="1" dirty="0"/>
+              <a:t>3.  </a:t>
+            </a:r>
+            <a:r>
+              <a:rPr lang="zh-CN" altLang="en-US" b="1" dirty="0"/>
+              <a:t>节点访问器直接上练习吧</a:t>
+            </a:r>
+          </a:p>
+        </p:txBody>
+      </p:sp>
+      <p:sp>
+        <p:nvSpPr>
+          <p:cNvPr id="49" name="文本框 48">
+            <a:extLst>
+              <a:ext uri="{FF2B5EF4-FFF2-40B4-BE49-F238E27FC236}">
+                <a16:creationId xmlns:a16="http://schemas.microsoft.com/office/drawing/2014/main" id="{1FAFB6F3-444A-2935-8A74-0175021B2480}"/>
+              </a:ext>
+            </a:extLst>
+          </p:cNvPr>
+          <p:cNvSpPr txBox="1"/>
+          <p:nvPr/>
+        </p:nvSpPr>
+        <p:spPr>
+          <a:xfrm>
+            <a:off x="7879981" y="2372054"/>
+            <a:ext cx="646331" cy="369332"/>
+          </a:xfrm>
+          <a:prstGeom prst="rect">
+            <a:avLst/>
+          </a:prstGeom>
+          <a:noFill/>
+        </p:spPr>
+        <p:txBody>
+          <a:bodyPr wrap="none" rtlCol="0">
+            <a:spAutoFit/>
+          </a:bodyPr>
+          <a:lstStyle/>
+          <a:p>
+            <a:r>
+              <a:rPr lang="zh-CN" altLang="en-US" b="1" dirty="0"/>
+              <a:t>回调</a:t>
+            </a:r>
+          </a:p>
+        </p:txBody>
+      </p:sp>
+      <p:cxnSp>
+        <p:nvCxnSpPr>
+          <p:cNvPr id="50" name="直接箭头连接符 49">
+            <a:extLst>
+              <a:ext uri="{FF2B5EF4-FFF2-40B4-BE49-F238E27FC236}">
+                <a16:creationId xmlns:a16="http://schemas.microsoft.com/office/drawing/2014/main" id="{9D920496-4DD5-8A43-6C9C-BD88C930613B}"/>
+              </a:ext>
+            </a:extLst>
+          </p:cNvPr>
+          <p:cNvCxnSpPr/>
+          <p:nvPr/>
+        </p:nvCxnSpPr>
+        <p:spPr>
+          <a:xfrm flipV="1">
+            <a:off x="8674228" y="2023447"/>
+            <a:ext cx="604243" cy="533273"/>
+          </a:xfrm>
+          <a:prstGeom prst="straightConnector1">
+            <a:avLst/>
+          </a:prstGeom>
+          <a:ln>
+            <a:tailEnd type="triangle"/>
+          </a:ln>
+        </p:spPr>
+        <p:style>
+          <a:lnRef idx="1">
+            <a:schemeClr val="accent1"/>
+          </a:lnRef>
+          <a:fillRef idx="0">
+            <a:schemeClr val="accent1"/>
+          </a:fillRef>
+          <a:effectRef idx="0">
+            <a:schemeClr val="accent1"/>
+          </a:effectRef>
+          <a:fontRef idx="minor">
+            <a:schemeClr val="tx1"/>
+          </a:fontRef>
+        </p:style>
+      </p:cxnSp>
+      <p:cxnSp>
+        <p:nvCxnSpPr>
+          <p:cNvPr id="51" name="直接箭头连接符 50">
+            <a:extLst>
+              <a:ext uri="{FF2B5EF4-FFF2-40B4-BE49-F238E27FC236}">
+                <a16:creationId xmlns:a16="http://schemas.microsoft.com/office/drawing/2014/main" id="{D3E0DBFF-7C5B-D771-BAD0-FA8EABDF6D12}"/>
+              </a:ext>
+            </a:extLst>
+          </p:cNvPr>
+          <p:cNvCxnSpPr>
+            <a:cxnSpLocks/>
+          </p:cNvCxnSpPr>
+          <p:nvPr/>
+        </p:nvCxnSpPr>
+        <p:spPr>
+          <a:xfrm>
+            <a:off x="8696641" y="2556720"/>
+            <a:ext cx="581830" cy="407655"/>
+          </a:xfrm>
+          <a:prstGeom prst="straightConnector1">
+            <a:avLst/>
+          </a:prstGeom>
+          <a:ln>
+            <a:tailEnd type="triangle"/>
+          </a:ln>
+        </p:spPr>
+        <p:style>
+          <a:lnRef idx="1">
+            <a:schemeClr val="accent1"/>
+          </a:lnRef>
+          <a:fillRef idx="0">
+            <a:schemeClr val="accent1"/>
+          </a:fillRef>
+          <a:effectRef idx="0">
+            <a:schemeClr val="accent1"/>
+          </a:effectRef>
+          <a:fontRef idx="minor">
+            <a:schemeClr val="tx1"/>
+          </a:fontRef>
+        </p:style>
+      </p:cxnSp>
+      <p:sp>
+        <p:nvSpPr>
+          <p:cNvPr id="52" name="文本框 51">
+            <a:extLst>
+              <a:ext uri="{FF2B5EF4-FFF2-40B4-BE49-F238E27FC236}">
+                <a16:creationId xmlns:a16="http://schemas.microsoft.com/office/drawing/2014/main" id="{A1A4820C-3572-B09D-5F51-2813C967A8FA}"/>
+              </a:ext>
+            </a:extLst>
+          </p:cNvPr>
+          <p:cNvSpPr txBox="1"/>
+          <p:nvPr/>
+        </p:nvSpPr>
+        <p:spPr>
+          <a:xfrm>
+            <a:off x="9508483" y="1838781"/>
+            <a:ext cx="1107996" cy="369332"/>
+          </a:xfrm>
+          <a:prstGeom prst="rect">
+            <a:avLst/>
+          </a:prstGeom>
+          <a:noFill/>
+        </p:spPr>
+        <p:txBody>
+          <a:bodyPr wrap="none" rtlCol="0">
+            <a:spAutoFit/>
+          </a:bodyPr>
+          <a:lstStyle/>
+          <a:p>
+            <a:r>
+              <a:rPr lang="zh-CN" altLang="en-US" b="1" dirty="0"/>
+              <a:t>更新回调</a:t>
+            </a:r>
+          </a:p>
+        </p:txBody>
+      </p:sp>
+      <p:sp>
+        <p:nvSpPr>
+          <p:cNvPr id="53" name="文本框 52">
+            <a:extLst>
+              <a:ext uri="{FF2B5EF4-FFF2-40B4-BE49-F238E27FC236}">
+                <a16:creationId xmlns:a16="http://schemas.microsoft.com/office/drawing/2014/main" id="{4E0C449F-7DB7-49E5-BD41-EAA5996B0B0E}"/>
+              </a:ext>
+            </a:extLst>
+          </p:cNvPr>
+          <p:cNvSpPr txBox="1"/>
+          <p:nvPr/>
+        </p:nvSpPr>
+        <p:spPr>
+          <a:xfrm>
+            <a:off x="9508483" y="2741386"/>
+            <a:ext cx="1569660" cy="369332"/>
+          </a:xfrm>
+          <a:prstGeom prst="rect">
+            <a:avLst/>
+          </a:prstGeom>
+          <a:noFill/>
+        </p:spPr>
+        <p:txBody>
+          <a:bodyPr wrap="none" rtlCol="0">
+            <a:spAutoFit/>
+          </a:bodyPr>
+          <a:lstStyle/>
+          <a:p>
+            <a:r>
+              <a:rPr lang="zh-CN" altLang="en-US" b="1" dirty="0"/>
+              <a:t>人机交互回调</a:t>
+            </a:r>
+          </a:p>
+        </p:txBody>
+      </p:sp>
+      <p:sp>
+        <p:nvSpPr>
+          <p:cNvPr id="54" name="矩形 53">
+            <a:extLst>
+              <a:ext uri="{FF2B5EF4-FFF2-40B4-BE49-F238E27FC236}">
+                <a16:creationId xmlns:a16="http://schemas.microsoft.com/office/drawing/2014/main" id="{82487686-03AF-8914-6E36-285FB01EFC6E}"/>
+              </a:ext>
+            </a:extLst>
+          </p:cNvPr>
+          <p:cNvSpPr/>
+          <p:nvPr/>
+        </p:nvSpPr>
+        <p:spPr>
+          <a:xfrm>
+            <a:off x="1969131" y="3648641"/>
+            <a:ext cx="2280140" cy="1013012"/>
+          </a:xfrm>
+          <a:prstGeom prst="rect">
+            <a:avLst/>
+          </a:prstGeom>
+        </p:spPr>
+        <p:style>
+          <a:lnRef idx="2">
+            <a:schemeClr val="accent1">
+              <a:shade val="50000"/>
+            </a:schemeClr>
+          </a:lnRef>
+          <a:fillRef idx="1">
+            <a:schemeClr val="accent1"/>
+          </a:fillRef>
+          <a:effectRef idx="0">
+            <a:schemeClr val="accent1"/>
+          </a:effectRef>
+          <a:fontRef idx="minor">
+            <a:schemeClr val="lt1"/>
+          </a:fontRef>
+        </p:style>
+        <p:txBody>
+          <a:bodyPr rtlCol="0" anchor="ctr"/>
+          <a:lstStyle/>
+          <a:p>
+            <a:pPr algn="ctr"/>
+            <a:r>
+              <a:rPr lang="zh-CN" altLang="en-US" dirty="0"/>
+              <a:t>节点访问器</a:t>
+            </a:r>
+          </a:p>
+        </p:txBody>
+      </p:sp>
+      <p:sp>
+        <p:nvSpPr>
+          <p:cNvPr id="55" name="矩形 54">
+            <a:extLst>
+              <a:ext uri="{FF2B5EF4-FFF2-40B4-BE49-F238E27FC236}">
+                <a16:creationId xmlns:a16="http://schemas.microsoft.com/office/drawing/2014/main" id="{E1C06FE0-0631-023C-5406-A0011730AB40}"/>
+              </a:ext>
+            </a:extLst>
+          </p:cNvPr>
+          <p:cNvSpPr/>
+          <p:nvPr/>
+        </p:nvSpPr>
+        <p:spPr>
+          <a:xfrm>
+            <a:off x="1969131" y="5346326"/>
+            <a:ext cx="2280140" cy="1013012"/>
+          </a:xfrm>
+          <a:prstGeom prst="rect">
+            <a:avLst/>
+          </a:prstGeom>
+        </p:spPr>
+        <p:style>
+          <a:lnRef idx="2">
+            <a:schemeClr val="accent1">
+              <a:shade val="50000"/>
+            </a:schemeClr>
+          </a:lnRef>
+          <a:fillRef idx="1">
+            <a:schemeClr val="accent1"/>
+          </a:fillRef>
+          <a:effectRef idx="0">
+            <a:schemeClr val="accent1"/>
+          </a:effectRef>
+          <a:fontRef idx="minor">
+            <a:schemeClr val="lt1"/>
+          </a:fontRef>
+        </p:style>
+        <p:txBody>
+          <a:bodyPr rtlCol="0" anchor="ctr"/>
+          <a:lstStyle/>
+          <a:p>
+            <a:pPr algn="ctr"/>
+            <a:r>
+              <a:rPr lang="zh-CN" altLang="en-US" dirty="0"/>
+              <a:t>回调</a:t>
+            </a:r>
+          </a:p>
+        </p:txBody>
+      </p:sp>
+      <p:cxnSp>
+        <p:nvCxnSpPr>
+          <p:cNvPr id="57" name="直接箭头连接符 56">
+            <a:extLst>
+              <a:ext uri="{FF2B5EF4-FFF2-40B4-BE49-F238E27FC236}">
+                <a16:creationId xmlns:a16="http://schemas.microsoft.com/office/drawing/2014/main" id="{1D5F61BF-F5D3-0C6B-E7B4-82E49BD8C3FF}"/>
+              </a:ext>
+            </a:extLst>
+          </p:cNvPr>
+          <p:cNvCxnSpPr>
+            <a:stCxn id="54" idx="2"/>
+            <a:endCxn id="55" idx="0"/>
+          </p:cNvCxnSpPr>
+          <p:nvPr/>
+        </p:nvCxnSpPr>
+        <p:spPr>
+          <a:xfrm>
+            <a:off x="3109201" y="4661653"/>
+            <a:ext cx="0" cy="684673"/>
+          </a:xfrm>
+          <a:prstGeom prst="straightConnector1">
+            <a:avLst/>
+          </a:prstGeom>
+          <a:ln>
+            <a:tailEnd type="triangle"/>
+          </a:ln>
+        </p:spPr>
+        <p:style>
+          <a:lnRef idx="1">
+            <a:schemeClr val="accent1"/>
+          </a:lnRef>
+          <a:fillRef idx="0">
+            <a:schemeClr val="accent1"/>
+          </a:fillRef>
+          <a:effectRef idx="0">
+            <a:schemeClr val="accent1"/>
+          </a:effectRef>
+          <a:fontRef idx="minor">
+            <a:schemeClr val="tx1"/>
+          </a:fontRef>
+        </p:style>
+      </p:cxnSp>
+      <p:sp>
+        <p:nvSpPr>
+          <p:cNvPr id="58" name="文本框 57">
+            <a:extLst>
+              <a:ext uri="{FF2B5EF4-FFF2-40B4-BE49-F238E27FC236}">
+                <a16:creationId xmlns:a16="http://schemas.microsoft.com/office/drawing/2014/main" id="{5F809D68-59D3-C8C4-7181-F2B2ADB3C112}"/>
+              </a:ext>
+            </a:extLst>
+          </p:cNvPr>
+          <p:cNvSpPr txBox="1"/>
+          <p:nvPr/>
+        </p:nvSpPr>
+        <p:spPr>
+          <a:xfrm>
+            <a:off x="3009563" y="4819323"/>
+            <a:ext cx="3036409" cy="369332"/>
+          </a:xfrm>
+          <a:prstGeom prst="rect">
+            <a:avLst/>
+          </a:prstGeom>
+          <a:noFill/>
+        </p:spPr>
+        <p:txBody>
+          <a:bodyPr wrap="none" rtlCol="0">
+            <a:spAutoFit/>
+          </a:bodyPr>
+          <a:lstStyle/>
+          <a:p>
+            <a:r>
+              <a:rPr lang="zh-CN" altLang="en-US" b="1" dirty="0">
+                <a:solidFill>
+                  <a:srgbClr val="C00000"/>
+                </a:solidFill>
+              </a:rPr>
+              <a:t>（</a:t>
+            </a:r>
+            <a:r>
+              <a:rPr lang="en-US" altLang="zh-CN" b="1" dirty="0">
+                <a:solidFill>
+                  <a:srgbClr val="C00000"/>
+                </a:solidFill>
+              </a:rPr>
+              <a:t>Node *</a:t>
+            </a:r>
+            <a:r>
+              <a:rPr lang="zh-CN" altLang="en-US" b="1" dirty="0">
+                <a:solidFill>
+                  <a:srgbClr val="C00000"/>
+                </a:solidFill>
+              </a:rPr>
+              <a:t>， </a:t>
+            </a:r>
+            <a:r>
+              <a:rPr lang="en-US" altLang="zh-CN" b="1" dirty="0" err="1">
+                <a:solidFill>
+                  <a:srgbClr val="C00000"/>
+                </a:solidFill>
+              </a:rPr>
+              <a:t>NodeVisitor</a:t>
+            </a:r>
+            <a:r>
+              <a:rPr lang="en-US" altLang="zh-CN" b="1" dirty="0">
+                <a:solidFill>
+                  <a:srgbClr val="C00000"/>
+                </a:solidFill>
+              </a:rPr>
+              <a:t>*</a:t>
+            </a:r>
+            <a:r>
+              <a:rPr lang="zh-CN" altLang="en-US" b="1" dirty="0">
+                <a:solidFill>
+                  <a:srgbClr val="C00000"/>
+                </a:solidFill>
+              </a:rPr>
+              <a:t>）</a:t>
+            </a:r>
+          </a:p>
+        </p:txBody>
+      </p:sp>
+      <p:sp>
+        <p:nvSpPr>
+          <p:cNvPr id="59" name="文本框 58">
+            <a:extLst>
+              <a:ext uri="{FF2B5EF4-FFF2-40B4-BE49-F238E27FC236}">
+                <a16:creationId xmlns:a16="http://schemas.microsoft.com/office/drawing/2014/main" id="{93F82DB4-371B-B768-6874-114C6930F1C5}"/>
+              </a:ext>
+            </a:extLst>
+          </p:cNvPr>
+          <p:cNvSpPr txBox="1"/>
+          <p:nvPr/>
+        </p:nvSpPr>
+        <p:spPr>
+          <a:xfrm>
+            <a:off x="7735757" y="4155147"/>
+            <a:ext cx="3845859" cy="1477328"/>
+          </a:xfrm>
+          <a:prstGeom prst="rect">
+            <a:avLst/>
+          </a:prstGeom>
+          <a:noFill/>
+        </p:spPr>
+        <p:txBody>
+          <a:bodyPr wrap="square" rtlCol="0">
+            <a:spAutoFit/>
+          </a:bodyPr>
+          <a:lstStyle/>
+          <a:p>
+            <a:r>
+              <a:rPr lang="zh-CN" altLang="en-US" b="1" dirty="0"/>
+              <a:t>个人认为：回调要更底层一些，节点访问器器传参数给回调函数；所以设置了回调函数后，所有子节点都得到应用；节点访问器感觉可以做一个过滤的工作（比如</a:t>
+            </a:r>
+            <a:r>
+              <a:rPr lang="en-US" altLang="zh-CN" b="1" dirty="0"/>
+              <a:t>traverse()</a:t>
+            </a:r>
+            <a:r>
+              <a:rPr lang="zh-CN" altLang="en-US" b="1" dirty="0"/>
+              <a:t>函数中）</a:t>
+            </a:r>
+          </a:p>
+        </p:txBody>
+      </p:sp>
+      <p:sp>
+        <p:nvSpPr>
+          <p:cNvPr id="60" name="文本框 59">
+            <a:extLst>
+              <a:ext uri="{FF2B5EF4-FFF2-40B4-BE49-F238E27FC236}">
+                <a16:creationId xmlns:a16="http://schemas.microsoft.com/office/drawing/2014/main" id="{CED1792C-F226-E3E9-1A58-8D8AA71E5C25}"/>
+              </a:ext>
+            </a:extLst>
+          </p:cNvPr>
+          <p:cNvSpPr txBox="1"/>
+          <p:nvPr/>
+        </p:nvSpPr>
+        <p:spPr>
+          <a:xfrm>
+            <a:off x="6572250" y="6098022"/>
+            <a:ext cx="5224507" cy="369332"/>
+          </a:xfrm>
+          <a:prstGeom prst="rect">
+            <a:avLst/>
+          </a:prstGeom>
+          <a:noFill/>
+        </p:spPr>
+        <p:txBody>
+          <a:bodyPr wrap="none" rtlCol="0">
+            <a:spAutoFit/>
+          </a:bodyPr>
+          <a:lstStyle/>
+          <a:p>
+            <a:r>
+              <a:rPr lang="zh-CN" altLang="en-US" dirty="0"/>
+              <a:t>问题： 对于混合操作，</a:t>
+            </a:r>
+            <a:r>
+              <a:rPr lang="en-US" altLang="zh-CN" dirty="0" err="1"/>
+              <a:t>osg</a:t>
+            </a:r>
+            <a:r>
+              <a:rPr lang="zh-CN" altLang="en-US" dirty="0"/>
+              <a:t>如何控制绘制的顺序？</a:t>
+            </a:r>
+          </a:p>
+        </p:txBody>
+      </p:sp>
+    </p:spTree>
+    <p:extLst>
+      <p:ext uri="{BB962C8B-B14F-4D97-AF65-F5344CB8AC3E}">
+        <p14:creationId xmlns:p14="http://schemas.microsoft.com/office/powerpoint/2010/main" val="625592854"/>
+      </p:ext>
+    </p:extLst>
+  </p:cSld>
+  <p:clrMapOvr>
+    <a:masterClrMapping/>
+  </p:clrMapOvr>
+</p:sld>
+</file>
+
+<file path=ppt/slides/slide9.xml><?xml version="1.0" encoding="utf-8"?>
+<p:sld xmlns:a="http://schemas.openxmlformats.org/drawingml/2006/main" xmlns:r="http://schemas.openxmlformats.org/officeDocument/2006/relationships" xmlns:p="http://schemas.openxmlformats.org/presentationml/2006/main">
+  <p:cSld>
+    <p:spTree>
+      <p:nvGrpSpPr>
+        <p:cNvPr id="1" name=""/>
+        <p:cNvGrpSpPr/>
+        <p:nvPr/>
+      </p:nvGrpSpPr>
+      <p:grpSpPr>
+        <a:xfrm>
+          <a:off x="0" y="0"/>
+          <a:ext cx="0" cy="0"/>
+          <a:chOff x="0" y="0"/>
+          <a:chExt cx="0" cy="0"/>
+        </a:xfrm>
+      </p:grpSpPr>
+      <p:sp>
+        <p:nvSpPr>
+          <p:cNvPr id="4" name="文本框 3">
+            <a:extLst>
+              <a:ext uri="{FF2B5EF4-FFF2-40B4-BE49-F238E27FC236}">
+                <a16:creationId xmlns:a16="http://schemas.microsoft.com/office/drawing/2014/main" id="{92E31F91-D1B9-BEF6-1FFA-968A787BE588}"/>
+              </a:ext>
+            </a:extLst>
+          </p:cNvPr>
+          <p:cNvSpPr txBox="1"/>
+          <p:nvPr/>
+        </p:nvSpPr>
+        <p:spPr>
+          <a:xfrm>
+            <a:off x="202301" y="396510"/>
+            <a:ext cx="1766830" cy="369332"/>
+          </a:xfrm>
+          <a:prstGeom prst="rect">
+            <a:avLst/>
+          </a:prstGeom>
+          <a:noFill/>
+        </p:spPr>
+        <p:txBody>
+          <a:bodyPr wrap="none" rtlCol="0">
+            <a:spAutoFit/>
+          </a:bodyPr>
+          <a:lstStyle/>
+          <a:p>
+            <a:r>
+              <a:rPr lang="en-US" altLang="zh-CN" b="1" dirty="0"/>
+              <a:t>Lession_3  </a:t>
+            </a:r>
+            <a:r>
+              <a:rPr lang="zh-CN" altLang="en-US" b="1" dirty="0"/>
+              <a:t>场景</a:t>
+            </a:r>
+          </a:p>
+        </p:txBody>
+      </p:sp>
+      <p:sp>
+        <p:nvSpPr>
+          <p:cNvPr id="47" name="文本框 46">
+            <a:extLst>
+              <a:ext uri="{FF2B5EF4-FFF2-40B4-BE49-F238E27FC236}">
+                <a16:creationId xmlns:a16="http://schemas.microsoft.com/office/drawing/2014/main" id="{F5F08553-2CDC-CB20-4E43-69895887DF6C}"/>
+              </a:ext>
+            </a:extLst>
+          </p:cNvPr>
+          <p:cNvSpPr txBox="1"/>
+          <p:nvPr/>
+        </p:nvSpPr>
+        <p:spPr>
+          <a:xfrm>
+            <a:off x="883511" y="1201742"/>
+            <a:ext cx="5355953" cy="369332"/>
+          </a:xfrm>
+          <a:prstGeom prst="rect">
+            <a:avLst/>
+          </a:prstGeom>
+          <a:noFill/>
+        </p:spPr>
+        <p:txBody>
+          <a:bodyPr wrap="none" rtlCol="0">
+            <a:spAutoFit/>
+          </a:bodyPr>
+          <a:lstStyle/>
+          <a:p>
+            <a:r>
+              <a:rPr lang="en-US" altLang="zh-CN" b="1" dirty="0">
+                <a:solidFill>
+                  <a:srgbClr val="C00000"/>
+                </a:solidFill>
+              </a:rPr>
+              <a:t>3-3.  </a:t>
+            </a:r>
+            <a:r>
+              <a:rPr lang="zh-CN" altLang="en-US" b="1" dirty="0">
+                <a:solidFill>
+                  <a:srgbClr val="C00000"/>
+                </a:solidFill>
+              </a:rPr>
+              <a:t>从</a:t>
+            </a:r>
+            <a:r>
+              <a:rPr lang="en-US" altLang="zh-CN" b="1" dirty="0">
+                <a:solidFill>
+                  <a:srgbClr val="C00000"/>
+                </a:solidFill>
+              </a:rPr>
+              <a:t>OSG</a:t>
+            </a:r>
+            <a:r>
+              <a:rPr lang="zh-CN" altLang="en-US" b="1" dirty="0">
+                <a:solidFill>
+                  <a:srgbClr val="C00000"/>
+                </a:solidFill>
+              </a:rPr>
+              <a:t>示例程序，对</a:t>
+            </a:r>
+            <a:r>
+              <a:rPr lang="zh-CN" altLang="en-US" b="1" dirty="0">
+                <a:solidFill>
+                  <a:schemeClr val="accent1"/>
+                </a:solidFill>
+              </a:rPr>
+              <a:t>反射</a:t>
+            </a:r>
+            <a:r>
+              <a:rPr lang="zh-CN" altLang="en-US" b="1" dirty="0">
+                <a:solidFill>
+                  <a:srgbClr val="C00000"/>
+                </a:solidFill>
+              </a:rPr>
+              <a:t>与</a:t>
+            </a:r>
+            <a:r>
+              <a:rPr lang="zh-CN" altLang="en-US" b="1" dirty="0">
+                <a:solidFill>
+                  <a:schemeClr val="accent1"/>
+                </a:solidFill>
+              </a:rPr>
+              <a:t>回调</a:t>
+            </a:r>
+            <a:r>
+              <a:rPr lang="zh-CN" altLang="en-US" b="1" dirty="0">
+                <a:solidFill>
+                  <a:srgbClr val="C00000"/>
+                </a:solidFill>
+              </a:rPr>
+              <a:t>的不完全理解</a:t>
+            </a:r>
+          </a:p>
+        </p:txBody>
+      </p:sp>
+    </p:spTree>
+    <p:extLst>
+      <p:ext uri="{BB962C8B-B14F-4D97-AF65-F5344CB8AC3E}">
+        <p14:creationId xmlns:p14="http://schemas.microsoft.com/office/powerpoint/2010/main" val="3448005014"/>
       </p:ext>
     </p:extLst>
   </p:cSld>
@@ -5257,4 +8068,299 @@
     </a:ext>
   </a:extLst>
 </a:theme>
+</file>
+
+<file path=ppt/theme/theme2.xml><?xml version="1.0" encoding="utf-8"?>
+<a:theme xmlns:a="http://schemas.openxmlformats.org/drawingml/2006/main" name="Office 主题​​">
+  <a:themeElements>
+    <a:clrScheme name="Office">
+      <a:dk1>
+        <a:sysClr val="windowText" lastClr="000000"/>
+      </a:dk1>
+      <a:lt1>
+        <a:sysClr val="window" lastClr="FFFFFF"/>
+      </a:lt1>
+      <a:dk2>
+        <a:srgbClr val="44546A"/>
+      </a:dk2>
+      <a:lt2>
+        <a:srgbClr val="E7E6E6"/>
+      </a:lt2>
+      <a:accent1>
+        <a:srgbClr val="4472C4"/>
+      </a:accent1>
+      <a:accent2>
+        <a:srgbClr val="ED7D31"/>
+      </a:accent2>
+      <a:accent3>
+        <a:srgbClr val="A5A5A5"/>
+      </a:accent3>
+      <a:accent4>
+        <a:srgbClr val="FFC000"/>
+      </a:accent4>
+      <a:accent5>
+        <a:srgbClr val="5B9BD5"/>
+      </a:accent5>
+      <a:accent6>
+        <a:srgbClr val="70AD47"/>
+      </a:accent6>
+      <a:hlink>
+        <a:srgbClr val="0563C1"/>
+      </a:hlink>
+      <a:folHlink>
+        <a:srgbClr val="954F72"/>
+      </a:folHlink>
+    </a:clrScheme>
+    <a:fontScheme name="Office">
+      <a:majorFont>
+        <a:latin typeface="等线 Light" panose="020F0302020204030204"/>
+        <a:ea typeface=""/>
+        <a:cs typeface=""/>
+        <a:font script="Jpan" typeface="游ゴシック Light"/>
+        <a:font script="Hang" typeface="맑은 고딕"/>
+        <a:font script="Hans" typeface="等线 Light"/>
+        <a:font script="Hant" typeface="新細明體"/>
+        <a:font script="Arab" typeface="Times New Roman"/>
+        <a:font script="Hebr" typeface="Times New Roman"/>
+        <a:font script="Thai" typeface="Angsana New"/>
+        <a:font script="Ethi" typeface="Nyala"/>
+        <a:font script="Beng" typeface="Vrinda"/>
+        <a:font script="Gujr" typeface="Shruti"/>
+        <a:font script="Khmr" typeface="MoolBoran"/>
+        <a:font script="Knda" typeface="Tunga"/>
+        <a:font script="Guru" typeface="Raavi"/>
+        <a:font script="Cans" typeface="Euphemia"/>
+        <a:font script="Cher" typeface="Plantagenet Cherokee"/>
+        <a:font script="Yiii" typeface="Microsoft Yi Baiti"/>
+        <a:font script="Tibt" typeface="Microsoft Himalaya"/>
+        <a:font script="Thaa" typeface="MV Boli"/>
+        <a:font script="Deva" typeface="Mangal"/>
+        <a:font script="Telu" typeface="Gautami"/>
+        <a:font script="Taml" typeface="Latha"/>
+        <a:font script="Syrc" typeface="Estrangelo Edessa"/>
+        <a:font script="Orya" typeface="Kalinga"/>
+        <a:font script="Mlym" typeface="Kartika"/>
+        <a:font script="Laoo" typeface="DokChampa"/>
+        <a:font script="Sinh" typeface="Iskoola Pota"/>
+        <a:font script="Mong" typeface="Mongolian Baiti"/>
+        <a:font script="Viet" typeface="Times New Roman"/>
+        <a:font script="Uigh" typeface="Microsoft Uighur"/>
+        <a:font script="Geor" typeface="Sylfaen"/>
+        <a:font script="Armn" typeface="Arial"/>
+        <a:font script="Bugi" typeface="Leelawadee UI"/>
+        <a:font script="Bopo" typeface="Microsoft JhengHei"/>
+        <a:font script="Java" typeface="Javanese Text"/>
+        <a:font script="Lisu" typeface="Segoe UI"/>
+        <a:font script="Mymr" typeface="Myanmar Text"/>
+        <a:font script="Nkoo" typeface="Ebrima"/>
+        <a:font script="Olck" typeface="Nirmala UI"/>
+        <a:font script="Osma" typeface="Ebrima"/>
+        <a:font script="Phag" typeface="Phagspa"/>
+        <a:font script="Syrn" typeface="Estrangelo Edessa"/>
+        <a:font script="Syrj" typeface="Estrangelo Edessa"/>
+        <a:font script="Syre" typeface="Estrangelo Edessa"/>
+        <a:font script="Sora" typeface="Nirmala UI"/>
+        <a:font script="Tale" typeface="Microsoft Tai Le"/>
+        <a:font script="Talu" typeface="Microsoft New Tai Lue"/>
+        <a:font script="Tfng" typeface="Ebrima"/>
+      </a:majorFont>
+      <a:minorFont>
+        <a:latin typeface="等线" panose="020F0502020204030204"/>
+        <a:ea typeface=""/>
+        <a:cs typeface=""/>
+        <a:font script="Jpan" typeface="游ゴシック"/>
+        <a:font script="Hang" typeface="맑은 고딕"/>
+        <a:font script="Hans" typeface="等线"/>
+        <a:font script="Hant" typeface="新細明體"/>
+        <a:font script="Arab" typeface="Arial"/>
+        <a:font script="Hebr" typeface="Arial"/>
+        <a:font script="Thai" typeface="Cordia New"/>
+        <a:font script="Ethi" typeface="Nyala"/>
+        <a:font script="Beng" typeface="Vrinda"/>
+        <a:font script="Gujr" typeface="Shruti"/>
+        <a:font script="Khmr" typeface="DaunPenh"/>
+        <a:font script="Knda" typeface="Tunga"/>
+        <a:font script="Guru" typeface="Raavi"/>
+        <a:font script="Cans" typeface="Euphemia"/>
+        <a:font script="Cher" typeface="Plantagenet Cherokee"/>
+        <a:font script="Yiii" typeface="Microsoft Yi Baiti"/>
+        <a:font script="Tibt" typeface="Microsoft Himalaya"/>
+        <a:font script="Thaa" typeface="MV Boli"/>
+        <a:font script="Deva" typeface="Mangal"/>
+        <a:font script="Telu" typeface="Gautami"/>
+        <a:font script="Taml" typeface="Latha"/>
+        <a:font script="Syrc" typeface="Estrangelo Edessa"/>
+        <a:font script="Orya" typeface="Kalinga"/>
+        <a:font script="Mlym" typeface="Kartika"/>
+        <a:font script="Laoo" typeface="DokChampa"/>
+        <a:font script="Sinh" typeface="Iskoola Pota"/>
+        <a:font script="Mong" typeface="Mongolian Baiti"/>
+        <a:font script="Viet" typeface="Arial"/>
+        <a:font script="Uigh" typeface="Microsoft Uighur"/>
+        <a:font script="Geor" typeface="Sylfaen"/>
+        <a:font script="Armn" typeface="Arial"/>
+        <a:font script="Bugi" typeface="Leelawadee UI"/>
+        <a:font script="Bopo" typeface="Microsoft JhengHei"/>
+        <a:font script="Java" typeface="Javanese Text"/>
+        <a:font script="Lisu" typeface="Segoe UI"/>
+        <a:font script="Mymr" typeface="Myanmar Text"/>
+        <a:font script="Nkoo" typeface="Ebrima"/>
+        <a:font script="Olck" typeface="Nirmala UI"/>
+        <a:font script="Osma" typeface="Ebrima"/>
+        <a:font script="Phag" typeface="Phagspa"/>
+        <a:font script="Syrn" typeface="Estrangelo Edessa"/>
+        <a:font script="Syrj" typeface="Estrangelo Edessa"/>
+        <a:font script="Syre" typeface="Estrangelo Edessa"/>
+        <a:font script="Sora" typeface="Nirmala UI"/>
+        <a:font script="Tale" typeface="Microsoft Tai Le"/>
+        <a:font script="Talu" typeface="Microsoft New Tai Lue"/>
+        <a:font script="Tfng" typeface="Ebrima"/>
+      </a:minorFont>
+    </a:fontScheme>
+    <a:fmtScheme name="Office">
+      <a:fillStyleLst>
+        <a:solidFill>
+          <a:schemeClr val="phClr"/>
+        </a:solidFill>
+        <a:gradFill rotWithShape="1">
+          <a:gsLst>
+            <a:gs pos="0">
+              <a:schemeClr val="phClr">
+                <a:lumMod val="110000"/>
+                <a:satMod val="105000"/>
+                <a:tint val="67000"/>
+              </a:schemeClr>
+            </a:gs>
+            <a:gs pos="50000">
+              <a:schemeClr val="phClr">
+                <a:lumMod val="105000"/>
+                <a:satMod val="103000"/>
+                <a:tint val="73000"/>
+              </a:schemeClr>
+            </a:gs>
+            <a:gs pos="100000">
+              <a:schemeClr val="phClr">
+                <a:lumMod val="105000"/>
+                <a:satMod val="109000"/>
+                <a:tint val="81000"/>
+              </a:schemeClr>
+            </a:gs>
+          </a:gsLst>
+          <a:lin ang="5400000" scaled="0"/>
+        </a:gradFill>
+        <a:gradFill rotWithShape="1">
+          <a:gsLst>
+            <a:gs pos="0">
+              <a:schemeClr val="phClr">
+                <a:satMod val="103000"/>
+                <a:lumMod val="102000"/>
+                <a:tint val="94000"/>
+              </a:schemeClr>
+            </a:gs>
+            <a:gs pos="50000">
+              <a:schemeClr val="phClr">
+                <a:satMod val="110000"/>
+                <a:lumMod val="100000"/>
+                <a:shade val="100000"/>
+              </a:schemeClr>
+            </a:gs>
+            <a:gs pos="100000">
+              <a:schemeClr val="phClr">
+                <a:lumMod val="99000"/>
+                <a:satMod val="120000"/>
+                <a:shade val="78000"/>
+              </a:schemeClr>
+            </a:gs>
+          </a:gsLst>
+          <a:lin ang="5400000" scaled="0"/>
+        </a:gradFill>
+      </a:fillStyleLst>
+      <a:lnStyleLst>
+        <a:ln w="6350" cap="flat" cmpd="sng" algn="ctr">
+          <a:solidFill>
+            <a:schemeClr val="phClr"/>
+          </a:solidFill>
+          <a:prstDash val="solid"/>
+          <a:miter lim="800000"/>
+        </a:ln>
+        <a:ln w="12700" cap="flat" cmpd="sng" algn="ctr">
+          <a:solidFill>
+            <a:schemeClr val="phClr"/>
+          </a:solidFill>
+          <a:prstDash val="solid"/>
+          <a:miter lim="800000"/>
+        </a:ln>
+        <a:ln w="19050" cap="flat" cmpd="sng" algn="ctr">
+          <a:solidFill>
+            <a:schemeClr val="phClr"/>
+          </a:solidFill>
+          <a:prstDash val="solid"/>
+          <a:miter lim="800000"/>
+        </a:ln>
+      </a:lnStyleLst>
+      <a:effectStyleLst>
+        <a:effectStyle>
+          <a:effectLst/>
+        </a:effectStyle>
+        <a:effectStyle>
+          <a:effectLst/>
+        </a:effectStyle>
+        <a:effectStyle>
+          <a:effectLst>
+            <a:outerShdw blurRad="57150" dist="19050" dir="5400000" algn="ctr" rotWithShape="0">
+              <a:srgbClr val="000000">
+                <a:alpha val="63000"/>
+              </a:srgbClr>
+            </a:outerShdw>
+          </a:effectLst>
+        </a:effectStyle>
+      </a:effectStyleLst>
+      <a:bgFillStyleLst>
+        <a:solidFill>
+          <a:schemeClr val="phClr"/>
+        </a:solidFill>
+        <a:solidFill>
+          <a:schemeClr val="phClr">
+            <a:tint val="95000"/>
+            <a:satMod val="170000"/>
+          </a:schemeClr>
+        </a:solidFill>
+        <a:gradFill rotWithShape="1">
+          <a:gsLst>
+            <a:gs pos="0">
+              <a:schemeClr val="phClr">
+                <a:tint val="93000"/>
+                <a:satMod val="150000"/>
+                <a:shade val="98000"/>
+                <a:lumMod val="102000"/>
+              </a:schemeClr>
+            </a:gs>
+            <a:gs pos="50000">
+              <a:schemeClr val="phClr">
+                <a:tint val="98000"/>
+                <a:satMod val="130000"/>
+                <a:shade val="90000"/>
+                <a:lumMod val="103000"/>
+              </a:schemeClr>
+            </a:gs>
+            <a:gs pos="100000">
+              <a:schemeClr val="phClr">
+                <a:shade val="63000"/>
+                <a:satMod val="120000"/>
+              </a:schemeClr>
+            </a:gs>
+          </a:gsLst>
+          <a:lin ang="5400000" scaled="0"/>
+        </a:gradFill>
+      </a:bgFillStyleLst>
+    </a:fmtScheme>
+  </a:themeElements>
+  <a:objectDefaults/>
+  <a:extraClrSchemeLst/>
+  <a:extLst>
+    <a:ext uri="{05A4C25C-085E-4340-85A3-A5531E510DB2}">
+      <thm15:themeFamily xmlns:thm15="http://schemas.microsoft.com/office/thememl/2012/main" name="Office Theme" id="{62F939B6-93AF-4DB8-9C6B-D6C7DFDC589F}" vid="{4A3C46E8-61CC-4603-A589-7422A47A8E4A}"/>
+    </a:ext>
+  </a:extLst>
+</a:theme>
 </file>
--- a/note/note.pptx
+++ b/note/note.pptx
@@ -5,7 +5,7 @@
     <p:sldMasterId id="2147483648" r:id="rId1"/>
   </p:sldMasterIdLst>
   <p:notesMasterIdLst>
-    <p:notesMasterId r:id="rId12"/>
+    <p:notesMasterId r:id="rId15"/>
   </p:notesMasterIdLst>
   <p:sldIdLst>
     <p:sldId id="262" r:id="rId2"/>
@@ -17,7 +17,10 @@
     <p:sldId id="265" r:id="rId8"/>
     <p:sldId id="264" r:id="rId9"/>
     <p:sldId id="266" r:id="rId10"/>
-    <p:sldId id="263" r:id="rId11"/>
+    <p:sldId id="267" r:id="rId11"/>
+    <p:sldId id="268" r:id="rId12"/>
+    <p:sldId id="269" r:id="rId13"/>
+    <p:sldId id="263" r:id="rId14"/>
   </p:sldIdLst>
   <p:sldSz cx="12192000" cy="6858000"/>
   <p:notesSz cx="6858000" cy="9144000"/>
@@ -548,6 +551,258 @@
     <p:extLst>
       <p:ext uri="{BB962C8B-B14F-4D97-AF65-F5344CB8AC3E}">
         <p14:creationId xmlns:p14="http://schemas.microsoft.com/office/powerpoint/2010/main" val="4148955380"/>
+      </p:ext>
+    </p:extLst>
+  </p:cSld>
+  <p:clrMapOvr>
+    <a:masterClrMapping/>
+  </p:clrMapOvr>
+</p:notes>
+</file>
+
+<file path=ppt/notesSlides/notesSlide2.xml><?xml version="1.0" encoding="utf-8"?>
+<p:notes xmlns:a="http://schemas.openxmlformats.org/drawingml/2006/main" xmlns:r="http://schemas.openxmlformats.org/officeDocument/2006/relationships" xmlns:p="http://schemas.openxmlformats.org/presentationml/2006/main">
+  <p:cSld>
+    <p:spTree>
+      <p:nvGrpSpPr>
+        <p:cNvPr id="1" name=""/>
+        <p:cNvGrpSpPr/>
+        <p:nvPr/>
+      </p:nvGrpSpPr>
+      <p:grpSpPr>
+        <a:xfrm>
+          <a:off x="0" y="0"/>
+          <a:ext cx="0" cy="0"/>
+          <a:chOff x="0" y="0"/>
+          <a:chExt cx="0" cy="0"/>
+        </a:xfrm>
+      </p:grpSpPr>
+      <p:sp>
+        <p:nvSpPr>
+          <p:cNvPr id="2" name="幻灯片图像占位符 1"/>
+          <p:cNvSpPr>
+            <a:spLocks noGrp="1" noRot="1" noChangeAspect="1"/>
+          </p:cNvSpPr>
+          <p:nvPr>
+            <p:ph type="sldImg"/>
+          </p:nvPr>
+        </p:nvSpPr>
+        <p:spPr/>
+      </p:sp>
+      <p:sp>
+        <p:nvSpPr>
+          <p:cNvPr id="3" name="备注占位符 2"/>
+          <p:cNvSpPr>
+            <a:spLocks noGrp="1"/>
+          </p:cNvSpPr>
+          <p:nvPr>
+            <p:ph type="body" idx="1"/>
+          </p:nvPr>
+        </p:nvSpPr>
+        <p:spPr/>
+        <p:txBody>
+          <a:bodyPr/>
+          <a:lstStyle/>
+          <a:p>
+            <a:endParaRPr lang="zh-CN" altLang="en-US" dirty="0"/>
+          </a:p>
+        </p:txBody>
+      </p:sp>
+      <p:sp>
+        <p:nvSpPr>
+          <p:cNvPr id="4" name="灯片编号占位符 3"/>
+          <p:cNvSpPr>
+            <a:spLocks noGrp="1"/>
+          </p:cNvSpPr>
+          <p:nvPr>
+            <p:ph type="sldNum" sz="quarter" idx="5"/>
+          </p:nvPr>
+        </p:nvSpPr>
+        <p:spPr/>
+        <p:txBody>
+          <a:bodyPr/>
+          <a:lstStyle/>
+          <a:p>
+            <a:fld id="{2BB544B3-C411-42DB-B08E-35FEAA03EDA9}" type="slidenum">
+              <a:rPr lang="zh-CN" altLang="en-US" smtClean="0"/>
+              <a:t>10</a:t>
+            </a:fld>
+            <a:endParaRPr lang="zh-CN" altLang="en-US"/>
+          </a:p>
+        </p:txBody>
+      </p:sp>
+    </p:spTree>
+    <p:extLst>
+      <p:ext uri="{BB962C8B-B14F-4D97-AF65-F5344CB8AC3E}">
+        <p14:creationId xmlns:p14="http://schemas.microsoft.com/office/powerpoint/2010/main" val="2976600312"/>
+      </p:ext>
+    </p:extLst>
+  </p:cSld>
+  <p:clrMapOvr>
+    <a:masterClrMapping/>
+  </p:clrMapOvr>
+</p:notes>
+</file>
+
+<file path=ppt/notesSlides/notesSlide3.xml><?xml version="1.0" encoding="utf-8"?>
+<p:notes xmlns:a="http://schemas.openxmlformats.org/drawingml/2006/main" xmlns:r="http://schemas.openxmlformats.org/officeDocument/2006/relationships" xmlns:p="http://schemas.openxmlformats.org/presentationml/2006/main">
+  <p:cSld>
+    <p:spTree>
+      <p:nvGrpSpPr>
+        <p:cNvPr id="1" name=""/>
+        <p:cNvGrpSpPr/>
+        <p:nvPr/>
+      </p:nvGrpSpPr>
+      <p:grpSpPr>
+        <a:xfrm>
+          <a:off x="0" y="0"/>
+          <a:ext cx="0" cy="0"/>
+          <a:chOff x="0" y="0"/>
+          <a:chExt cx="0" cy="0"/>
+        </a:xfrm>
+      </p:grpSpPr>
+      <p:sp>
+        <p:nvSpPr>
+          <p:cNvPr id="2" name="幻灯片图像占位符 1"/>
+          <p:cNvSpPr>
+            <a:spLocks noGrp="1" noRot="1" noChangeAspect="1"/>
+          </p:cNvSpPr>
+          <p:nvPr>
+            <p:ph type="sldImg"/>
+          </p:nvPr>
+        </p:nvSpPr>
+        <p:spPr/>
+      </p:sp>
+      <p:sp>
+        <p:nvSpPr>
+          <p:cNvPr id="3" name="备注占位符 2"/>
+          <p:cNvSpPr>
+            <a:spLocks noGrp="1"/>
+          </p:cNvSpPr>
+          <p:nvPr>
+            <p:ph type="body" idx="1"/>
+          </p:nvPr>
+        </p:nvSpPr>
+        <p:spPr/>
+        <p:txBody>
+          <a:bodyPr/>
+          <a:lstStyle/>
+          <a:p>
+            <a:endParaRPr lang="zh-CN" altLang="en-US" dirty="0"/>
+          </a:p>
+        </p:txBody>
+      </p:sp>
+      <p:sp>
+        <p:nvSpPr>
+          <p:cNvPr id="4" name="灯片编号占位符 3"/>
+          <p:cNvSpPr>
+            <a:spLocks noGrp="1"/>
+          </p:cNvSpPr>
+          <p:nvPr>
+            <p:ph type="sldNum" sz="quarter" idx="5"/>
+          </p:nvPr>
+        </p:nvSpPr>
+        <p:spPr/>
+        <p:txBody>
+          <a:bodyPr/>
+          <a:lstStyle/>
+          <a:p>
+            <a:fld id="{2BB544B3-C411-42DB-B08E-35FEAA03EDA9}" type="slidenum">
+              <a:rPr lang="zh-CN" altLang="en-US" smtClean="0"/>
+              <a:t>11</a:t>
+            </a:fld>
+            <a:endParaRPr lang="zh-CN" altLang="en-US"/>
+          </a:p>
+        </p:txBody>
+      </p:sp>
+    </p:spTree>
+    <p:extLst>
+      <p:ext uri="{BB962C8B-B14F-4D97-AF65-F5344CB8AC3E}">
+        <p14:creationId xmlns:p14="http://schemas.microsoft.com/office/powerpoint/2010/main" val="3755525956"/>
+      </p:ext>
+    </p:extLst>
+  </p:cSld>
+  <p:clrMapOvr>
+    <a:masterClrMapping/>
+  </p:clrMapOvr>
+</p:notes>
+</file>
+
+<file path=ppt/notesSlides/notesSlide4.xml><?xml version="1.0" encoding="utf-8"?>
+<p:notes xmlns:a="http://schemas.openxmlformats.org/drawingml/2006/main" xmlns:r="http://schemas.openxmlformats.org/officeDocument/2006/relationships" xmlns:p="http://schemas.openxmlformats.org/presentationml/2006/main">
+  <p:cSld>
+    <p:spTree>
+      <p:nvGrpSpPr>
+        <p:cNvPr id="1" name=""/>
+        <p:cNvGrpSpPr/>
+        <p:nvPr/>
+      </p:nvGrpSpPr>
+      <p:grpSpPr>
+        <a:xfrm>
+          <a:off x="0" y="0"/>
+          <a:ext cx="0" cy="0"/>
+          <a:chOff x="0" y="0"/>
+          <a:chExt cx="0" cy="0"/>
+        </a:xfrm>
+      </p:grpSpPr>
+      <p:sp>
+        <p:nvSpPr>
+          <p:cNvPr id="2" name="幻灯片图像占位符 1"/>
+          <p:cNvSpPr>
+            <a:spLocks noGrp="1" noRot="1" noChangeAspect="1"/>
+          </p:cNvSpPr>
+          <p:nvPr>
+            <p:ph type="sldImg"/>
+          </p:nvPr>
+        </p:nvSpPr>
+        <p:spPr/>
+      </p:sp>
+      <p:sp>
+        <p:nvSpPr>
+          <p:cNvPr id="3" name="备注占位符 2"/>
+          <p:cNvSpPr>
+            <a:spLocks noGrp="1"/>
+          </p:cNvSpPr>
+          <p:nvPr>
+            <p:ph type="body" idx="1"/>
+          </p:nvPr>
+        </p:nvSpPr>
+        <p:spPr/>
+        <p:txBody>
+          <a:bodyPr/>
+          <a:lstStyle/>
+          <a:p>
+            <a:endParaRPr lang="zh-CN" altLang="en-US" dirty="0"/>
+          </a:p>
+        </p:txBody>
+      </p:sp>
+      <p:sp>
+        <p:nvSpPr>
+          <p:cNvPr id="4" name="灯片编号占位符 3"/>
+          <p:cNvSpPr>
+            <a:spLocks noGrp="1"/>
+          </p:cNvSpPr>
+          <p:nvPr>
+            <p:ph type="sldNum" sz="quarter" idx="5"/>
+          </p:nvPr>
+        </p:nvSpPr>
+        <p:spPr/>
+        <p:txBody>
+          <a:bodyPr/>
+          <a:lstStyle/>
+          <a:p>
+            <a:fld id="{2BB544B3-C411-42DB-B08E-35FEAA03EDA9}" type="slidenum">
+              <a:rPr lang="zh-CN" altLang="en-US" smtClean="0"/>
+              <a:t>12</a:t>
+            </a:fld>
+            <a:endParaRPr lang="zh-CN" altLang="en-US"/>
+          </a:p>
+        </p:txBody>
+      </p:sp>
+    </p:spTree>
+    <p:extLst>
+      <p:ext uri="{BB962C8B-B14F-4D97-AF65-F5344CB8AC3E}">
+        <p14:creationId xmlns:p14="http://schemas.microsoft.com/office/powerpoint/2010/main" val="604703203"/>
       </p:ext>
     </p:extLst>
   </p:cSld>
@@ -3859,6 +4114,370 @@
 </file>
 
 <file path=ppt/slides/slide10.xml><?xml version="1.0" encoding="utf-8"?>
+<p:sld xmlns:a="http://schemas.openxmlformats.org/drawingml/2006/main" xmlns:r="http://schemas.openxmlformats.org/officeDocument/2006/relationships" xmlns:p="http://schemas.openxmlformats.org/presentationml/2006/main">
+  <p:cSld>
+    <p:spTree>
+      <p:nvGrpSpPr>
+        <p:cNvPr id="1" name=""/>
+        <p:cNvGrpSpPr/>
+        <p:nvPr/>
+      </p:nvGrpSpPr>
+      <p:grpSpPr>
+        <a:xfrm>
+          <a:off x="0" y="0"/>
+          <a:ext cx="0" cy="0"/>
+          <a:chOff x="0" y="0"/>
+          <a:chExt cx="0" cy="0"/>
+        </a:xfrm>
+      </p:grpSpPr>
+      <p:sp>
+        <p:nvSpPr>
+          <p:cNvPr id="4" name="文本框 3">
+            <a:extLst>
+              <a:ext uri="{FF2B5EF4-FFF2-40B4-BE49-F238E27FC236}">
+                <a16:creationId xmlns:a16="http://schemas.microsoft.com/office/drawing/2014/main" id="{92E31F91-D1B9-BEF6-1FFA-968A787BE588}"/>
+              </a:ext>
+            </a:extLst>
+          </p:cNvPr>
+          <p:cNvSpPr txBox="1"/>
+          <p:nvPr/>
+        </p:nvSpPr>
+        <p:spPr>
+          <a:xfrm>
+            <a:off x="202301" y="396510"/>
+            <a:ext cx="2690160" cy="369332"/>
+          </a:xfrm>
+          <a:prstGeom prst="rect">
+            <a:avLst/>
+          </a:prstGeom>
+          <a:noFill/>
+        </p:spPr>
+        <p:txBody>
+          <a:bodyPr wrap="none" rtlCol="0">
+            <a:spAutoFit/>
+          </a:bodyPr>
+          <a:lstStyle/>
+          <a:p>
+            <a:r>
+              <a:rPr lang="en-US" altLang="zh-CN" b="1" dirty="0"/>
+              <a:t>Lession_4  </a:t>
+            </a:r>
+            <a:r>
+              <a:rPr lang="zh-CN" altLang="en-US" b="1" dirty="0"/>
+              <a:t>几何对象绘制</a:t>
+            </a:r>
+          </a:p>
+        </p:txBody>
+      </p:sp>
+      <p:sp>
+        <p:nvSpPr>
+          <p:cNvPr id="3" name="文本框 2">
+            <a:extLst>
+              <a:ext uri="{FF2B5EF4-FFF2-40B4-BE49-F238E27FC236}">
+                <a16:creationId xmlns:a16="http://schemas.microsoft.com/office/drawing/2014/main" id="{9E07E355-0FB8-FEA2-4B64-5975CAB4F2C3}"/>
+              </a:ext>
+            </a:extLst>
+          </p:cNvPr>
+          <p:cNvSpPr txBox="1"/>
+          <p:nvPr/>
+        </p:nvSpPr>
+        <p:spPr>
+          <a:xfrm>
+            <a:off x="739557" y="1194098"/>
+            <a:ext cx="2515432" cy="369332"/>
+          </a:xfrm>
+          <a:prstGeom prst="rect">
+            <a:avLst/>
+          </a:prstGeom>
+          <a:noFill/>
+        </p:spPr>
+        <p:txBody>
+          <a:bodyPr wrap="none" rtlCol="0">
+            <a:spAutoFit/>
+          </a:bodyPr>
+          <a:lstStyle/>
+          <a:p>
+            <a:r>
+              <a:rPr lang="en-US" altLang="zh-CN" b="1" dirty="0">
+                <a:solidFill>
+                  <a:srgbClr val="C00000"/>
+                </a:solidFill>
+              </a:rPr>
+              <a:t>4-1  </a:t>
+            </a:r>
+            <a:r>
+              <a:rPr lang="zh-CN" altLang="en-US" b="1" dirty="0">
+                <a:solidFill>
+                  <a:srgbClr val="C00000"/>
+                </a:solidFill>
+              </a:rPr>
+              <a:t>类之间调用关系图</a:t>
+            </a:r>
+          </a:p>
+        </p:txBody>
+      </p:sp>
+    </p:spTree>
+    <p:extLst>
+      <p:ext uri="{BB962C8B-B14F-4D97-AF65-F5344CB8AC3E}">
+        <p14:creationId xmlns:p14="http://schemas.microsoft.com/office/powerpoint/2010/main" val="4202055902"/>
+      </p:ext>
+    </p:extLst>
+  </p:cSld>
+  <p:clrMapOvr>
+    <a:masterClrMapping/>
+  </p:clrMapOvr>
+</p:sld>
+</file>
+
+<file path=ppt/slides/slide11.xml><?xml version="1.0" encoding="utf-8"?>
+<p:sld xmlns:a="http://schemas.openxmlformats.org/drawingml/2006/main" xmlns:r="http://schemas.openxmlformats.org/officeDocument/2006/relationships" xmlns:p="http://schemas.openxmlformats.org/presentationml/2006/main">
+  <p:cSld>
+    <p:spTree>
+      <p:nvGrpSpPr>
+        <p:cNvPr id="1" name=""/>
+        <p:cNvGrpSpPr/>
+        <p:nvPr/>
+      </p:nvGrpSpPr>
+      <p:grpSpPr>
+        <a:xfrm>
+          <a:off x="0" y="0"/>
+          <a:ext cx="0" cy="0"/>
+          <a:chOff x="0" y="0"/>
+          <a:chExt cx="0" cy="0"/>
+        </a:xfrm>
+      </p:grpSpPr>
+      <p:sp>
+        <p:nvSpPr>
+          <p:cNvPr id="4" name="文本框 3">
+            <a:extLst>
+              <a:ext uri="{FF2B5EF4-FFF2-40B4-BE49-F238E27FC236}">
+                <a16:creationId xmlns:a16="http://schemas.microsoft.com/office/drawing/2014/main" id="{92E31F91-D1B9-BEF6-1FFA-968A787BE588}"/>
+              </a:ext>
+            </a:extLst>
+          </p:cNvPr>
+          <p:cNvSpPr txBox="1"/>
+          <p:nvPr/>
+        </p:nvSpPr>
+        <p:spPr>
+          <a:xfrm>
+            <a:off x="202301" y="396510"/>
+            <a:ext cx="2690160" cy="369332"/>
+          </a:xfrm>
+          <a:prstGeom prst="rect">
+            <a:avLst/>
+          </a:prstGeom>
+          <a:noFill/>
+        </p:spPr>
+        <p:txBody>
+          <a:bodyPr wrap="none" rtlCol="0">
+            <a:spAutoFit/>
+          </a:bodyPr>
+          <a:lstStyle/>
+          <a:p>
+            <a:r>
+              <a:rPr lang="en-US" altLang="zh-CN" b="1" dirty="0"/>
+              <a:t>Lession_4  </a:t>
+            </a:r>
+            <a:r>
+              <a:rPr lang="zh-CN" altLang="en-US" b="1" dirty="0"/>
+              <a:t>几何对象绘制</a:t>
+            </a:r>
+          </a:p>
+        </p:txBody>
+      </p:sp>
+      <p:sp>
+        <p:nvSpPr>
+          <p:cNvPr id="2" name="文本框 1">
+            <a:extLst>
+              <a:ext uri="{FF2B5EF4-FFF2-40B4-BE49-F238E27FC236}">
+                <a16:creationId xmlns:a16="http://schemas.microsoft.com/office/drawing/2014/main" id="{671821FD-584B-20A0-E706-A48AA66B8A0D}"/>
+              </a:ext>
+            </a:extLst>
+          </p:cNvPr>
+          <p:cNvSpPr txBox="1"/>
+          <p:nvPr/>
+        </p:nvSpPr>
+        <p:spPr>
+          <a:xfrm>
+            <a:off x="739557" y="1194098"/>
+            <a:ext cx="5527475" cy="369332"/>
+          </a:xfrm>
+          <a:prstGeom prst="rect">
+            <a:avLst/>
+          </a:prstGeom>
+          <a:noFill/>
+        </p:spPr>
+        <p:txBody>
+          <a:bodyPr wrap="none" rtlCol="0">
+            <a:spAutoFit/>
+          </a:bodyPr>
+          <a:lstStyle/>
+          <a:p>
+            <a:r>
+              <a:rPr lang="en-US" altLang="zh-CN" b="1" dirty="0">
+                <a:solidFill>
+                  <a:srgbClr val="C00000"/>
+                </a:solidFill>
+              </a:rPr>
+              <a:t>4-2  </a:t>
+            </a:r>
+            <a:r>
+              <a:rPr lang="zh-CN" altLang="en-US" b="1" dirty="0">
+                <a:solidFill>
+                  <a:srgbClr val="C00000"/>
+                </a:solidFill>
+              </a:rPr>
+              <a:t>仿函数 、 </a:t>
+            </a:r>
+            <a:r>
+              <a:rPr lang="en-US" altLang="zh-CN" b="1" dirty="0" err="1">
+                <a:solidFill>
+                  <a:srgbClr val="C00000"/>
+                </a:solidFill>
+              </a:rPr>
+              <a:t>Lamada</a:t>
+            </a:r>
+            <a:r>
+              <a:rPr lang="zh-CN" altLang="en-US" b="1" dirty="0">
+                <a:solidFill>
+                  <a:srgbClr val="C00000"/>
+                </a:solidFill>
+              </a:rPr>
+              <a:t>、 函数对象、回调函数  区别</a:t>
+            </a:r>
+          </a:p>
+        </p:txBody>
+      </p:sp>
+    </p:spTree>
+    <p:extLst>
+      <p:ext uri="{BB962C8B-B14F-4D97-AF65-F5344CB8AC3E}">
+        <p14:creationId xmlns:p14="http://schemas.microsoft.com/office/powerpoint/2010/main" val="2659094357"/>
+      </p:ext>
+    </p:extLst>
+  </p:cSld>
+  <p:clrMapOvr>
+    <a:masterClrMapping/>
+  </p:clrMapOvr>
+</p:sld>
+</file>
+
+<file path=ppt/slides/slide12.xml><?xml version="1.0" encoding="utf-8"?>
+<p:sld xmlns:a="http://schemas.openxmlformats.org/drawingml/2006/main" xmlns:r="http://schemas.openxmlformats.org/officeDocument/2006/relationships" xmlns:p="http://schemas.openxmlformats.org/presentationml/2006/main">
+  <p:cSld>
+    <p:spTree>
+      <p:nvGrpSpPr>
+        <p:cNvPr id="1" name=""/>
+        <p:cNvGrpSpPr/>
+        <p:nvPr/>
+      </p:nvGrpSpPr>
+      <p:grpSpPr>
+        <a:xfrm>
+          <a:off x="0" y="0"/>
+          <a:ext cx="0" cy="0"/>
+          <a:chOff x="0" y="0"/>
+          <a:chExt cx="0" cy="0"/>
+        </a:xfrm>
+      </p:grpSpPr>
+      <p:sp>
+        <p:nvSpPr>
+          <p:cNvPr id="4" name="文本框 3">
+            <a:extLst>
+              <a:ext uri="{FF2B5EF4-FFF2-40B4-BE49-F238E27FC236}">
+                <a16:creationId xmlns:a16="http://schemas.microsoft.com/office/drawing/2014/main" id="{92E31F91-D1B9-BEF6-1FFA-968A787BE588}"/>
+              </a:ext>
+            </a:extLst>
+          </p:cNvPr>
+          <p:cNvSpPr txBox="1"/>
+          <p:nvPr/>
+        </p:nvSpPr>
+        <p:spPr>
+          <a:xfrm>
+            <a:off x="202301" y="396510"/>
+            <a:ext cx="1766830" cy="369332"/>
+          </a:xfrm>
+          <a:prstGeom prst="rect">
+            <a:avLst/>
+          </a:prstGeom>
+          <a:noFill/>
+        </p:spPr>
+        <p:txBody>
+          <a:bodyPr wrap="none" rtlCol="0">
+            <a:spAutoFit/>
+          </a:bodyPr>
+          <a:lstStyle/>
+          <a:p>
+            <a:r>
+              <a:rPr lang="en-US" altLang="zh-CN" b="1" dirty="0"/>
+              <a:t>Lession_5  </a:t>
+            </a:r>
+            <a:r>
+              <a:rPr lang="zh-CN" altLang="en-US" b="1" dirty="0"/>
+              <a:t>纹理</a:t>
+            </a:r>
+          </a:p>
+        </p:txBody>
+      </p:sp>
+      <p:sp>
+        <p:nvSpPr>
+          <p:cNvPr id="3" name="文本框 2">
+            <a:extLst>
+              <a:ext uri="{FF2B5EF4-FFF2-40B4-BE49-F238E27FC236}">
+                <a16:creationId xmlns:a16="http://schemas.microsoft.com/office/drawing/2014/main" id="{AA559FE4-350E-BA4A-7DAD-79D11C8361B2}"/>
+              </a:ext>
+            </a:extLst>
+          </p:cNvPr>
+          <p:cNvSpPr txBox="1"/>
+          <p:nvPr/>
+        </p:nvSpPr>
+        <p:spPr>
+          <a:xfrm>
+            <a:off x="3496235" y="2334409"/>
+            <a:ext cx="3951723" cy="369332"/>
+          </a:xfrm>
+          <a:prstGeom prst="rect">
+            <a:avLst/>
+          </a:prstGeom>
+          <a:noFill/>
+        </p:spPr>
+        <p:txBody>
+          <a:bodyPr wrap="none" rtlCol="0">
+            <a:spAutoFit/>
+          </a:bodyPr>
+          <a:lstStyle/>
+          <a:p>
+            <a:r>
+              <a:rPr lang="en-US" altLang="zh-CN" b="1" dirty="0"/>
+              <a:t>LOD </a:t>
+            </a:r>
+            <a:r>
+              <a:rPr lang="zh-CN" altLang="en-US" b="1" dirty="0"/>
+              <a:t>和 </a:t>
+            </a:r>
+            <a:r>
+              <a:rPr lang="en-US" altLang="zh-CN" b="1" dirty="0"/>
+              <a:t>Mipmap</a:t>
+            </a:r>
+            <a:r>
+              <a:rPr lang="zh-CN" altLang="en-US" b="1" dirty="0"/>
+              <a:t>好像不是一个东西？</a:t>
+            </a:r>
+          </a:p>
+        </p:txBody>
+      </p:sp>
+    </p:spTree>
+    <p:extLst>
+      <p:ext uri="{BB962C8B-B14F-4D97-AF65-F5344CB8AC3E}">
+        <p14:creationId xmlns:p14="http://schemas.microsoft.com/office/powerpoint/2010/main" val="2152009310"/>
+      </p:ext>
+    </p:extLst>
+  </p:cSld>
+  <p:clrMapOvr>
+    <a:masterClrMapping/>
+  </p:clrMapOvr>
+</p:sld>
+</file>
+
+<file path=ppt/slides/slide13.xml><?xml version="1.0" encoding="utf-8"?>
 <p:sld xmlns:a="http://schemas.openxmlformats.org/drawingml/2006/main" xmlns:r="http://schemas.openxmlformats.org/officeDocument/2006/relationships" xmlns:p="http://schemas.openxmlformats.org/presentationml/2006/main">
   <p:cSld>
     <p:spTree>

--- a/note/note.pptx
+++ b/note/note.pptx
@@ -5,7 +5,7 @@
     <p:sldMasterId id="2147483648" r:id="rId1"/>
   </p:sldMasterIdLst>
   <p:notesMasterIdLst>
-    <p:notesMasterId r:id="rId15"/>
+    <p:notesMasterId r:id="rId16"/>
   </p:notesMasterIdLst>
   <p:sldIdLst>
     <p:sldId id="262" r:id="rId2"/>
@@ -20,7 +20,8 @@
     <p:sldId id="267" r:id="rId11"/>
     <p:sldId id="268" r:id="rId12"/>
     <p:sldId id="269" r:id="rId13"/>
-    <p:sldId id="263" r:id="rId14"/>
+    <p:sldId id="270" r:id="rId14"/>
+    <p:sldId id="263" r:id="rId15"/>
   </p:sldIdLst>
   <p:sldSz cx="12192000" cy="6858000"/>
   <p:notesSz cx="6858000" cy="9144000"/>
@@ -209,7 +210,7 @@
           <a:p>
             <a:fld id="{F2CD46A6-E28E-4955-AF4A-436AAB31619F}" type="datetimeFigureOut">
               <a:rPr lang="zh-CN" altLang="en-US" smtClean="0"/>
-              <a:t>2022/11/13</a:t>
+              <a:t>2022/12/5</a:t>
             </a:fld>
             <a:endParaRPr lang="zh-CN" altLang="en-US"/>
           </a:p>
@@ -812,6 +813,90 @@
 </p:notes>
 </file>
 
+<file path=ppt/notesSlides/notesSlide5.xml><?xml version="1.0" encoding="utf-8"?>
+<p:notes xmlns:a="http://schemas.openxmlformats.org/drawingml/2006/main" xmlns:r="http://schemas.openxmlformats.org/officeDocument/2006/relationships" xmlns:p="http://schemas.openxmlformats.org/presentationml/2006/main">
+  <p:cSld>
+    <p:spTree>
+      <p:nvGrpSpPr>
+        <p:cNvPr id="1" name=""/>
+        <p:cNvGrpSpPr/>
+        <p:nvPr/>
+      </p:nvGrpSpPr>
+      <p:grpSpPr>
+        <a:xfrm>
+          <a:off x="0" y="0"/>
+          <a:ext cx="0" cy="0"/>
+          <a:chOff x="0" y="0"/>
+          <a:chExt cx="0" cy="0"/>
+        </a:xfrm>
+      </p:grpSpPr>
+      <p:sp>
+        <p:nvSpPr>
+          <p:cNvPr id="2" name="幻灯片图像占位符 1"/>
+          <p:cNvSpPr>
+            <a:spLocks noGrp="1" noRot="1" noChangeAspect="1"/>
+          </p:cNvSpPr>
+          <p:nvPr>
+            <p:ph type="sldImg"/>
+          </p:nvPr>
+        </p:nvSpPr>
+        <p:spPr/>
+      </p:sp>
+      <p:sp>
+        <p:nvSpPr>
+          <p:cNvPr id="3" name="备注占位符 2"/>
+          <p:cNvSpPr>
+            <a:spLocks noGrp="1"/>
+          </p:cNvSpPr>
+          <p:nvPr>
+            <p:ph type="body" idx="1"/>
+          </p:nvPr>
+        </p:nvSpPr>
+        <p:spPr/>
+        <p:txBody>
+          <a:bodyPr/>
+          <a:lstStyle/>
+          <a:p>
+            <a:endParaRPr lang="zh-CN" altLang="en-US" dirty="0"/>
+          </a:p>
+        </p:txBody>
+      </p:sp>
+      <p:sp>
+        <p:nvSpPr>
+          <p:cNvPr id="4" name="灯片编号占位符 3"/>
+          <p:cNvSpPr>
+            <a:spLocks noGrp="1"/>
+          </p:cNvSpPr>
+          <p:nvPr>
+            <p:ph type="sldNum" sz="quarter" idx="5"/>
+          </p:nvPr>
+        </p:nvSpPr>
+        <p:spPr/>
+        <p:txBody>
+          <a:bodyPr/>
+          <a:lstStyle/>
+          <a:p>
+            <a:fld id="{2BB544B3-C411-42DB-B08E-35FEAA03EDA9}" type="slidenum">
+              <a:rPr lang="zh-CN" altLang="en-US" smtClean="0"/>
+              <a:t>13</a:t>
+            </a:fld>
+            <a:endParaRPr lang="zh-CN" altLang="en-US"/>
+          </a:p>
+        </p:txBody>
+      </p:sp>
+    </p:spTree>
+    <p:extLst>
+      <p:ext uri="{BB962C8B-B14F-4D97-AF65-F5344CB8AC3E}">
+        <p14:creationId xmlns:p14="http://schemas.microsoft.com/office/powerpoint/2010/main" val="3114668434"/>
+      </p:ext>
+    </p:extLst>
+  </p:cSld>
+  <p:clrMapOvr>
+    <a:masterClrMapping/>
+  </p:clrMapOvr>
+</p:notes>
+</file>
+
 <file path=ppt/slideLayouts/slideLayout1.xml><?xml version="1.0" encoding="utf-8"?>
 <p:sldLayout xmlns:a="http://schemas.openxmlformats.org/drawingml/2006/main" xmlns:r="http://schemas.openxmlformats.org/officeDocument/2006/relationships" xmlns:p="http://schemas.openxmlformats.org/presentationml/2006/main" type="title" preserve="1">
   <p:cSld name="标题幻灯片">
@@ -959,7 +1044,7 @@
           <a:p>
             <a:fld id="{397F7B27-B271-4BD4-9053-3C138650AD11}" type="datetimeFigureOut">
               <a:rPr lang="zh-CN" altLang="en-US" smtClean="0"/>
-              <a:t>2022/11/13</a:t>
+              <a:t>2022/12/5</a:t>
             </a:fld>
             <a:endParaRPr lang="zh-CN" altLang="en-US"/>
           </a:p>
@@ -1157,7 +1242,7 @@
           <a:p>
             <a:fld id="{397F7B27-B271-4BD4-9053-3C138650AD11}" type="datetimeFigureOut">
               <a:rPr lang="zh-CN" altLang="en-US" smtClean="0"/>
-              <a:t>2022/11/13</a:t>
+              <a:t>2022/12/5</a:t>
             </a:fld>
             <a:endParaRPr lang="zh-CN" altLang="en-US"/>
           </a:p>
@@ -1365,7 +1450,7 @@
           <a:p>
             <a:fld id="{397F7B27-B271-4BD4-9053-3C138650AD11}" type="datetimeFigureOut">
               <a:rPr lang="zh-CN" altLang="en-US" smtClean="0"/>
-              <a:t>2022/11/13</a:t>
+              <a:t>2022/12/5</a:t>
             </a:fld>
             <a:endParaRPr lang="zh-CN" altLang="en-US"/>
           </a:p>
@@ -1563,7 +1648,7 @@
           <a:p>
             <a:fld id="{397F7B27-B271-4BD4-9053-3C138650AD11}" type="datetimeFigureOut">
               <a:rPr lang="zh-CN" altLang="en-US" smtClean="0"/>
-              <a:t>2022/11/13</a:t>
+              <a:t>2022/12/5</a:t>
             </a:fld>
             <a:endParaRPr lang="zh-CN" altLang="en-US"/>
           </a:p>
@@ -1838,7 +1923,7 @@
           <a:p>
             <a:fld id="{397F7B27-B271-4BD4-9053-3C138650AD11}" type="datetimeFigureOut">
               <a:rPr lang="zh-CN" altLang="en-US" smtClean="0"/>
-              <a:t>2022/11/13</a:t>
+              <a:t>2022/12/5</a:t>
             </a:fld>
             <a:endParaRPr lang="zh-CN" altLang="en-US"/>
           </a:p>
@@ -2103,7 +2188,7 @@
           <a:p>
             <a:fld id="{397F7B27-B271-4BD4-9053-3C138650AD11}" type="datetimeFigureOut">
               <a:rPr lang="zh-CN" altLang="en-US" smtClean="0"/>
-              <a:t>2022/11/13</a:t>
+              <a:t>2022/12/5</a:t>
             </a:fld>
             <a:endParaRPr lang="zh-CN" altLang="en-US"/>
           </a:p>
@@ -2515,7 +2600,7 @@
           <a:p>
             <a:fld id="{397F7B27-B271-4BD4-9053-3C138650AD11}" type="datetimeFigureOut">
               <a:rPr lang="zh-CN" altLang="en-US" smtClean="0"/>
-              <a:t>2022/11/13</a:t>
+              <a:t>2022/12/5</a:t>
             </a:fld>
             <a:endParaRPr lang="zh-CN" altLang="en-US"/>
           </a:p>
@@ -2656,7 +2741,7 @@
           <a:p>
             <a:fld id="{397F7B27-B271-4BD4-9053-3C138650AD11}" type="datetimeFigureOut">
               <a:rPr lang="zh-CN" altLang="en-US" smtClean="0"/>
-              <a:t>2022/11/13</a:t>
+              <a:t>2022/12/5</a:t>
             </a:fld>
             <a:endParaRPr lang="zh-CN" altLang="en-US"/>
           </a:p>
@@ -2769,7 +2854,7 @@
           <a:p>
             <a:fld id="{397F7B27-B271-4BD4-9053-3C138650AD11}" type="datetimeFigureOut">
               <a:rPr lang="zh-CN" altLang="en-US" smtClean="0"/>
-              <a:t>2022/11/13</a:t>
+              <a:t>2022/12/5</a:t>
             </a:fld>
             <a:endParaRPr lang="zh-CN" altLang="en-US"/>
           </a:p>
@@ -3080,7 +3165,7 @@
           <a:p>
             <a:fld id="{397F7B27-B271-4BD4-9053-3C138650AD11}" type="datetimeFigureOut">
               <a:rPr lang="zh-CN" altLang="en-US" smtClean="0"/>
-              <a:t>2022/11/13</a:t>
+              <a:t>2022/12/5</a:t>
             </a:fld>
             <a:endParaRPr lang="zh-CN" altLang="en-US"/>
           </a:p>
@@ -3368,7 +3453,7 @@
           <a:p>
             <a:fld id="{397F7B27-B271-4BD4-9053-3C138650AD11}" type="datetimeFigureOut">
               <a:rPr lang="zh-CN" altLang="en-US" smtClean="0"/>
-              <a:t>2022/11/13</a:t>
+              <a:t>2022/12/5</a:t>
             </a:fld>
             <a:endParaRPr lang="zh-CN" altLang="en-US"/>
           </a:p>
@@ -3609,7 +3694,7 @@
           <a:p>
             <a:fld id="{397F7B27-B271-4BD4-9053-3C138650AD11}" type="datetimeFigureOut">
               <a:rPr lang="zh-CN" altLang="en-US" smtClean="0"/>
-              <a:t>2022/11/13</a:t>
+              <a:t>2022/12/5</a:t>
             </a:fld>
             <a:endParaRPr lang="zh-CN" altLang="en-US"/>
           </a:p>
@@ -4478,6 +4563,149 @@
 </file>
 
 <file path=ppt/slides/slide13.xml><?xml version="1.0" encoding="utf-8"?>
+<p:sld xmlns:a="http://schemas.openxmlformats.org/drawingml/2006/main" xmlns:r="http://schemas.openxmlformats.org/officeDocument/2006/relationships" xmlns:p="http://schemas.openxmlformats.org/presentationml/2006/main">
+  <p:cSld>
+    <p:spTree>
+      <p:nvGrpSpPr>
+        <p:cNvPr id="1" name=""/>
+        <p:cNvGrpSpPr/>
+        <p:nvPr/>
+      </p:nvGrpSpPr>
+      <p:grpSpPr>
+        <a:xfrm>
+          <a:off x="0" y="0"/>
+          <a:ext cx="0" cy="0"/>
+          <a:chOff x="0" y="0"/>
+          <a:chExt cx="0" cy="0"/>
+        </a:xfrm>
+      </p:grpSpPr>
+      <p:sp>
+        <p:nvSpPr>
+          <p:cNvPr id="4" name="文本框 3">
+            <a:extLst>
+              <a:ext uri="{FF2B5EF4-FFF2-40B4-BE49-F238E27FC236}">
+                <a16:creationId xmlns:a16="http://schemas.microsoft.com/office/drawing/2014/main" id="{92E31F91-D1B9-BEF6-1FFA-968A787BE588}"/>
+              </a:ext>
+            </a:extLst>
+          </p:cNvPr>
+          <p:cNvSpPr txBox="1"/>
+          <p:nvPr/>
+        </p:nvSpPr>
+        <p:spPr>
+          <a:xfrm>
+            <a:off x="202301" y="396510"/>
+            <a:ext cx="2815194" cy="369332"/>
+          </a:xfrm>
+          <a:prstGeom prst="rect">
+            <a:avLst/>
+          </a:prstGeom>
+          <a:noFill/>
+        </p:spPr>
+        <p:txBody>
+          <a:bodyPr wrap="none" rtlCol="0">
+            <a:spAutoFit/>
+          </a:bodyPr>
+          <a:lstStyle/>
+          <a:p>
+            <a:r>
+              <a:rPr lang="en-US" altLang="zh-CN" b="1" dirty="0"/>
+              <a:t>Lession_17  </a:t>
+            </a:r>
+            <a:r>
+              <a:rPr lang="en-US" altLang="zh-CN" b="1" dirty="0" err="1"/>
+              <a:t>osgEarth</a:t>
+            </a:r>
+            <a:r>
+              <a:rPr lang="zh-CN" altLang="en-US" b="1" dirty="0"/>
+              <a:t>编译</a:t>
+            </a:r>
+          </a:p>
+        </p:txBody>
+      </p:sp>
+      <p:sp>
+        <p:nvSpPr>
+          <p:cNvPr id="5" name="文本框 4">
+            <a:extLst>
+              <a:ext uri="{FF2B5EF4-FFF2-40B4-BE49-F238E27FC236}">
+                <a16:creationId xmlns:a16="http://schemas.microsoft.com/office/drawing/2014/main" id="{4C78F884-DC92-40FB-86CC-482E3EB5902B}"/>
+              </a:ext>
+            </a:extLst>
+          </p:cNvPr>
+          <p:cNvSpPr txBox="1"/>
+          <p:nvPr/>
+        </p:nvSpPr>
+        <p:spPr>
+          <a:xfrm>
+            <a:off x="2390888" y="2559884"/>
+            <a:ext cx="6817658" cy="369332"/>
+          </a:xfrm>
+          <a:prstGeom prst="rect">
+            <a:avLst/>
+          </a:prstGeom>
+          <a:noFill/>
+        </p:spPr>
+        <p:txBody>
+          <a:bodyPr wrap="square">
+            <a:spAutoFit/>
+          </a:bodyPr>
+          <a:lstStyle/>
+          <a:p>
+            <a:r>
+              <a:rPr lang="zh-CN" altLang="en-US" b="1" dirty="0"/>
+              <a:t>https://blog.csdn.net/Alexabc3000/article/details/118882997</a:t>
+            </a:r>
+          </a:p>
+        </p:txBody>
+      </p:sp>
+      <p:sp>
+        <p:nvSpPr>
+          <p:cNvPr id="6" name="文本框 5">
+            <a:extLst>
+              <a:ext uri="{FF2B5EF4-FFF2-40B4-BE49-F238E27FC236}">
+                <a16:creationId xmlns:a16="http://schemas.microsoft.com/office/drawing/2014/main" id="{BC44454E-F05E-2F61-4865-1B60FAFACC41}"/>
+              </a:ext>
+            </a:extLst>
+          </p:cNvPr>
+          <p:cNvSpPr txBox="1"/>
+          <p:nvPr/>
+        </p:nvSpPr>
+        <p:spPr>
+          <a:xfrm>
+            <a:off x="1441527" y="1947135"/>
+            <a:ext cx="949361" cy="369332"/>
+          </a:xfrm>
+          <a:prstGeom prst="rect">
+            <a:avLst/>
+          </a:prstGeom>
+          <a:noFill/>
+        </p:spPr>
+        <p:txBody>
+          <a:bodyPr wrap="square" rtlCol="0">
+            <a:spAutoFit/>
+          </a:bodyPr>
+          <a:lstStyle/>
+          <a:p>
+            <a:r>
+              <a:rPr lang="zh-CN" altLang="en-US" b="1" dirty="0"/>
+              <a:t>参考：</a:t>
+            </a:r>
+          </a:p>
+        </p:txBody>
+      </p:sp>
+    </p:spTree>
+    <p:extLst>
+      <p:ext uri="{BB962C8B-B14F-4D97-AF65-F5344CB8AC3E}">
+        <p14:creationId xmlns:p14="http://schemas.microsoft.com/office/powerpoint/2010/main" val="763572475"/>
+      </p:ext>
+    </p:extLst>
+  </p:cSld>
+  <p:clrMapOvr>
+    <a:masterClrMapping/>
+  </p:clrMapOvr>
+</p:sld>
+</file>
+
+<file path=ppt/slides/slide14.xml><?xml version="1.0" encoding="utf-8"?>
 <p:sld xmlns:a="http://schemas.openxmlformats.org/drawingml/2006/main" xmlns:r="http://schemas.openxmlformats.org/officeDocument/2006/relationships" xmlns:p="http://schemas.openxmlformats.org/presentationml/2006/main">
   <p:cSld>
     <p:spTree>
